--- a/Presentazione_progetto.pptx
+++ b/Presentazione_progetto.pptx
@@ -11,9 +11,13 @@
     <p:sldId id="259" r:id="rId5"/>
     <p:sldId id="260" r:id="rId6"/>
     <p:sldId id="263" r:id="rId7"/>
-    <p:sldId id="262" r:id="rId8"/>
-    <p:sldId id="264" r:id="rId9"/>
-    <p:sldId id="261" r:id="rId10"/>
+    <p:sldId id="265" r:id="rId8"/>
+    <p:sldId id="266" r:id="rId9"/>
+    <p:sldId id="267" r:id="rId10"/>
+    <p:sldId id="268" r:id="rId11"/>
+    <p:sldId id="262" r:id="rId12"/>
+    <p:sldId id="264" r:id="rId13"/>
+    <p:sldId id="261" r:id="rId14"/>
   </p:sldIdLst>
   <p:sldSz cx="12192000" cy="6858000"/>
   <p:notesSz cx="6858000" cy="9144000"/>
@@ -112,6 +116,11 @@
       </a:defRPr>
     </a:lvl9pPr>
   </p:defaultTextStyle>
+  <p:extLst>
+    <p:ext uri="{EFAFB233-063F-42B5-8137-9DF3F51BA10A}">
+      <p15:sldGuideLst xmlns:p15="http://schemas.microsoft.com/office/powerpoint/2012/main"/>
+    </p:ext>
+  </p:extLst>
 </p:presentation>
 </file>
 
@@ -3417,6 +3426,369 @@
 </p:sld>
 </file>
 
+<file path=ppt/slides/slide10.xml><?xml version="1.0" encoding="utf-8"?>
+<p:sld xmlns:a="http://schemas.openxmlformats.org/drawingml/2006/main" xmlns:r="http://schemas.openxmlformats.org/officeDocument/2006/relationships" xmlns:p="http://schemas.openxmlformats.org/presentationml/2006/main">
+  <p:cSld>
+    <p:spTree>
+      <p:nvGrpSpPr>
+        <p:cNvPr id="1" name=""/>
+        <p:cNvGrpSpPr/>
+        <p:nvPr/>
+      </p:nvGrpSpPr>
+      <p:grpSpPr>
+        <a:xfrm>
+          <a:off x="0" y="0"/>
+          <a:ext cx="0" cy="0"/>
+          <a:chOff x="0" y="0"/>
+          <a:chExt cx="0" cy="0"/>
+        </a:xfrm>
+      </p:grpSpPr>
+      <p:sp>
+        <p:nvSpPr>
+          <p:cNvPr id="2" name="Titolo 1">
+            <a:extLst>
+              <a:ext uri="{FF2B5EF4-FFF2-40B4-BE49-F238E27FC236}">
+                <a16:creationId xmlns:a16="http://schemas.microsoft.com/office/drawing/2014/main" id="{54E4BCDB-4581-188C-6236-C84A06A493CD}"/>
+              </a:ext>
+            </a:extLst>
+          </p:cNvPr>
+          <p:cNvSpPr>
+            <a:spLocks noGrp="1"/>
+          </p:cNvSpPr>
+          <p:nvPr>
+            <p:ph type="title"/>
+          </p:nvPr>
+        </p:nvSpPr>
+        <p:spPr/>
+        <p:txBody>
+          <a:bodyPr>
+            <a:noAutofit/>
+          </a:bodyPr>
+          <a:lstStyle/>
+          <a:p>
+            <a:r>
+              <a:rPr lang="en-US" sz="3600" dirty="0"/>
+              <a:t>Second case:</a:t>
+            </a:r>
+            <a:br>
+              <a:rPr lang="en-US" sz="3600" dirty="0"/>
+            </a:br>
+            <a:r>
+              <a:rPr lang="en-US" sz="3600" dirty="0"/>
+              <a:t>modelling </a:t>
+            </a:r>
+            <a:r>
+              <a:rPr lang="it-IT" sz="3600" dirty="0" err="1"/>
+              <a:t>Courier_Experience_yrs</a:t>
+            </a:r>
+            <a:r>
+              <a:rPr lang="it-IT" sz="3600" dirty="0"/>
+              <a:t> </a:t>
+            </a:r>
+            <a:br>
+              <a:rPr lang="it-IT" sz="3600" dirty="0"/>
+            </a:br>
+            <a:endParaRPr lang="it-IT" sz="3600" dirty="0"/>
+          </a:p>
+        </p:txBody>
+      </p:sp>
+      <p:sp>
+        <p:nvSpPr>
+          <p:cNvPr id="3" name="Segnaposto contenuto 2">
+            <a:extLst>
+              <a:ext uri="{FF2B5EF4-FFF2-40B4-BE49-F238E27FC236}">
+                <a16:creationId xmlns:a16="http://schemas.microsoft.com/office/drawing/2014/main" id="{99EE31DC-CAE3-0144-0389-7AB203E7F3F1}"/>
+              </a:ext>
+            </a:extLst>
+          </p:cNvPr>
+          <p:cNvSpPr>
+            <a:spLocks noGrp="1"/>
+          </p:cNvSpPr>
+          <p:nvPr>
+            <p:ph idx="1"/>
+          </p:nvPr>
+        </p:nvSpPr>
+        <p:spPr/>
+        <p:txBody>
+          <a:bodyPr/>
+          <a:lstStyle/>
+          <a:p>
+            <a:endParaRPr lang="it-IT"/>
+          </a:p>
+        </p:txBody>
+      </p:sp>
+    </p:spTree>
+    <p:extLst>
+      <p:ext uri="{BB962C8B-B14F-4D97-AF65-F5344CB8AC3E}">
+        <p14:creationId xmlns:p14="http://schemas.microsoft.com/office/powerpoint/2010/main" val="2912414931"/>
+      </p:ext>
+    </p:extLst>
+  </p:cSld>
+  <p:clrMapOvr>
+    <a:masterClrMapping/>
+  </p:clrMapOvr>
+</p:sld>
+</file>
+
+<file path=ppt/slides/slide11.xml><?xml version="1.0" encoding="utf-8"?>
+<p:sld xmlns:a="http://schemas.openxmlformats.org/drawingml/2006/main" xmlns:r="http://schemas.openxmlformats.org/officeDocument/2006/relationships" xmlns:p="http://schemas.openxmlformats.org/presentationml/2006/main">
+  <p:cSld>
+    <p:spTree>
+      <p:nvGrpSpPr>
+        <p:cNvPr id="1" name=""/>
+        <p:cNvGrpSpPr/>
+        <p:nvPr/>
+      </p:nvGrpSpPr>
+      <p:grpSpPr>
+        <a:xfrm>
+          <a:off x="0" y="0"/>
+          <a:ext cx="0" cy="0"/>
+          <a:chOff x="0" y="0"/>
+          <a:chExt cx="0" cy="0"/>
+        </a:xfrm>
+      </p:grpSpPr>
+      <p:sp>
+        <p:nvSpPr>
+          <p:cNvPr id="2" name="Titolo 1">
+            <a:extLst>
+              <a:ext uri="{FF2B5EF4-FFF2-40B4-BE49-F238E27FC236}">
+                <a16:creationId xmlns:a16="http://schemas.microsoft.com/office/drawing/2014/main" id="{B28BA7C9-C230-84D7-E01B-41BE0AEB1F3B}"/>
+              </a:ext>
+            </a:extLst>
+          </p:cNvPr>
+          <p:cNvSpPr>
+            <a:spLocks noGrp="1"/>
+          </p:cNvSpPr>
+          <p:nvPr>
+            <p:ph type="title"/>
+          </p:nvPr>
+        </p:nvSpPr>
+        <p:spPr/>
+        <p:txBody>
+          <a:bodyPr/>
+          <a:lstStyle/>
+          <a:p>
+            <a:r>
+              <a:rPr lang="it-IT" dirty="0"/>
+              <a:t>Multiple linear </a:t>
+            </a:r>
+            <a:r>
+              <a:rPr lang="it-IT" dirty="0" err="1"/>
+              <a:t>regression</a:t>
+            </a:r>
+            <a:endParaRPr lang="it-IT" dirty="0"/>
+          </a:p>
+        </p:txBody>
+      </p:sp>
+      <p:sp>
+        <p:nvSpPr>
+          <p:cNvPr id="3" name="Segnaposto contenuto 2">
+            <a:extLst>
+              <a:ext uri="{FF2B5EF4-FFF2-40B4-BE49-F238E27FC236}">
+                <a16:creationId xmlns:a16="http://schemas.microsoft.com/office/drawing/2014/main" id="{29A199F5-AFAC-1BCA-E6F5-DB9F255AF6CB}"/>
+              </a:ext>
+            </a:extLst>
+          </p:cNvPr>
+          <p:cNvSpPr>
+            <a:spLocks noGrp="1"/>
+          </p:cNvSpPr>
+          <p:nvPr>
+            <p:ph idx="1"/>
+          </p:nvPr>
+        </p:nvSpPr>
+        <p:spPr/>
+        <p:txBody>
+          <a:bodyPr/>
+          <a:lstStyle/>
+          <a:p>
+            <a:endParaRPr lang="it-IT"/>
+          </a:p>
+        </p:txBody>
+      </p:sp>
+    </p:spTree>
+    <p:extLst>
+      <p:ext uri="{BB962C8B-B14F-4D97-AF65-F5344CB8AC3E}">
+        <p14:creationId xmlns:p14="http://schemas.microsoft.com/office/powerpoint/2010/main" val="2703174860"/>
+      </p:ext>
+    </p:extLst>
+  </p:cSld>
+  <p:clrMapOvr>
+    <a:masterClrMapping/>
+  </p:clrMapOvr>
+</p:sld>
+</file>
+
+<file path=ppt/slides/slide12.xml><?xml version="1.0" encoding="utf-8"?>
+<p:sld xmlns:a="http://schemas.openxmlformats.org/drawingml/2006/main" xmlns:r="http://schemas.openxmlformats.org/officeDocument/2006/relationships" xmlns:p="http://schemas.openxmlformats.org/presentationml/2006/main">
+  <p:cSld>
+    <p:spTree>
+      <p:nvGrpSpPr>
+        <p:cNvPr id="1" name=""/>
+        <p:cNvGrpSpPr/>
+        <p:nvPr/>
+      </p:nvGrpSpPr>
+      <p:grpSpPr>
+        <a:xfrm>
+          <a:off x="0" y="0"/>
+          <a:ext cx="0" cy="0"/>
+          <a:chOff x="0" y="0"/>
+          <a:chExt cx="0" cy="0"/>
+        </a:xfrm>
+      </p:grpSpPr>
+      <p:sp>
+        <p:nvSpPr>
+          <p:cNvPr id="2" name="Titolo 1">
+            <a:extLst>
+              <a:ext uri="{FF2B5EF4-FFF2-40B4-BE49-F238E27FC236}">
+                <a16:creationId xmlns:a16="http://schemas.microsoft.com/office/drawing/2014/main" id="{77323F7C-7E31-E45B-4373-28AEB3FC710A}"/>
+              </a:ext>
+            </a:extLst>
+          </p:cNvPr>
+          <p:cNvSpPr>
+            <a:spLocks noGrp="1"/>
+          </p:cNvSpPr>
+          <p:nvPr>
+            <p:ph type="title"/>
+          </p:nvPr>
+        </p:nvSpPr>
+        <p:spPr/>
+        <p:txBody>
+          <a:bodyPr/>
+          <a:lstStyle/>
+          <a:p>
+            <a:r>
+              <a:rPr lang="it-IT" dirty="0"/>
+              <a:t>Cross </a:t>
+            </a:r>
+            <a:r>
+              <a:rPr lang="it-IT" dirty="0" err="1"/>
+              <a:t>validation</a:t>
+            </a:r>
+            <a:endParaRPr lang="it-IT" dirty="0"/>
+          </a:p>
+        </p:txBody>
+      </p:sp>
+      <p:sp>
+        <p:nvSpPr>
+          <p:cNvPr id="3" name="Segnaposto contenuto 2">
+            <a:extLst>
+              <a:ext uri="{FF2B5EF4-FFF2-40B4-BE49-F238E27FC236}">
+                <a16:creationId xmlns:a16="http://schemas.microsoft.com/office/drawing/2014/main" id="{6A3980BF-D05C-9EDF-B6B4-A79DC2E00025}"/>
+              </a:ext>
+            </a:extLst>
+          </p:cNvPr>
+          <p:cNvSpPr>
+            <a:spLocks noGrp="1"/>
+          </p:cNvSpPr>
+          <p:nvPr>
+            <p:ph idx="1"/>
+          </p:nvPr>
+        </p:nvSpPr>
+        <p:spPr/>
+        <p:txBody>
+          <a:bodyPr/>
+          <a:lstStyle/>
+          <a:p>
+            <a:endParaRPr lang="it-IT"/>
+          </a:p>
+        </p:txBody>
+      </p:sp>
+    </p:spTree>
+    <p:extLst>
+      <p:ext uri="{BB962C8B-B14F-4D97-AF65-F5344CB8AC3E}">
+        <p14:creationId xmlns:p14="http://schemas.microsoft.com/office/powerpoint/2010/main" val="3329922313"/>
+      </p:ext>
+    </p:extLst>
+  </p:cSld>
+  <p:clrMapOvr>
+    <a:masterClrMapping/>
+  </p:clrMapOvr>
+</p:sld>
+</file>
+
+<file path=ppt/slides/slide13.xml><?xml version="1.0" encoding="utf-8"?>
+<p:sld xmlns:a="http://schemas.openxmlformats.org/drawingml/2006/main" xmlns:r="http://schemas.openxmlformats.org/officeDocument/2006/relationships" xmlns:p="http://schemas.openxmlformats.org/presentationml/2006/main">
+  <p:cSld>
+    <p:spTree>
+      <p:nvGrpSpPr>
+        <p:cNvPr id="1" name=""/>
+        <p:cNvGrpSpPr/>
+        <p:nvPr/>
+      </p:nvGrpSpPr>
+      <p:grpSpPr>
+        <a:xfrm>
+          <a:off x="0" y="0"/>
+          <a:ext cx="0" cy="0"/>
+          <a:chOff x="0" y="0"/>
+          <a:chExt cx="0" cy="0"/>
+        </a:xfrm>
+      </p:grpSpPr>
+      <p:sp>
+        <p:nvSpPr>
+          <p:cNvPr id="2" name="Titolo 1">
+            <a:extLst>
+              <a:ext uri="{FF2B5EF4-FFF2-40B4-BE49-F238E27FC236}">
+                <a16:creationId xmlns:a16="http://schemas.microsoft.com/office/drawing/2014/main" id="{49387F1B-A9CA-91B4-602A-EAD8C55B482F}"/>
+              </a:ext>
+            </a:extLst>
+          </p:cNvPr>
+          <p:cNvSpPr>
+            <a:spLocks noGrp="1"/>
+          </p:cNvSpPr>
+          <p:nvPr>
+            <p:ph type="title"/>
+          </p:nvPr>
+        </p:nvSpPr>
+        <p:spPr/>
+        <p:txBody>
+          <a:bodyPr/>
+          <a:lstStyle/>
+          <a:p>
+            <a:r>
+              <a:rPr lang="en-GB" noProof="0" dirty="0"/>
+              <a:t>Preliminary results</a:t>
+            </a:r>
+          </a:p>
+        </p:txBody>
+      </p:sp>
+      <p:sp>
+        <p:nvSpPr>
+          <p:cNvPr id="3" name="Segnaposto contenuto 2">
+            <a:extLst>
+              <a:ext uri="{FF2B5EF4-FFF2-40B4-BE49-F238E27FC236}">
+                <a16:creationId xmlns:a16="http://schemas.microsoft.com/office/drawing/2014/main" id="{1CD430FB-DBE9-15DF-BC39-BFEC897B1233}"/>
+              </a:ext>
+            </a:extLst>
+          </p:cNvPr>
+          <p:cNvSpPr>
+            <a:spLocks noGrp="1"/>
+          </p:cNvSpPr>
+          <p:nvPr>
+            <p:ph idx="1"/>
+          </p:nvPr>
+        </p:nvSpPr>
+        <p:spPr/>
+        <p:txBody>
+          <a:bodyPr/>
+          <a:lstStyle/>
+          <a:p>
+            <a:endParaRPr lang="en-GB" noProof="0" dirty="0"/>
+          </a:p>
+        </p:txBody>
+      </p:sp>
+    </p:spTree>
+    <p:extLst>
+      <p:ext uri="{BB962C8B-B14F-4D97-AF65-F5344CB8AC3E}">
+        <p14:creationId xmlns:p14="http://schemas.microsoft.com/office/powerpoint/2010/main" val="1548392054"/>
+      </p:ext>
+    </p:extLst>
+  </p:cSld>
+  <p:clrMapOvr>
+    <a:masterClrMapping/>
+  </p:clrMapOvr>
+</p:sld>
+</file>
+
 <file path=ppt/slides/slide2.xml><?xml version="1.0" encoding="utf-8"?>
 <p:sld xmlns:a="http://schemas.openxmlformats.org/drawingml/2006/main" xmlns:r="http://schemas.openxmlformats.org/officeDocument/2006/relationships" xmlns:p="http://schemas.openxmlformats.org/presentationml/2006/main">
   <p:cSld>
@@ -3499,7 +3871,9 @@
           <a:bodyPr/>
           <a:lstStyle/>
           <a:p>
-            <a:pPr algn="just"/>
+            <a:pPr marL="0" indent="0" algn="just">
+              <a:buNone/>
+            </a:pPr>
             <a:r>
               <a:rPr lang="en-GB" dirty="0"/>
               <a:t>Reference link: </a:t>
@@ -3513,14 +3887,18 @@
             <a:endParaRPr lang="en-GB" sz="1800" u="sng" dirty="0"/>
           </a:p>
           <a:p>
-            <a:pPr algn="just"/>
+            <a:pPr marL="0" indent="0" algn="just">
+              <a:buNone/>
+            </a:pPr>
             <a:r>
               <a:rPr lang="en-US" dirty="0"/>
               <a:t>This dataset is designed for predicting food delivery times based on various influencing factors such as distance, weather, traffic conditions, and time of day. </a:t>
             </a:r>
           </a:p>
           <a:p>
-            <a:pPr algn="just"/>
+            <a:pPr marL="0" indent="0" algn="just">
+              <a:buNone/>
+            </a:pPr>
             <a:r>
               <a:rPr lang="en-US" dirty="0"/>
               <a:t>This dataset contains simulated data to predict food delivery times based on various real-world factors. </a:t>
@@ -3836,6 +4214,9 @@
           <a:bodyPr/>
           <a:lstStyle/>
           <a:p>
+            <a:pPr marL="0" indent="0">
+              <a:buNone/>
+            </a:pPr>
             <a:r>
               <a:rPr lang="en-GB" noProof="0" dirty="0"/>
               <a:t>The objective of this analysis is the creation of a model that can predict the necessary time for food delivery given </a:t>
@@ -3850,6 +4231,9 @@
             </a:r>
           </a:p>
           <a:p>
+            <a:pPr marL="0" indent="0">
+              <a:buNone/>
+            </a:pPr>
             <a:r>
               <a:rPr lang="en-GB" dirty="0"/>
               <a:t>Such model may then be implemented in software applications for delivery services, to inform clients of expected wait times even before the order has been completed.</a:t>
@@ -3934,22 +4318,41 @@
         </p:nvSpPr>
         <p:spPr/>
         <p:txBody>
-          <a:bodyPr/>
-          <a:lstStyle/>
-          <a:p>
+          <a:bodyPr>
+            <a:normAutofit/>
+          </a:bodyPr>
+          <a:lstStyle/>
+          <a:p>
+            <a:pPr marL="0" indent="0">
+              <a:buNone/>
+            </a:pPr>
             <a:r>
               <a:rPr lang="en-GB" noProof="0" dirty="0"/>
-              <a:t>We began our analysis by “cleaning” the dataset, specifically removing rows containing null values that would cause errors during further computations; this operation reduced the number of total rows from the initial 1000 to 883.</a:t>
-            </a:r>
-          </a:p>
-          <a:p>
+              <a:t>We begin our analysis by “cleaning” the dataset, specifically removing rows containing null values that would cause errors during further computations; this operation reduced the number of total rows from the initial 1000 to 883.</a:t>
+            </a:r>
+          </a:p>
+          <a:p>
+            <a:pPr marL="0" indent="0">
+              <a:buNone/>
+            </a:pPr>
             <a:r>
               <a:rPr lang="en-GB" noProof="0" dirty="0"/>
-              <a:t>We then removed any outliers that may distort the model, luckily, only four rows were classified as outliers at this point.</a:t>
-            </a:r>
-          </a:p>
-          <a:p>
-            <a:endParaRPr lang="en-GB" noProof="0" dirty="0"/>
+              <a:t>We then remove any outliers that may distort the model, luckily, only four rows </a:t>
+            </a:r>
+            <a:r>
+              <a:rPr lang="en-GB" dirty="0"/>
+              <a:t>are</a:t>
+            </a:r>
+            <a:r>
+              <a:rPr lang="en-GB" noProof="0" dirty="0"/>
+              <a:t> classified as outliers at this point.</a:t>
+            </a:r>
+          </a:p>
+          <a:p>
+            <a:pPr marL="0" indent="0">
+              <a:buNone/>
+            </a:pPr>
+            <a:endParaRPr lang="en-GB" sz="3200" noProof="0" dirty="0"/>
           </a:p>
           <a:p>
             <a:pPr marL="0" indent="0">
@@ -3986,7 +4389,10 @@
             <a:endParaRPr lang="en-GB" i="1" noProof="0" dirty="0"/>
           </a:p>
           <a:p>
-            <a:endParaRPr lang="en-GB" noProof="0" dirty="0"/>
+            <a:pPr marL="0" indent="0">
+              <a:buNone/>
+            </a:pPr>
+            <a:endParaRPr lang="en-GB" sz="3200" noProof="0" dirty="0"/>
           </a:p>
         </p:txBody>
       </p:sp>
@@ -4042,12 +4448,16 @@
           <a:lstStyle/>
           <a:p>
             <a:r>
+              <a:rPr lang="it-IT" dirty="0" err="1"/>
+              <a:t>Evaluating</a:t>
+            </a:r>
+            <a:r>
               <a:rPr lang="it-IT" dirty="0"/>
-              <a:t>Simple linear </a:t>
+              <a:t> </a:t>
             </a:r>
             <a:r>
               <a:rPr lang="it-IT" dirty="0" err="1"/>
-              <a:t>regression</a:t>
+              <a:t>correlation</a:t>
             </a:r>
             <a:endParaRPr lang="it-IT" dirty="0"/>
           </a:p>
@@ -4069,15 +4479,92 @@
             <p:ph idx="1"/>
           </p:nvPr>
         </p:nvSpPr>
-        <p:spPr/>
-        <p:txBody>
-          <a:bodyPr/>
-          <a:lstStyle/>
-          <a:p>
-            <a:endParaRPr lang="it-IT"/>
-          </a:p>
-        </p:txBody>
-      </p:sp>
+        <p:spPr>
+          <a:xfrm>
+            <a:off x="838200" y="1690688"/>
+            <a:ext cx="5545667" cy="4351338"/>
+          </a:xfrm>
+        </p:spPr>
+        <p:txBody>
+          <a:bodyPr>
+            <a:normAutofit fontScale="92500"/>
+          </a:bodyPr>
+          <a:lstStyle/>
+          <a:p>
+            <a:pPr marL="0" indent="0" algn="just">
+              <a:buNone/>
+            </a:pPr>
+            <a:r>
+              <a:rPr lang="en-US" sz="2400" dirty="0"/>
+              <a:t>Before building regression models, we assess the quality of the dataset by analyzing the correlation between variables through the construction of a correlation matrix.</a:t>
+            </a:r>
+          </a:p>
+          <a:p>
+            <a:pPr marL="0" indent="0" algn="just">
+              <a:buNone/>
+            </a:pPr>
+            <a:endParaRPr lang="en-US" sz="2400" dirty="0"/>
+          </a:p>
+          <a:p>
+            <a:pPr marL="0" indent="0" algn="just">
+              <a:buNone/>
+            </a:pPr>
+            <a:r>
+              <a:rPr lang="en-US" sz="2400" b="0" i="0" dirty="0">
+                <a:effectLst/>
+                <a:latin typeface="system-ui"/>
+              </a:rPr>
+              <a:t>In our case, some variables show a clear linear relationship with delivery time, indicating their potential importance in the regression model.</a:t>
+            </a:r>
+            <a:br>
+              <a:rPr lang="en-US" sz="2400" dirty="0"/>
+            </a:br>
+            <a:r>
+              <a:rPr lang="en-US" sz="2400" b="0" i="0" dirty="0">
+                <a:effectLst/>
+                <a:latin typeface="system-ui"/>
+              </a:rPr>
+              <a:t>Additionally, the predictors are not highly correlated with each other, suggesting that the dataset is suitable for linear regression and that multicollinearity is not a concern.</a:t>
+            </a:r>
+            <a:endParaRPr lang="it-IT" sz="2400" dirty="0"/>
+          </a:p>
+        </p:txBody>
+      </p:sp>
+      <p:pic>
+        <p:nvPicPr>
+          <p:cNvPr id="5" name="Segnaposto contenuto 4" descr="Immagine che contiene testo, schermata, Rettangolo, Parallelo&#10;&#10;Il contenuto generato dall'IA potrebbe non essere corretto.">
+            <a:extLst>
+              <a:ext uri="{FF2B5EF4-FFF2-40B4-BE49-F238E27FC236}">
+                <a16:creationId xmlns:a16="http://schemas.microsoft.com/office/drawing/2014/main" id="{123C9691-1530-52B0-4AE8-8685E56A9C8B}"/>
+              </a:ext>
+            </a:extLst>
+          </p:cNvPr>
+          <p:cNvPicPr>
+            <a:picLocks noChangeAspect="1"/>
+          </p:cNvPicPr>
+          <p:nvPr/>
+        </p:nvPicPr>
+        <p:blipFill>
+          <a:blip r:embed="rId2">
+            <a:extLst>
+              <a:ext uri="{28A0092B-C50C-407E-A947-70E740481C1C}">
+                <a14:useLocalDpi xmlns:a14="http://schemas.microsoft.com/office/drawing/2010/main" val="0"/>
+              </a:ext>
+            </a:extLst>
+          </a:blip>
+          <a:srcRect l="4999"/>
+          <a:stretch/>
+        </p:blipFill>
+        <p:spPr>
+          <a:xfrm>
+            <a:off x="6493932" y="1834621"/>
+            <a:ext cx="5052975" cy="4351338"/>
+          </a:xfrm>
+          <a:prstGeom prst="rect">
+            <a:avLst/>
+          </a:prstGeom>
+        </p:spPr>
+      </p:pic>
     </p:spTree>
     <p:extLst>
       <p:ext uri="{BB962C8B-B14F-4D97-AF65-F5344CB8AC3E}">
@@ -4113,7 +4600,7 @@
           <p:cNvPr id="2" name="Titolo 1">
             <a:extLst>
               <a:ext uri="{FF2B5EF4-FFF2-40B4-BE49-F238E27FC236}">
-                <a16:creationId xmlns:a16="http://schemas.microsoft.com/office/drawing/2014/main" id="{B28BA7C9-C230-84D7-E01B-41BE0AEB1F3B}"/>
+                <a16:creationId xmlns:a16="http://schemas.microsoft.com/office/drawing/2014/main" id="{97970A62-AE43-4680-BD74-A2F5EC5FC0FB}"/>
               </a:ext>
             </a:extLst>
           </p:cNvPr>
@@ -4131,7 +4618,7 @@
           <a:p>
             <a:r>
               <a:rPr lang="it-IT" dirty="0"/>
-              <a:t>Multiple linear </a:t>
+              <a:t>Simple linear </a:t>
             </a:r>
             <a:r>
               <a:rPr lang="it-IT" dirty="0" err="1"/>
@@ -4146,7 +4633,7 @@
           <p:cNvPr id="3" name="Segnaposto contenuto 2">
             <a:extLst>
               <a:ext uri="{FF2B5EF4-FFF2-40B4-BE49-F238E27FC236}">
-                <a16:creationId xmlns:a16="http://schemas.microsoft.com/office/drawing/2014/main" id="{29A199F5-AFAC-1BCA-E6F5-DB9F255AF6CB}"/>
+                <a16:creationId xmlns:a16="http://schemas.microsoft.com/office/drawing/2014/main" id="{44143D6E-B0B5-A768-72F8-CD51BC576844}"/>
               </a:ext>
             </a:extLst>
           </p:cNvPr>
@@ -4162,14 +4649,93 @@
           <a:bodyPr/>
           <a:lstStyle/>
           <a:p>
-            <a:endParaRPr lang="it-IT"/>
+            <a:pPr marL="0" indent="0">
+              <a:buNone/>
+            </a:pPr>
+            <a:r>
+              <a:rPr lang="en-US" sz="2200" dirty="0"/>
+              <a:t>The three numerical variables </a:t>
+            </a:r>
+            <a:r>
+              <a:rPr lang="en-US" sz="2200" i="1" dirty="0"/>
+              <a:t>(</a:t>
+            </a:r>
+            <a:r>
+              <a:rPr lang="en-US" sz="2200" i="1" dirty="0" err="1"/>
+              <a:t>Distance_km</a:t>
+            </a:r>
+            <a:r>
+              <a:rPr lang="en-US" sz="2200" i="1" dirty="0"/>
+              <a:t>, </a:t>
+            </a:r>
+            <a:r>
+              <a:rPr lang="en-US" sz="2200" i="1" dirty="0" err="1"/>
+              <a:t>Preparation_Time_min</a:t>
+            </a:r>
+            <a:r>
+              <a:rPr lang="en-US" sz="2200" i="1" dirty="0"/>
+              <a:t>, </a:t>
+            </a:r>
+            <a:r>
+              <a:rPr lang="en-US" sz="2200" i="1" dirty="0" err="1"/>
+              <a:t>Courier_Experience_yrs</a:t>
+            </a:r>
+            <a:r>
+              <a:rPr lang="en-US" sz="2200" i="1" dirty="0"/>
+              <a:t>) </a:t>
+            </a:r>
+            <a:r>
+              <a:rPr lang="en-US" sz="2200" dirty="0"/>
+              <a:t>are selected, and the relationship between each of them and the response variable </a:t>
+            </a:r>
+            <a:r>
+              <a:rPr lang="en-US" sz="2200" dirty="0" err="1"/>
+              <a:t>Delivery_Time_min</a:t>
+            </a:r>
+            <a:r>
+              <a:rPr lang="en-US" sz="2200" dirty="0"/>
+              <a:t> is analyzed individually.</a:t>
+            </a:r>
+          </a:p>
+          <a:p>
+            <a:pPr marL="0" indent="0" algn="just">
+              <a:buNone/>
+            </a:pPr>
+            <a:r>
+              <a:rPr lang="en-US" sz="2200" dirty="0"/>
+              <a:t>The resulting models are mostly similar, all three variables individually have a high importance (as discernible by their low P-value); the </a:t>
+            </a:r>
+            <a:r>
+              <a:rPr lang="en-US" sz="2200" b="1" dirty="0"/>
+              <a:t>travel distance</a:t>
+            </a:r>
+            <a:r>
+              <a:rPr lang="en-US" sz="2200" dirty="0"/>
+              <a:t> generates the best model out of the three, while the </a:t>
+            </a:r>
+            <a:r>
+              <a:rPr lang="en-US" sz="2200" b="1" dirty="0"/>
+              <a:t>preparation time </a:t>
+            </a:r>
+            <a:r>
+              <a:rPr lang="en-US" sz="2200" dirty="0"/>
+              <a:t>and </a:t>
+            </a:r>
+            <a:r>
+              <a:rPr lang="en-US" sz="2200" b="1" dirty="0"/>
+              <a:t>courier experience</a:t>
+            </a:r>
+            <a:r>
+              <a:rPr lang="en-US" sz="2200" dirty="0"/>
+              <a:t>, while having an impact on the delivery time, seem to not be enough by themselves to predict delivery time.</a:t>
+            </a:r>
           </a:p>
         </p:txBody>
       </p:sp>
     </p:spTree>
     <p:extLst>
       <p:ext uri="{BB962C8B-B14F-4D97-AF65-F5344CB8AC3E}">
-        <p14:creationId xmlns:p14="http://schemas.microsoft.com/office/powerpoint/2010/main" val="2703174860"/>
+        <p14:creationId xmlns:p14="http://schemas.microsoft.com/office/powerpoint/2010/main" val="2020658887"/>
       </p:ext>
     </p:extLst>
   </p:cSld>
@@ -4201,7 +4767,7 @@
           <p:cNvPr id="2" name="Titolo 1">
             <a:extLst>
               <a:ext uri="{FF2B5EF4-FFF2-40B4-BE49-F238E27FC236}">
-                <a16:creationId xmlns:a16="http://schemas.microsoft.com/office/drawing/2014/main" id="{77323F7C-7E31-E45B-4373-28AEB3FC710A}"/>
+                <a16:creationId xmlns:a16="http://schemas.microsoft.com/office/drawing/2014/main" id="{227337FE-12A1-98FA-9FAE-DAAC7302D3F9}"/>
               </a:ext>
             </a:extLst>
           </p:cNvPr>
@@ -4214,18 +4780,35 @@
         </p:nvSpPr>
         <p:spPr/>
         <p:txBody>
-          <a:bodyPr/>
-          <a:lstStyle/>
-          <a:p>
-            <a:r>
-              <a:rPr lang="it-IT" dirty="0"/>
-              <a:t>Cross </a:t>
-            </a:r>
-            <a:r>
-              <a:rPr lang="it-IT" dirty="0" err="1"/>
-              <a:t>validation</a:t>
-            </a:r>
-            <a:endParaRPr lang="it-IT" dirty="0"/>
+          <a:bodyPr>
+            <a:noAutofit/>
+          </a:bodyPr>
+          <a:lstStyle/>
+          <a:p>
+            <a:pPr>
+              <a:spcBef>
+                <a:spcPts val="1089"/>
+              </a:spcBef>
+              <a:spcAft>
+                <a:spcPts val="726"/>
+              </a:spcAft>
+            </a:pPr>
+            <a:r>
+              <a:rPr lang="en-US" sz="3200" dirty="0"/>
+              <a:t>First case:</a:t>
+            </a:r>
+            <a:br>
+              <a:rPr lang="en-US" sz="3200" dirty="0"/>
+            </a:br>
+            <a:r>
+              <a:rPr lang="en-US" sz="3200" dirty="0"/>
+              <a:t>modelling </a:t>
+            </a:r>
+            <a:r>
+              <a:rPr lang="en-US" sz="3200" dirty="0" err="1"/>
+              <a:t>Distance_km</a:t>
+            </a:r>
+            <a:endParaRPr lang="it-IT" sz="3200" dirty="0"/>
           </a:p>
         </p:txBody>
       </p:sp>
@@ -4234,7 +4817,7 @@
           <p:cNvPr id="3" name="Segnaposto contenuto 2">
             <a:extLst>
               <a:ext uri="{FF2B5EF4-FFF2-40B4-BE49-F238E27FC236}">
-                <a16:creationId xmlns:a16="http://schemas.microsoft.com/office/drawing/2014/main" id="{6A3980BF-D05C-9EDF-B6B4-A79DC2E00025}"/>
+                <a16:creationId xmlns:a16="http://schemas.microsoft.com/office/drawing/2014/main" id="{43C46194-F791-B628-B4F3-E57A4C5A6C0D}"/>
               </a:ext>
             </a:extLst>
           </p:cNvPr>
@@ -4245,19 +4828,81 @@
             <p:ph idx="1"/>
           </p:nvPr>
         </p:nvSpPr>
-        <p:spPr/>
-        <p:txBody>
-          <a:bodyPr/>
-          <a:lstStyle/>
-          <a:p>
-            <a:endParaRPr lang="it-IT"/>
-          </a:p>
-        </p:txBody>
-      </p:sp>
+        <p:spPr>
+          <a:xfrm>
+            <a:off x="6096000" y="1690688"/>
+            <a:ext cx="5257800" cy="4351338"/>
+          </a:xfrm>
+        </p:spPr>
+        <p:txBody>
+          <a:bodyPr>
+            <a:normAutofit/>
+          </a:bodyPr>
+          <a:lstStyle/>
+          <a:p>
+            <a:pPr marL="0" indent="0" algn="just">
+              <a:buNone/>
+            </a:pPr>
+            <a:r>
+              <a:rPr lang="en-US" sz="2400" dirty="0"/>
+              <a:t>The scatter plot shows a positive correlation between distance in kilometers and delivery time in minutes.</a:t>
+            </a:r>
+          </a:p>
+          <a:p>
+            <a:pPr marL="0" indent="0" algn="just">
+              <a:buNone/>
+            </a:pPr>
+            <a:br>
+              <a:rPr lang="en-US" sz="2400" dirty="0"/>
+            </a:br>
+            <a:r>
+              <a:rPr lang="en-US" sz="2400" dirty="0"/>
+              <a:t>The data points align well with the linear trend line, indicating that the model is accurate and useful for predicting delivery times based on distance.</a:t>
+            </a:r>
+            <a:endParaRPr lang="it-IT" sz="2400" dirty="0"/>
+          </a:p>
+        </p:txBody>
+      </p:sp>
+      <p:pic>
+        <p:nvPicPr>
+          <p:cNvPr id="5" name="Immagine 4" descr="Immagine che contiene schermata, diagramma, linea, mappa&#10;&#10;Il contenuto generato dall'IA potrebbe non essere corretto.">
+            <a:extLst>
+              <a:ext uri="{FF2B5EF4-FFF2-40B4-BE49-F238E27FC236}">
+                <a16:creationId xmlns:a16="http://schemas.microsoft.com/office/drawing/2014/main" id="{3FAB2223-FACC-D87B-A40F-3C517CA0B3A6}"/>
+              </a:ext>
+            </a:extLst>
+          </p:cNvPr>
+          <p:cNvPicPr>
+            <a:picLocks noChangeAspect="1"/>
+          </p:cNvPicPr>
+          <p:nvPr/>
+        </p:nvPicPr>
+        <p:blipFill>
+          <a:blip r:embed="rId2">
+            <a:extLst>
+              <a:ext uri="{28A0092B-C50C-407E-A947-70E740481C1C}">
+                <a14:useLocalDpi xmlns:a14="http://schemas.microsoft.com/office/drawing/2010/main" val="0"/>
+              </a:ext>
+            </a:extLst>
+          </a:blip>
+          <a:stretch>
+            <a:fillRect/>
+          </a:stretch>
+        </p:blipFill>
+        <p:spPr>
+          <a:xfrm>
+            <a:off x="838200" y="1690688"/>
+            <a:ext cx="4808637" cy="3665538"/>
+          </a:xfrm>
+          <a:prstGeom prst="rect">
+            <a:avLst/>
+          </a:prstGeom>
+        </p:spPr>
+      </p:pic>
     </p:spTree>
     <p:extLst>
       <p:ext uri="{BB962C8B-B14F-4D97-AF65-F5344CB8AC3E}">
-        <p14:creationId xmlns:p14="http://schemas.microsoft.com/office/powerpoint/2010/main" val="3329922313"/>
+        <p14:creationId xmlns:p14="http://schemas.microsoft.com/office/powerpoint/2010/main" val="2229514157"/>
       </p:ext>
     </p:extLst>
   </p:cSld>
@@ -4289,7 +4934,7 @@
           <p:cNvPr id="2" name="Titolo 1">
             <a:extLst>
               <a:ext uri="{FF2B5EF4-FFF2-40B4-BE49-F238E27FC236}">
-                <a16:creationId xmlns:a16="http://schemas.microsoft.com/office/drawing/2014/main" id="{49387F1B-A9CA-91B4-602A-EAD8C55B482F}"/>
+                <a16:creationId xmlns:a16="http://schemas.microsoft.com/office/drawing/2014/main" id="{1A505CDB-80E0-E752-7942-E8DA4F4E6F54}"/>
               </a:ext>
             </a:extLst>
           </p:cNvPr>
@@ -4302,13 +4947,35 @@
         </p:nvSpPr>
         <p:spPr/>
         <p:txBody>
-          <a:bodyPr/>
-          <a:lstStyle/>
-          <a:p>
-            <a:r>
-              <a:rPr lang="en-GB" noProof="0" dirty="0"/>
-              <a:t>Preliminary results</a:t>
-            </a:r>
+          <a:bodyPr>
+            <a:normAutofit/>
+          </a:bodyPr>
+          <a:lstStyle/>
+          <a:p>
+            <a:pPr>
+              <a:spcBef>
+                <a:spcPts val="1089"/>
+              </a:spcBef>
+              <a:spcAft>
+                <a:spcPts val="726"/>
+              </a:spcAft>
+            </a:pPr>
+            <a:r>
+              <a:rPr lang="en-US" sz="3600" dirty="0"/>
+              <a:t>Second case:</a:t>
+            </a:r>
+            <a:br>
+              <a:rPr lang="en-US" sz="3600" dirty="0"/>
+            </a:br>
+            <a:r>
+              <a:rPr lang="en-US" sz="3600" dirty="0"/>
+              <a:t>modelling </a:t>
+            </a:r>
+            <a:r>
+              <a:rPr lang="en-US" sz="3600" dirty="0" err="1"/>
+              <a:t>Preparation_Time_min</a:t>
+            </a:r>
+            <a:endParaRPr lang="it-IT" dirty="0"/>
           </a:p>
         </p:txBody>
       </p:sp>
@@ -4317,7 +4984,7 @@
           <p:cNvPr id="3" name="Segnaposto contenuto 2">
             <a:extLst>
               <a:ext uri="{FF2B5EF4-FFF2-40B4-BE49-F238E27FC236}">
-                <a16:creationId xmlns:a16="http://schemas.microsoft.com/office/drawing/2014/main" id="{1CD430FB-DBE9-15DF-BC39-BFEC897B1233}"/>
+                <a16:creationId xmlns:a16="http://schemas.microsoft.com/office/drawing/2014/main" id="{AAB837A9-913E-8F40-A7F0-EA2956FC44D7}"/>
               </a:ext>
             </a:extLst>
           </p:cNvPr>
@@ -4333,14 +5000,14 @@
           <a:bodyPr/>
           <a:lstStyle/>
           <a:p>
-            <a:endParaRPr lang="en-GB" noProof="0" dirty="0"/>
+            <a:endParaRPr lang="it-IT"/>
           </a:p>
         </p:txBody>
       </p:sp>
     </p:spTree>
     <p:extLst>
       <p:ext uri="{BB962C8B-B14F-4D97-AF65-F5344CB8AC3E}">
-        <p14:creationId xmlns:p14="http://schemas.microsoft.com/office/powerpoint/2010/main" val="1548392054"/>
+        <p14:creationId xmlns:p14="http://schemas.microsoft.com/office/powerpoint/2010/main" val="4021516136"/>
       </p:ext>
     </p:extLst>
   </p:cSld>

--- a/Presentazione_progetto.pptx
+++ b/Presentazione_progetto.pptx
@@ -16,8 +16,12 @@
     <p:sldId id="267" r:id="rId10"/>
     <p:sldId id="268" r:id="rId11"/>
     <p:sldId id="262" r:id="rId12"/>
-    <p:sldId id="264" r:id="rId13"/>
-    <p:sldId id="261" r:id="rId14"/>
+    <p:sldId id="269" r:id="rId13"/>
+    <p:sldId id="270" r:id="rId14"/>
+    <p:sldId id="271" r:id="rId15"/>
+    <p:sldId id="272" r:id="rId16"/>
+    <p:sldId id="264" r:id="rId17"/>
+    <p:sldId id="261" r:id="rId18"/>
   </p:sldIdLst>
   <p:sldSz cx="12192000" cy="6858000"/>
   <p:notesSz cx="6858000" cy="9144000"/>
@@ -271,7 +275,7 @@
           <a:p>
             <a:fld id="{90B70764-B291-4DF1-8F81-7A21D382620D}" type="datetimeFigureOut">
               <a:rPr lang="it-IT" smtClean="0"/>
-              <a:t>26/04/2025</a:t>
+              <a:t>27/04/2025</a:t>
             </a:fld>
             <a:endParaRPr lang="it-IT"/>
           </a:p>
@@ -469,7 +473,7 @@
           <a:p>
             <a:fld id="{90B70764-B291-4DF1-8F81-7A21D382620D}" type="datetimeFigureOut">
               <a:rPr lang="it-IT" smtClean="0"/>
-              <a:t>26/04/2025</a:t>
+              <a:t>27/04/2025</a:t>
             </a:fld>
             <a:endParaRPr lang="it-IT"/>
           </a:p>
@@ -677,7 +681,7 @@
           <a:p>
             <a:fld id="{90B70764-B291-4DF1-8F81-7A21D382620D}" type="datetimeFigureOut">
               <a:rPr lang="it-IT" smtClean="0"/>
-              <a:t>26/04/2025</a:t>
+              <a:t>27/04/2025</a:t>
             </a:fld>
             <a:endParaRPr lang="it-IT"/>
           </a:p>
@@ -875,7 +879,7 @@
           <a:p>
             <a:fld id="{90B70764-B291-4DF1-8F81-7A21D382620D}" type="datetimeFigureOut">
               <a:rPr lang="it-IT" smtClean="0"/>
-              <a:t>26/04/2025</a:t>
+              <a:t>27/04/2025</a:t>
             </a:fld>
             <a:endParaRPr lang="it-IT"/>
           </a:p>
@@ -1150,7 +1154,7 @@
           <a:p>
             <a:fld id="{90B70764-B291-4DF1-8F81-7A21D382620D}" type="datetimeFigureOut">
               <a:rPr lang="it-IT" smtClean="0"/>
-              <a:t>26/04/2025</a:t>
+              <a:t>27/04/2025</a:t>
             </a:fld>
             <a:endParaRPr lang="it-IT"/>
           </a:p>
@@ -1415,7 +1419,7 @@
           <a:p>
             <a:fld id="{90B70764-B291-4DF1-8F81-7A21D382620D}" type="datetimeFigureOut">
               <a:rPr lang="it-IT" smtClean="0"/>
-              <a:t>26/04/2025</a:t>
+              <a:t>27/04/2025</a:t>
             </a:fld>
             <a:endParaRPr lang="it-IT"/>
           </a:p>
@@ -1827,7 +1831,7 @@
           <a:p>
             <a:fld id="{90B70764-B291-4DF1-8F81-7A21D382620D}" type="datetimeFigureOut">
               <a:rPr lang="it-IT" smtClean="0"/>
-              <a:t>26/04/2025</a:t>
+              <a:t>27/04/2025</a:t>
             </a:fld>
             <a:endParaRPr lang="it-IT"/>
           </a:p>
@@ -1968,7 +1972,7 @@
           <a:p>
             <a:fld id="{90B70764-B291-4DF1-8F81-7A21D382620D}" type="datetimeFigureOut">
               <a:rPr lang="it-IT" smtClean="0"/>
-              <a:t>26/04/2025</a:t>
+              <a:t>27/04/2025</a:t>
             </a:fld>
             <a:endParaRPr lang="it-IT"/>
           </a:p>
@@ -2081,7 +2085,7 @@
           <a:p>
             <a:fld id="{90B70764-B291-4DF1-8F81-7A21D382620D}" type="datetimeFigureOut">
               <a:rPr lang="it-IT" smtClean="0"/>
-              <a:t>26/04/2025</a:t>
+              <a:t>27/04/2025</a:t>
             </a:fld>
             <a:endParaRPr lang="it-IT"/>
           </a:p>
@@ -2392,7 +2396,7 @@
           <a:p>
             <a:fld id="{90B70764-B291-4DF1-8F81-7A21D382620D}" type="datetimeFigureOut">
               <a:rPr lang="it-IT" smtClean="0"/>
-              <a:t>26/04/2025</a:t>
+              <a:t>27/04/2025</a:t>
             </a:fld>
             <a:endParaRPr lang="it-IT"/>
           </a:p>
@@ -2680,7 +2684,7 @@
           <a:p>
             <a:fld id="{90B70764-B291-4DF1-8F81-7A21D382620D}" type="datetimeFigureOut">
               <a:rPr lang="it-IT" smtClean="0"/>
-              <a:t>26/04/2025</a:t>
+              <a:t>27/04/2025</a:t>
             </a:fld>
             <a:endParaRPr lang="it-IT"/>
           </a:p>
@@ -2921,7 +2925,7 @@
           <a:p>
             <a:fld id="{90B70764-B291-4DF1-8F81-7A21D382620D}" type="datetimeFigureOut">
               <a:rPr lang="it-IT" smtClean="0"/>
-              <a:t>26/04/2025</a:t>
+              <a:t>27/04/2025</a:t>
             </a:fld>
             <a:endParaRPr lang="it-IT"/>
           </a:p>
@@ -3467,56 +3471,174 @@
           <a:lstStyle/>
           <a:p>
             <a:r>
-              <a:rPr lang="en-US" sz="3600" dirty="0"/>
-              <a:t>Second case:</a:t>
+              <a:rPr lang="en-GB" noProof="0" dirty="0"/>
+              <a:t>Third case:</a:t>
             </a:r>
             <a:br>
-              <a:rPr lang="en-US" sz="3600" dirty="0"/>
+              <a:rPr lang="en-GB" noProof="0" dirty="0"/>
             </a:br>
             <a:r>
-              <a:rPr lang="en-US" sz="3600" dirty="0"/>
+              <a:rPr lang="en-GB" noProof="0" dirty="0"/>
               <a:t>modelling </a:t>
             </a:r>
             <a:r>
-              <a:rPr lang="it-IT" sz="3600" dirty="0" err="1"/>
+              <a:rPr lang="en-GB" noProof="0" dirty="0" err="1"/>
               <a:t>Courier_Experience_yrs</a:t>
             </a:r>
             <a:r>
-              <a:rPr lang="it-IT" sz="3600" dirty="0"/>
+              <a:rPr lang="en-GB" noProof="0" dirty="0"/>
               <a:t> </a:t>
             </a:r>
             <a:br>
-              <a:rPr lang="it-IT" sz="3600" dirty="0"/>
+              <a:rPr lang="en-GB" noProof="0" dirty="0"/>
             </a:br>
-            <a:endParaRPr lang="it-IT" sz="3600" dirty="0"/>
-          </a:p>
-        </p:txBody>
-      </p:sp>
-      <p:sp>
-        <p:nvSpPr>
-          <p:cNvPr id="3" name="Segnaposto contenuto 2">
-            <a:extLst>
-              <a:ext uri="{FF2B5EF4-FFF2-40B4-BE49-F238E27FC236}">
-                <a16:creationId xmlns:a16="http://schemas.microsoft.com/office/drawing/2014/main" id="{99EE31DC-CAE3-0144-0389-7AB203E7F3F1}"/>
-              </a:ext>
-            </a:extLst>
-          </p:cNvPr>
-          <p:cNvSpPr>
-            <a:spLocks noGrp="1"/>
-          </p:cNvSpPr>
+            <a:endParaRPr lang="en-GB" noProof="0" dirty="0"/>
+          </a:p>
+        </p:txBody>
+      </p:sp>
+      <p:pic>
+        <p:nvPicPr>
+          <p:cNvPr id="5" name="Segnaposto contenuto 4" descr="Immagine che contiene testo, schermata, Carattere, linea&#10;&#10;Il contenuto generato dall'IA potrebbe non essere corretto.">
+            <a:extLst>
+              <a:ext uri="{FF2B5EF4-FFF2-40B4-BE49-F238E27FC236}">
+                <a16:creationId xmlns:a16="http://schemas.microsoft.com/office/drawing/2014/main" id="{5977ED8C-C413-DBDC-9CC2-30663956FF84}"/>
+              </a:ext>
+            </a:extLst>
+          </p:cNvPr>
+          <p:cNvPicPr>
+            <a:picLocks noGrp="1" noChangeAspect="1"/>
+          </p:cNvPicPr>
           <p:nvPr>
             <p:ph idx="1"/>
           </p:nvPr>
-        </p:nvSpPr>
-        <p:spPr/>
-        <p:txBody>
-          <a:bodyPr/>
-          <a:lstStyle/>
-          <a:p>
-            <a:endParaRPr lang="it-IT"/>
-          </a:p>
-        </p:txBody>
-      </p:sp>
+        </p:nvPicPr>
+        <p:blipFill>
+          <a:blip r:embed="rId2">
+            <a:extLst>
+              <a:ext uri="{28A0092B-C50C-407E-A947-70E740481C1C}">
+                <a14:useLocalDpi xmlns:a14="http://schemas.microsoft.com/office/drawing/2010/main" val="0"/>
+              </a:ext>
+            </a:extLst>
+          </a:blip>
+          <a:stretch>
+            <a:fillRect/>
+          </a:stretch>
+        </p:blipFill>
+        <p:spPr>
+          <a:xfrm>
+            <a:off x="1092914" y="1690688"/>
+            <a:ext cx="3548922" cy="891645"/>
+          </a:xfrm>
+        </p:spPr>
+      </p:pic>
+      <p:pic>
+        <p:nvPicPr>
+          <p:cNvPr id="11" name="Immagine 10" descr="Immagine che contiene testo, schermata, linea, diagramma&#10;&#10;Il contenuto generato dall'IA potrebbe non essere corretto.">
+            <a:extLst>
+              <a:ext uri="{FF2B5EF4-FFF2-40B4-BE49-F238E27FC236}">
+                <a16:creationId xmlns:a16="http://schemas.microsoft.com/office/drawing/2014/main" id="{6F2BB62F-C67E-C8AB-6391-61F21B6B7845}"/>
+              </a:ext>
+            </a:extLst>
+          </p:cNvPr>
+          <p:cNvPicPr>
+            <a:picLocks noChangeAspect="1"/>
+          </p:cNvPicPr>
+          <p:nvPr/>
+        </p:nvPicPr>
+        <p:blipFill>
+          <a:blip r:embed="rId3">
+            <a:extLst>
+              <a:ext uri="{28A0092B-C50C-407E-A947-70E740481C1C}">
+                <a14:useLocalDpi xmlns:a14="http://schemas.microsoft.com/office/drawing/2010/main" val="0"/>
+              </a:ext>
+            </a:extLst>
+          </a:blip>
+          <a:stretch>
+            <a:fillRect/>
+          </a:stretch>
+        </p:blipFill>
+        <p:spPr>
+          <a:xfrm>
+            <a:off x="582722" y="3009584"/>
+            <a:ext cx="4251030" cy="3179851"/>
+          </a:xfrm>
+          <a:prstGeom prst="rect">
+            <a:avLst/>
+          </a:prstGeom>
+        </p:spPr>
+      </p:pic>
+      <p:pic>
+        <p:nvPicPr>
+          <p:cNvPr id="13" name="Immagine 12" descr="Immagine che contiene testo, schermata, linea, diagramma&#10;&#10;Il contenuto generato dall'IA potrebbe non essere corretto.">
+            <a:extLst>
+              <a:ext uri="{FF2B5EF4-FFF2-40B4-BE49-F238E27FC236}">
+                <a16:creationId xmlns:a16="http://schemas.microsoft.com/office/drawing/2014/main" id="{516FA01C-A917-799A-22F1-E413E65E2166}"/>
+              </a:ext>
+            </a:extLst>
+          </p:cNvPr>
+          <p:cNvPicPr>
+            <a:picLocks noChangeAspect="1"/>
+          </p:cNvPicPr>
+          <p:nvPr/>
+        </p:nvPicPr>
+        <p:blipFill>
+          <a:blip r:embed="rId4">
+            <a:extLst>
+              <a:ext uri="{28A0092B-C50C-407E-A947-70E740481C1C}">
+                <a14:useLocalDpi xmlns:a14="http://schemas.microsoft.com/office/drawing/2010/main" val="0"/>
+              </a:ext>
+            </a:extLst>
+          </a:blip>
+          <a:stretch>
+            <a:fillRect/>
+          </a:stretch>
+        </p:blipFill>
+        <p:spPr>
+          <a:xfrm>
+            <a:off x="4926962" y="3009584"/>
+            <a:ext cx="3242734" cy="3129427"/>
+          </a:xfrm>
+          <a:prstGeom prst="rect">
+            <a:avLst/>
+          </a:prstGeom>
+        </p:spPr>
+      </p:pic>
+      <p:pic>
+        <p:nvPicPr>
+          <p:cNvPr id="15" name="Immagine 14" descr="Immagine che contiene testo, schermata, Carattere, numero&#10;&#10;Il contenuto generato dall'IA potrebbe non essere corretto.">
+            <a:extLst>
+              <a:ext uri="{FF2B5EF4-FFF2-40B4-BE49-F238E27FC236}">
+                <a16:creationId xmlns:a16="http://schemas.microsoft.com/office/drawing/2014/main" id="{94ACE2F5-9BEF-14BA-A28B-6236FF8395B2}"/>
+              </a:ext>
+            </a:extLst>
+          </p:cNvPr>
+          <p:cNvPicPr>
+            <a:picLocks noChangeAspect="1"/>
+          </p:cNvPicPr>
+          <p:nvPr/>
+        </p:nvPicPr>
+        <p:blipFill>
+          <a:blip r:embed="rId5">
+            <a:extLst>
+              <a:ext uri="{28A0092B-C50C-407E-A947-70E740481C1C}">
+                <a14:useLocalDpi xmlns:a14="http://schemas.microsoft.com/office/drawing/2010/main" val="0"/>
+              </a:ext>
+            </a:extLst>
+          </a:blip>
+          <a:stretch>
+            <a:fillRect/>
+          </a:stretch>
+        </p:blipFill>
+        <p:spPr>
+          <a:xfrm>
+            <a:off x="8262907" y="3009584"/>
+            <a:ext cx="3346371" cy="3129427"/>
+          </a:xfrm>
+          <a:prstGeom prst="rect">
+            <a:avLst/>
+          </a:prstGeom>
+        </p:spPr>
+      </p:pic>
     </p:spTree>
     <p:extLst>
       <p:ext uri="{BB962C8B-B14F-4D97-AF65-F5344CB8AC3E}">
@@ -3569,14 +3691,16 @@
           <a:lstStyle/>
           <a:p>
             <a:r>
-              <a:rPr lang="it-IT" dirty="0"/>
-              <a:t>Multiple linear </a:t>
-            </a:r>
-            <a:r>
-              <a:rPr lang="it-IT" dirty="0" err="1"/>
-              <a:t>regression</a:t>
-            </a:r>
-            <a:endParaRPr lang="it-IT" dirty="0"/>
+              <a:rPr lang="en-GB" noProof="0" dirty="0"/>
+              <a:t>Multiple linear regression -</a:t>
+            </a:r>
+            <a:br>
+              <a:rPr lang="en-GB" noProof="0" dirty="0"/>
+            </a:br>
+            <a:r>
+              <a:rPr lang="en-GB" noProof="0" dirty="0"/>
+              <a:t>using numerical predictors only</a:t>
+            </a:r>
           </a:p>
         </p:txBody>
       </p:sp>
@@ -3596,15 +3720,133 @@
             <p:ph idx="1"/>
           </p:nvPr>
         </p:nvSpPr>
-        <p:spPr/>
-        <p:txBody>
-          <a:bodyPr/>
-          <a:lstStyle/>
-          <a:p>
-            <a:endParaRPr lang="it-IT"/>
-          </a:p>
-        </p:txBody>
-      </p:sp>
+        <p:spPr>
+          <a:xfrm>
+            <a:off x="5029200" y="1825625"/>
+            <a:ext cx="6324600" cy="4667250"/>
+          </a:xfrm>
+        </p:spPr>
+        <p:txBody>
+          <a:bodyPr>
+            <a:normAutofit/>
+          </a:bodyPr>
+          <a:lstStyle/>
+          <a:p>
+            <a:pPr marL="0" indent="0">
+              <a:lnSpc>
+                <a:spcPct val="100000"/>
+              </a:lnSpc>
+              <a:buNone/>
+            </a:pPr>
+            <a:r>
+              <a:rPr lang="en-GB" sz="2400" noProof="0" dirty="0"/>
+              <a:t>The results of the linear regression model indicate that distance, preparation time, and courier experience significantly influence food delivery time (p-values = 0).</a:t>
+            </a:r>
+            <a:br>
+              <a:rPr lang="en-GB" sz="2400" noProof="0" dirty="0"/>
+            </a:br>
+            <a:endParaRPr lang="en-GB" sz="2400" noProof="0" dirty="0"/>
+          </a:p>
+          <a:p>
+            <a:pPr marL="0" indent="0">
+              <a:lnSpc>
+                <a:spcPct val="100000"/>
+              </a:lnSpc>
+              <a:buNone/>
+            </a:pPr>
+            <a:r>
+              <a:rPr lang="en-GB" sz="2400" noProof="0" dirty="0"/>
+              <a:t>The linear regression model explains approximately 73% of the variance in food delivery time, indicating a strong fit.</a:t>
+            </a:r>
+            <a:br>
+              <a:rPr lang="en-GB" sz="2400" noProof="0" dirty="0"/>
+            </a:br>
+            <a:r>
+              <a:rPr lang="en-GB" sz="2400" noProof="0" dirty="0"/>
+              <a:t>The residual standard error (RSE) is 11 minutes, suggesting a moderate prediction error given the likely range of delivery times.</a:t>
+            </a:r>
+            <a:br>
+              <a:rPr lang="en-GB" sz="2400" noProof="0" dirty="0"/>
+            </a:br>
+            <a:r>
+              <a:rPr lang="en-GB" sz="2400" noProof="0" dirty="0"/>
+              <a:t>Overall, the model performs well.</a:t>
+            </a:r>
+          </a:p>
+        </p:txBody>
+      </p:sp>
+      <p:pic>
+        <p:nvPicPr>
+          <p:cNvPr id="5" name="Immagine 4" descr="Immagine che contiene testo, schermata, Carattere, numero&#10;&#10;Il contenuto generato dall'IA potrebbe non essere corretto.">
+            <a:extLst>
+              <a:ext uri="{FF2B5EF4-FFF2-40B4-BE49-F238E27FC236}">
+                <a16:creationId xmlns:a16="http://schemas.microsoft.com/office/drawing/2014/main" id="{2334BB64-661D-673D-B395-B91C48BC5F78}"/>
+              </a:ext>
+            </a:extLst>
+          </p:cNvPr>
+          <p:cNvPicPr>
+            <a:picLocks noChangeAspect="1"/>
+          </p:cNvPicPr>
+          <p:nvPr/>
+        </p:nvPicPr>
+        <p:blipFill>
+          <a:blip r:embed="rId2">
+            <a:extLst>
+              <a:ext uri="{28A0092B-C50C-407E-A947-70E740481C1C}">
+                <a14:useLocalDpi xmlns:a14="http://schemas.microsoft.com/office/drawing/2010/main" val="0"/>
+              </a:ext>
+            </a:extLst>
+          </a:blip>
+          <a:stretch>
+            <a:fillRect/>
+          </a:stretch>
+        </p:blipFill>
+        <p:spPr>
+          <a:xfrm>
+            <a:off x="918075" y="1825625"/>
+            <a:ext cx="3686857" cy="1603375"/>
+          </a:xfrm>
+          <a:prstGeom prst="rect">
+            <a:avLst/>
+          </a:prstGeom>
+        </p:spPr>
+      </p:pic>
+      <p:pic>
+        <p:nvPicPr>
+          <p:cNvPr id="7" name="Immagine 6">
+            <a:extLst>
+              <a:ext uri="{FF2B5EF4-FFF2-40B4-BE49-F238E27FC236}">
+                <a16:creationId xmlns:a16="http://schemas.microsoft.com/office/drawing/2014/main" id="{D1795BEE-E5AA-C0D1-AA9C-C25E16C7A7E0}"/>
+              </a:ext>
+            </a:extLst>
+          </p:cNvPr>
+          <p:cNvPicPr>
+            <a:picLocks noChangeAspect="1"/>
+          </p:cNvPicPr>
+          <p:nvPr/>
+        </p:nvPicPr>
+        <p:blipFill>
+          <a:blip r:embed="rId3">
+            <a:extLst>
+              <a:ext uri="{28A0092B-C50C-407E-A947-70E740481C1C}">
+                <a14:useLocalDpi xmlns:a14="http://schemas.microsoft.com/office/drawing/2010/main" val="0"/>
+              </a:ext>
+            </a:extLst>
+          </a:blip>
+          <a:stretch>
+            <a:fillRect/>
+          </a:stretch>
+        </p:blipFill>
+        <p:spPr>
+          <a:xfrm>
+            <a:off x="918076" y="3793896"/>
+            <a:ext cx="3686856" cy="926643"/>
+          </a:xfrm>
+          <a:prstGeom prst="rect">
+            <a:avLst/>
+          </a:prstGeom>
+        </p:spPr>
+      </p:pic>
     </p:spTree>
     <p:extLst>
       <p:ext uri="{BB962C8B-B14F-4D97-AF65-F5344CB8AC3E}">
@@ -3640,6 +3882,1016 @@
           <p:cNvPr id="2" name="Titolo 1">
             <a:extLst>
               <a:ext uri="{FF2B5EF4-FFF2-40B4-BE49-F238E27FC236}">
+                <a16:creationId xmlns:a16="http://schemas.microsoft.com/office/drawing/2014/main" id="{F8750F3B-139F-785D-4097-C8977F170205}"/>
+              </a:ext>
+            </a:extLst>
+          </p:cNvPr>
+          <p:cNvSpPr>
+            <a:spLocks noGrp="1"/>
+          </p:cNvSpPr>
+          <p:nvPr>
+            <p:ph type="title"/>
+          </p:nvPr>
+        </p:nvSpPr>
+        <p:spPr/>
+        <p:txBody>
+          <a:bodyPr/>
+          <a:lstStyle/>
+          <a:p>
+            <a:r>
+              <a:rPr lang="en-GB" noProof="0" dirty="0"/>
+              <a:t>Multiple linear regression -</a:t>
+            </a:r>
+            <a:br>
+              <a:rPr lang="en-GB" noProof="0" dirty="0"/>
+            </a:br>
+            <a:r>
+              <a:rPr lang="en-GB" noProof="0" dirty="0"/>
+              <a:t>evaluation of categorical regressors</a:t>
+            </a:r>
+          </a:p>
+        </p:txBody>
+      </p:sp>
+      <p:sp>
+        <p:nvSpPr>
+          <p:cNvPr id="3" name="Segnaposto contenuto 2">
+            <a:extLst>
+              <a:ext uri="{FF2B5EF4-FFF2-40B4-BE49-F238E27FC236}">
+                <a16:creationId xmlns:a16="http://schemas.microsoft.com/office/drawing/2014/main" id="{5CFB9F6F-2009-1C11-842E-BC07D43CE5A7}"/>
+              </a:ext>
+            </a:extLst>
+          </p:cNvPr>
+          <p:cNvSpPr>
+            <a:spLocks noGrp="1"/>
+          </p:cNvSpPr>
+          <p:nvPr>
+            <p:ph idx="1"/>
+          </p:nvPr>
+        </p:nvSpPr>
+        <p:spPr>
+          <a:xfrm>
+            <a:off x="5935132" y="1825625"/>
+            <a:ext cx="5418667" cy="4351338"/>
+          </a:xfrm>
+        </p:spPr>
+        <p:txBody>
+          <a:bodyPr>
+            <a:normAutofit lnSpcReduction="10000"/>
+          </a:bodyPr>
+          <a:lstStyle/>
+          <a:p>
+            <a:pPr marL="0" indent="0">
+              <a:buNone/>
+            </a:pPr>
+            <a:r>
+              <a:rPr lang="en-GB" sz="2400" noProof="0" dirty="0"/>
+              <a:t>Before creating the new model, we verify that the categorical variables are not strongly correlated with each other, ensuring that each one contributes useful information to the model.</a:t>
+            </a:r>
+            <a:br>
+              <a:rPr lang="en-GB" sz="2400" noProof="0" dirty="0"/>
+            </a:br>
+            <a:r>
+              <a:rPr lang="en-GB" sz="2400" noProof="0" dirty="0"/>
+              <a:t>Since the variables are not numerical, we cannot use a standard correlation matrix.</a:t>
+            </a:r>
+            <a:br>
+              <a:rPr lang="en-GB" sz="2400" noProof="0" dirty="0"/>
+            </a:br>
+            <a:r>
+              <a:rPr lang="en-GB" sz="2400" noProof="0" dirty="0"/>
+              <a:t>Instead, we use Cramér's V, a statistical measure of association between two categorical variables, which ranges from 0 (no association) to 1 (perfect association).</a:t>
+            </a:r>
+          </a:p>
+        </p:txBody>
+      </p:sp>
+      <p:pic>
+        <p:nvPicPr>
+          <p:cNvPr id="5" name="Immagine 4" descr="Immagine che contiene testo, schermata, Rettangolo, Parallelo&#10;&#10;Il contenuto generato dall'IA potrebbe non essere corretto.">
+            <a:extLst>
+              <a:ext uri="{FF2B5EF4-FFF2-40B4-BE49-F238E27FC236}">
+                <a16:creationId xmlns:a16="http://schemas.microsoft.com/office/drawing/2014/main" id="{37D5D7C7-25AC-F5C6-EC21-B758EC971955}"/>
+              </a:ext>
+            </a:extLst>
+          </p:cNvPr>
+          <p:cNvPicPr>
+            <a:picLocks noChangeAspect="1"/>
+          </p:cNvPicPr>
+          <p:nvPr/>
+        </p:nvPicPr>
+        <p:blipFill>
+          <a:blip r:embed="rId2">
+            <a:extLst>
+              <a:ext uri="{28A0092B-C50C-407E-A947-70E740481C1C}">
+                <a14:useLocalDpi xmlns:a14="http://schemas.microsoft.com/office/drawing/2010/main" val="0"/>
+              </a:ext>
+            </a:extLst>
+          </a:blip>
+          <a:stretch>
+            <a:fillRect/>
+          </a:stretch>
+        </p:blipFill>
+        <p:spPr>
+          <a:xfrm>
+            <a:off x="399281" y="1830915"/>
+            <a:ext cx="5418667" cy="4433018"/>
+          </a:xfrm>
+          <a:prstGeom prst="rect">
+            <a:avLst/>
+          </a:prstGeom>
+        </p:spPr>
+      </p:pic>
+    </p:spTree>
+    <p:extLst>
+      <p:ext uri="{BB962C8B-B14F-4D97-AF65-F5344CB8AC3E}">
+        <p14:creationId xmlns:p14="http://schemas.microsoft.com/office/powerpoint/2010/main" val="1666723293"/>
+      </p:ext>
+    </p:extLst>
+  </p:cSld>
+  <p:clrMapOvr>
+    <a:masterClrMapping/>
+  </p:clrMapOvr>
+</p:sld>
+</file>
+
+<file path=ppt/slides/slide13.xml><?xml version="1.0" encoding="utf-8"?>
+<p:sld xmlns:a="http://schemas.openxmlformats.org/drawingml/2006/main" xmlns:r="http://schemas.openxmlformats.org/officeDocument/2006/relationships" xmlns:p="http://schemas.openxmlformats.org/presentationml/2006/main">
+  <p:cSld>
+    <p:spTree>
+      <p:nvGrpSpPr>
+        <p:cNvPr id="1" name=""/>
+        <p:cNvGrpSpPr/>
+        <p:nvPr/>
+      </p:nvGrpSpPr>
+      <p:grpSpPr>
+        <a:xfrm>
+          <a:off x="0" y="0"/>
+          <a:ext cx="0" cy="0"/>
+          <a:chOff x="0" y="0"/>
+          <a:chExt cx="0" cy="0"/>
+        </a:xfrm>
+      </p:grpSpPr>
+      <p:sp>
+        <p:nvSpPr>
+          <p:cNvPr id="2" name="Titolo 1">
+            <a:extLst>
+              <a:ext uri="{FF2B5EF4-FFF2-40B4-BE49-F238E27FC236}">
+                <a16:creationId xmlns:a16="http://schemas.microsoft.com/office/drawing/2014/main" id="{99771FA4-B552-234C-AB72-601608562253}"/>
+              </a:ext>
+            </a:extLst>
+          </p:cNvPr>
+          <p:cNvSpPr>
+            <a:spLocks noGrp="1"/>
+          </p:cNvSpPr>
+          <p:nvPr>
+            <p:ph type="title"/>
+          </p:nvPr>
+        </p:nvSpPr>
+        <p:spPr/>
+        <p:txBody>
+          <a:bodyPr/>
+          <a:lstStyle/>
+          <a:p>
+            <a:r>
+              <a:rPr lang="en-GB" noProof="0" dirty="0"/>
+              <a:t>Multiple linear regression -</a:t>
+            </a:r>
+            <a:br>
+              <a:rPr lang="en-GB" noProof="0" dirty="0"/>
+            </a:br>
+            <a:r>
+              <a:rPr lang="en-GB" noProof="0" dirty="0"/>
+              <a:t>full model evaluation</a:t>
+            </a:r>
+          </a:p>
+        </p:txBody>
+      </p:sp>
+      <p:sp>
+        <p:nvSpPr>
+          <p:cNvPr id="3" name="Segnaposto contenuto 2">
+            <a:extLst>
+              <a:ext uri="{FF2B5EF4-FFF2-40B4-BE49-F238E27FC236}">
+                <a16:creationId xmlns:a16="http://schemas.microsoft.com/office/drawing/2014/main" id="{7EBFD188-E5B4-8FE0-CCAF-EF4FB825A5B9}"/>
+              </a:ext>
+            </a:extLst>
+          </p:cNvPr>
+          <p:cNvSpPr>
+            <a:spLocks noGrp="1"/>
+          </p:cNvSpPr>
+          <p:nvPr>
+            <p:ph idx="1"/>
+          </p:nvPr>
+        </p:nvSpPr>
+        <p:spPr>
+          <a:xfrm>
+            <a:off x="4478866" y="1690688"/>
+            <a:ext cx="6874933" cy="4718579"/>
+          </a:xfrm>
+        </p:spPr>
+        <p:txBody>
+          <a:bodyPr>
+            <a:normAutofit fontScale="47500" lnSpcReduction="20000"/>
+          </a:bodyPr>
+          <a:lstStyle/>
+          <a:p>
+            <a:pPr algn="l">
+              <a:buFont typeface="Arial" panose="020B0604020202020204" pitchFamily="34" charset="0"/>
+              <a:buChar char="•"/>
+            </a:pPr>
+            <a:r>
+              <a:rPr lang="en-GB" sz="3800" noProof="0" dirty="0" err="1"/>
+              <a:t>Distance_km</a:t>
+            </a:r>
+            <a:r>
+              <a:rPr lang="en-GB" sz="3800" noProof="0" dirty="0"/>
+              <a:t> has a strong and significant positive effect on delivery time.</a:t>
+            </a:r>
+          </a:p>
+          <a:p>
+            <a:pPr algn="l">
+              <a:buFont typeface="Arial" panose="020B0604020202020204" pitchFamily="34" charset="0"/>
+              <a:buChar char="•"/>
+            </a:pPr>
+            <a:r>
+              <a:rPr lang="en-GB" sz="3800" noProof="0" dirty="0"/>
+              <a:t>Adverse weather conditions like Foggy, Rainy, and Snowy significantly increase delivery time, compared to Clear weather.</a:t>
+            </a:r>
+          </a:p>
+          <a:p>
+            <a:pPr algn="l">
+              <a:buFont typeface="Arial" panose="020B0604020202020204" pitchFamily="34" charset="0"/>
+              <a:buChar char="•"/>
+            </a:pPr>
+            <a:r>
+              <a:rPr lang="en-GB" sz="3800" noProof="0" dirty="0" err="1"/>
+              <a:t>Traffic_Level</a:t>
+            </a:r>
+            <a:r>
+              <a:rPr lang="en-GB" sz="3800" noProof="0" dirty="0"/>
+              <a:t>[Low] and Medium significantly reduce delivery time compared to High traffic, which is the baseline.</a:t>
+            </a:r>
+          </a:p>
+          <a:p>
+            <a:pPr algn="l">
+              <a:buFont typeface="Arial" panose="020B0604020202020204" pitchFamily="34" charset="0"/>
+              <a:buChar char="•"/>
+            </a:pPr>
+            <a:r>
+              <a:rPr lang="en-GB" sz="3800" noProof="0" dirty="0"/>
+              <a:t>Different times of the day (Morning, Evening, Night) do not show statistically significant differences (p-values &gt; 0.05) from the baseline (Afternoon).</a:t>
+            </a:r>
+          </a:p>
+          <a:p>
+            <a:pPr algn="l">
+              <a:buFont typeface="Arial" panose="020B0604020202020204" pitchFamily="34" charset="0"/>
+              <a:buChar char="•"/>
+            </a:pPr>
+            <a:r>
+              <a:rPr lang="en-GB" sz="3800" noProof="0" dirty="0"/>
+              <a:t>Similarly, neither Car nor Scooter types show significant differences (p-values &gt; 0.05) from the baseline vehicle (Bike), suggesting that vehicle type may not strongly influence delivery time in this model.</a:t>
+            </a:r>
+          </a:p>
+          <a:p>
+            <a:pPr algn="l">
+              <a:buFont typeface="Arial" panose="020B0604020202020204" pitchFamily="34" charset="0"/>
+              <a:buChar char="•"/>
+            </a:pPr>
+            <a:r>
+              <a:rPr lang="en-GB" sz="3800" noProof="0" dirty="0" err="1"/>
+              <a:t>Preparation_Time_min</a:t>
+            </a:r>
+            <a:r>
+              <a:rPr lang="en-GB" sz="3800" noProof="0" dirty="0"/>
+              <a:t> significantly increases delivery time, as expected.</a:t>
+            </a:r>
+          </a:p>
+          <a:p>
+            <a:pPr algn="l">
+              <a:buFont typeface="Arial" panose="020B0604020202020204" pitchFamily="34" charset="0"/>
+              <a:buChar char="•"/>
+            </a:pPr>
+            <a:r>
+              <a:rPr lang="en-GB" sz="3800" noProof="0" dirty="0" err="1"/>
+              <a:t>Courier_Experience_yrs</a:t>
+            </a:r>
+            <a:r>
+              <a:rPr lang="en-GB" sz="3800" noProof="0" dirty="0"/>
+              <a:t> is negatively associated with delivery time, indicating that more experienced couriers tend to deliver faster.</a:t>
+            </a:r>
+          </a:p>
+          <a:p>
+            <a:endParaRPr lang="en-GB" noProof="0" dirty="0"/>
+          </a:p>
+        </p:txBody>
+      </p:sp>
+      <p:pic>
+        <p:nvPicPr>
+          <p:cNvPr id="5" name="Immagine 4" descr="Immagine che contiene testo, schermata, Carattere, documento&#10;&#10;Il contenuto generato dall'IA potrebbe non essere corretto.">
+            <a:extLst>
+              <a:ext uri="{FF2B5EF4-FFF2-40B4-BE49-F238E27FC236}">
+                <a16:creationId xmlns:a16="http://schemas.microsoft.com/office/drawing/2014/main" id="{B128AD6E-27BB-422C-380C-5E1B23A2AC81}"/>
+              </a:ext>
+            </a:extLst>
+          </p:cNvPr>
+          <p:cNvPicPr>
+            <a:picLocks noChangeAspect="1"/>
+          </p:cNvPicPr>
+          <p:nvPr/>
+        </p:nvPicPr>
+        <p:blipFill>
+          <a:blip r:embed="rId2">
+            <a:extLst>
+              <a:ext uri="{28A0092B-C50C-407E-A947-70E740481C1C}">
+                <a14:useLocalDpi xmlns:a14="http://schemas.microsoft.com/office/drawing/2010/main" val="0"/>
+              </a:ext>
+            </a:extLst>
+          </a:blip>
+          <a:stretch>
+            <a:fillRect/>
+          </a:stretch>
+        </p:blipFill>
+        <p:spPr>
+          <a:xfrm>
+            <a:off x="998082" y="1690688"/>
+            <a:ext cx="3185436" cy="4282811"/>
+          </a:xfrm>
+          <a:prstGeom prst="rect">
+            <a:avLst/>
+          </a:prstGeom>
+        </p:spPr>
+      </p:pic>
+      <p:pic>
+        <p:nvPicPr>
+          <p:cNvPr id="7" name="Immagine 6">
+            <a:extLst>
+              <a:ext uri="{FF2B5EF4-FFF2-40B4-BE49-F238E27FC236}">
+                <a16:creationId xmlns:a16="http://schemas.microsoft.com/office/drawing/2014/main" id="{C4727406-A367-ACCF-2882-BEAF5F4CA694}"/>
+              </a:ext>
+            </a:extLst>
+          </p:cNvPr>
+          <p:cNvPicPr>
+            <a:picLocks noChangeAspect="1"/>
+          </p:cNvPicPr>
+          <p:nvPr/>
+        </p:nvPicPr>
+        <p:blipFill>
+          <a:blip r:embed="rId3">
+            <a:extLst>
+              <a:ext uri="{28A0092B-C50C-407E-A947-70E740481C1C}">
+                <a14:useLocalDpi xmlns:a14="http://schemas.microsoft.com/office/drawing/2010/main" val="0"/>
+              </a:ext>
+            </a:extLst>
+          </a:blip>
+          <a:stretch>
+            <a:fillRect/>
+          </a:stretch>
+        </p:blipFill>
+        <p:spPr>
+          <a:xfrm>
+            <a:off x="998082" y="6046021"/>
+            <a:ext cx="2351147" cy="532580"/>
+          </a:xfrm>
+          <a:prstGeom prst="rect">
+            <a:avLst/>
+          </a:prstGeom>
+        </p:spPr>
+      </p:pic>
+    </p:spTree>
+    <p:extLst>
+      <p:ext uri="{BB962C8B-B14F-4D97-AF65-F5344CB8AC3E}">
+        <p14:creationId xmlns:p14="http://schemas.microsoft.com/office/powerpoint/2010/main" val="1656051704"/>
+      </p:ext>
+    </p:extLst>
+  </p:cSld>
+  <p:clrMapOvr>
+    <a:masterClrMapping/>
+  </p:clrMapOvr>
+</p:sld>
+</file>
+
+<file path=ppt/slides/slide14.xml><?xml version="1.0" encoding="utf-8"?>
+<p:sld xmlns:a="http://schemas.openxmlformats.org/drawingml/2006/main" xmlns:r="http://schemas.openxmlformats.org/officeDocument/2006/relationships" xmlns:p="http://schemas.openxmlformats.org/presentationml/2006/main">
+  <p:cSld>
+    <p:spTree>
+      <p:nvGrpSpPr>
+        <p:cNvPr id="1" name=""/>
+        <p:cNvGrpSpPr/>
+        <p:nvPr/>
+      </p:nvGrpSpPr>
+      <p:grpSpPr>
+        <a:xfrm>
+          <a:off x="0" y="0"/>
+          <a:ext cx="0" cy="0"/>
+          <a:chOff x="0" y="0"/>
+          <a:chExt cx="0" cy="0"/>
+        </a:xfrm>
+      </p:grpSpPr>
+      <p:sp>
+        <p:nvSpPr>
+          <p:cNvPr id="2" name="Titolo 1">
+            <a:extLst>
+              <a:ext uri="{FF2B5EF4-FFF2-40B4-BE49-F238E27FC236}">
+                <a16:creationId xmlns:a16="http://schemas.microsoft.com/office/drawing/2014/main" id="{BA5819F3-DA43-CC44-5A2C-11A82F419AC6}"/>
+              </a:ext>
+            </a:extLst>
+          </p:cNvPr>
+          <p:cNvSpPr>
+            <a:spLocks noGrp="1"/>
+          </p:cNvSpPr>
+          <p:nvPr>
+            <p:ph type="title"/>
+          </p:nvPr>
+        </p:nvSpPr>
+        <p:spPr/>
+        <p:txBody>
+          <a:bodyPr/>
+          <a:lstStyle/>
+          <a:p>
+            <a:r>
+              <a:rPr lang="en-GB" noProof="0" dirty="0"/>
+              <a:t>Multiple linear regression -</a:t>
+            </a:r>
+            <a:br>
+              <a:rPr lang="en-GB" noProof="0" dirty="0"/>
+            </a:br>
+            <a:r>
+              <a:rPr lang="en-GB" noProof="0" dirty="0"/>
+              <a:t>refined model with cleaned data</a:t>
+            </a:r>
+          </a:p>
+        </p:txBody>
+      </p:sp>
+      <p:pic>
+        <p:nvPicPr>
+          <p:cNvPr id="7" name="Immagine 6" descr="Immagine che contiene testo, schermata, linea, Diagramma&#10;&#10;Il contenuto generato dall'IA potrebbe non essere corretto.">
+            <a:extLst>
+              <a:ext uri="{FF2B5EF4-FFF2-40B4-BE49-F238E27FC236}">
+                <a16:creationId xmlns:a16="http://schemas.microsoft.com/office/drawing/2014/main" id="{44F6C76B-5E38-C786-5583-4A7735D138B7}"/>
+              </a:ext>
+            </a:extLst>
+          </p:cNvPr>
+          <p:cNvPicPr>
+            <a:picLocks noChangeAspect="1"/>
+          </p:cNvPicPr>
+          <p:nvPr/>
+        </p:nvPicPr>
+        <p:blipFill>
+          <a:blip r:embed="rId2">
+            <a:extLst>
+              <a:ext uri="{28A0092B-C50C-407E-A947-70E740481C1C}">
+                <a14:useLocalDpi xmlns:a14="http://schemas.microsoft.com/office/drawing/2010/main" val="0"/>
+              </a:ext>
+            </a:extLst>
+          </a:blip>
+          <a:stretch>
+            <a:fillRect/>
+          </a:stretch>
+        </p:blipFill>
+        <p:spPr>
+          <a:xfrm>
+            <a:off x="4243795" y="3625712"/>
+            <a:ext cx="3518948" cy="2517667"/>
+          </a:xfrm>
+          <a:prstGeom prst="rect">
+            <a:avLst/>
+          </a:prstGeom>
+        </p:spPr>
+      </p:pic>
+      <p:pic>
+        <p:nvPicPr>
+          <p:cNvPr id="5" name="Segnaposto contenuto 4" descr="Immagine che contiene testo, schermata, Carattere, numero&#10;&#10;Il contenuto generato dall'IA potrebbe non essere corretto.">
+            <a:extLst>
+              <a:ext uri="{FF2B5EF4-FFF2-40B4-BE49-F238E27FC236}">
+                <a16:creationId xmlns:a16="http://schemas.microsoft.com/office/drawing/2014/main" id="{8AAA5942-29B4-CE77-AB90-4CF4EC054570}"/>
+              </a:ext>
+            </a:extLst>
+          </p:cNvPr>
+          <p:cNvPicPr>
+            <a:picLocks noGrp="1" noChangeAspect="1"/>
+          </p:cNvPicPr>
+          <p:nvPr>
+            <p:ph idx="1"/>
+          </p:nvPr>
+        </p:nvPicPr>
+        <p:blipFill>
+          <a:blip r:embed="rId3">
+            <a:extLst>
+              <a:ext uri="{28A0092B-C50C-407E-A947-70E740481C1C}">
+                <a14:useLocalDpi xmlns:a14="http://schemas.microsoft.com/office/drawing/2010/main" val="0"/>
+              </a:ext>
+            </a:extLst>
+          </a:blip>
+          <a:stretch>
+            <a:fillRect/>
+          </a:stretch>
+        </p:blipFill>
+        <p:spPr>
+          <a:xfrm>
+            <a:off x="951554" y="2912605"/>
+            <a:ext cx="3223539" cy="2911092"/>
+          </a:xfrm>
+        </p:spPr>
+      </p:pic>
+      <p:pic>
+        <p:nvPicPr>
+          <p:cNvPr id="9" name="Immagine 8" descr="Immagine che contiene testo, schermata, diagramma, Diagramma&#10;&#10;Il contenuto generato dall'IA potrebbe non essere corretto.">
+            <a:extLst>
+              <a:ext uri="{FF2B5EF4-FFF2-40B4-BE49-F238E27FC236}">
+                <a16:creationId xmlns:a16="http://schemas.microsoft.com/office/drawing/2014/main" id="{CE36AE9B-82F0-6EBB-F102-70A2ECCBA637}"/>
+              </a:ext>
+            </a:extLst>
+          </p:cNvPr>
+          <p:cNvPicPr>
+            <a:picLocks noChangeAspect="1"/>
+          </p:cNvPicPr>
+          <p:nvPr/>
+        </p:nvPicPr>
+        <p:blipFill>
+          <a:blip r:embed="rId4">
+            <a:extLst>
+              <a:ext uri="{28A0092B-C50C-407E-A947-70E740481C1C}">
+                <a14:useLocalDpi xmlns:a14="http://schemas.microsoft.com/office/drawing/2010/main" val="0"/>
+              </a:ext>
+            </a:extLst>
+          </a:blip>
+          <a:stretch>
+            <a:fillRect/>
+          </a:stretch>
+        </p:blipFill>
+        <p:spPr>
+          <a:xfrm>
+            <a:off x="7831445" y="3662144"/>
+            <a:ext cx="3518948" cy="2481236"/>
+          </a:xfrm>
+          <a:prstGeom prst="rect">
+            <a:avLst/>
+          </a:prstGeom>
+        </p:spPr>
+      </p:pic>
+      <p:sp>
+        <p:nvSpPr>
+          <p:cNvPr id="11" name="CasellaDiTesto 10">
+            <a:extLst>
+              <a:ext uri="{FF2B5EF4-FFF2-40B4-BE49-F238E27FC236}">
+                <a16:creationId xmlns:a16="http://schemas.microsoft.com/office/drawing/2014/main" id="{6FB60E1C-EE99-7623-29B1-1387E82F9D8F}"/>
+              </a:ext>
+            </a:extLst>
+          </p:cNvPr>
+          <p:cNvSpPr txBox="1"/>
+          <p:nvPr/>
+        </p:nvSpPr>
+        <p:spPr>
+          <a:xfrm>
+            <a:off x="838200" y="1921933"/>
+            <a:ext cx="10512193" cy="923330"/>
+          </a:xfrm>
+          <a:prstGeom prst="rect">
+            <a:avLst/>
+          </a:prstGeom>
+          <a:noFill/>
+        </p:spPr>
+        <p:txBody>
+          <a:bodyPr wrap="square" rtlCol="0">
+            <a:spAutoFit/>
+          </a:bodyPr>
+          <a:lstStyle/>
+          <a:p>
+            <a:r>
+              <a:rPr lang="en-GB" noProof="0" dirty="0"/>
+              <a:t>We decided to remove </a:t>
+            </a:r>
+            <a:r>
+              <a:rPr lang="en-GB" noProof="0" dirty="0" err="1"/>
+              <a:t>Vehicle_Type</a:t>
+            </a:r>
+            <a:r>
+              <a:rPr lang="en-GB" noProof="0" dirty="0"/>
+              <a:t> and </a:t>
+            </a:r>
+            <a:r>
+              <a:rPr lang="en-GB" noProof="0" dirty="0" err="1"/>
+              <a:t>Time_of_day</a:t>
+            </a:r>
+            <a:r>
+              <a:rPr lang="en-GB" noProof="0" dirty="0"/>
+              <a:t>, as they were the least statistically significant, with high p-values. </a:t>
+            </a:r>
+          </a:p>
+          <a:p>
+            <a:r>
+              <a:rPr lang="en-GB" noProof="0" dirty="0"/>
+              <a:t>We also removed some remaining outliers, resulting in the following model: </a:t>
+            </a:r>
+          </a:p>
+        </p:txBody>
+      </p:sp>
+      <p:pic>
+        <p:nvPicPr>
+          <p:cNvPr id="13" name="Immagine 12">
+            <a:extLst>
+              <a:ext uri="{FF2B5EF4-FFF2-40B4-BE49-F238E27FC236}">
+                <a16:creationId xmlns:a16="http://schemas.microsoft.com/office/drawing/2014/main" id="{9FF71568-27A0-C483-2F6B-7ED923B0C1A1}"/>
+              </a:ext>
+            </a:extLst>
+          </p:cNvPr>
+          <p:cNvPicPr>
+            <a:picLocks noChangeAspect="1"/>
+          </p:cNvPicPr>
+          <p:nvPr/>
+        </p:nvPicPr>
+        <p:blipFill>
+          <a:blip r:embed="rId5">
+            <a:extLst>
+              <a:ext uri="{28A0092B-C50C-407E-A947-70E740481C1C}">
+                <a14:useLocalDpi xmlns:a14="http://schemas.microsoft.com/office/drawing/2010/main" val="0"/>
+              </a:ext>
+            </a:extLst>
+          </a:blip>
+          <a:stretch>
+            <a:fillRect/>
+          </a:stretch>
+        </p:blipFill>
+        <p:spPr>
+          <a:xfrm>
+            <a:off x="951554" y="5891039"/>
+            <a:ext cx="2240379" cy="465215"/>
+          </a:xfrm>
+          <a:prstGeom prst="rect">
+            <a:avLst/>
+          </a:prstGeom>
+        </p:spPr>
+      </p:pic>
+    </p:spTree>
+    <p:extLst>
+      <p:ext uri="{BB962C8B-B14F-4D97-AF65-F5344CB8AC3E}">
+        <p14:creationId xmlns:p14="http://schemas.microsoft.com/office/powerpoint/2010/main" val="654611697"/>
+      </p:ext>
+    </p:extLst>
+  </p:cSld>
+  <p:clrMapOvr>
+    <a:masterClrMapping/>
+  </p:clrMapOvr>
+</p:sld>
+</file>
+
+<file path=ppt/slides/slide15.xml><?xml version="1.0" encoding="utf-8"?>
+<p:sld xmlns:a="http://schemas.openxmlformats.org/drawingml/2006/main" xmlns:r="http://schemas.openxmlformats.org/officeDocument/2006/relationships" xmlns:p="http://schemas.openxmlformats.org/presentationml/2006/main">
+  <p:cSld>
+    <p:spTree>
+      <p:nvGrpSpPr>
+        <p:cNvPr id="1" name=""/>
+        <p:cNvGrpSpPr/>
+        <p:nvPr/>
+      </p:nvGrpSpPr>
+      <p:grpSpPr>
+        <a:xfrm>
+          <a:off x="0" y="0"/>
+          <a:ext cx="0" cy="0"/>
+          <a:chOff x="0" y="0"/>
+          <a:chExt cx="0" cy="0"/>
+        </a:xfrm>
+      </p:grpSpPr>
+      <p:sp>
+        <p:nvSpPr>
+          <p:cNvPr id="2" name="Titolo 1">
+            <a:extLst>
+              <a:ext uri="{FF2B5EF4-FFF2-40B4-BE49-F238E27FC236}">
+                <a16:creationId xmlns:a16="http://schemas.microsoft.com/office/drawing/2014/main" id="{75AD2CF0-2D5B-7266-3E40-D35BA4D41F61}"/>
+              </a:ext>
+            </a:extLst>
+          </p:cNvPr>
+          <p:cNvSpPr>
+            <a:spLocks noGrp="1"/>
+          </p:cNvSpPr>
+          <p:nvPr>
+            <p:ph type="title"/>
+          </p:nvPr>
+        </p:nvSpPr>
+        <p:spPr/>
+        <p:txBody>
+          <a:bodyPr/>
+          <a:lstStyle/>
+          <a:p>
+            <a:r>
+              <a:rPr lang="en-GB" noProof="0" dirty="0"/>
+              <a:t>Multiple linear regression -</a:t>
+            </a:r>
+            <a:br>
+              <a:rPr lang="en-GB" noProof="0" dirty="0"/>
+            </a:br>
+            <a:r>
+              <a:rPr lang="en-GB" noProof="0" dirty="0"/>
+              <a:t>model transformations</a:t>
+            </a:r>
+          </a:p>
+        </p:txBody>
+      </p:sp>
+      <p:sp>
+        <p:nvSpPr>
+          <p:cNvPr id="3" name="Segnaposto contenuto 2">
+            <a:extLst>
+              <a:ext uri="{FF2B5EF4-FFF2-40B4-BE49-F238E27FC236}">
+                <a16:creationId xmlns:a16="http://schemas.microsoft.com/office/drawing/2014/main" id="{44EA3A9C-4D85-DCBD-D690-A082AC77F15F}"/>
+              </a:ext>
+            </a:extLst>
+          </p:cNvPr>
+          <p:cNvSpPr>
+            <a:spLocks noGrp="1"/>
+          </p:cNvSpPr>
+          <p:nvPr>
+            <p:ph idx="1"/>
+          </p:nvPr>
+        </p:nvSpPr>
+        <p:spPr>
+          <a:xfrm>
+            <a:off x="770867" y="1825625"/>
+            <a:ext cx="4413277" cy="4351338"/>
+          </a:xfrm>
+        </p:spPr>
+        <p:txBody>
+          <a:bodyPr/>
+          <a:lstStyle/>
+          <a:p>
+            <a:r>
+              <a:rPr lang="en-GB" sz="1800" dirty="0"/>
+              <a:t>After noticing </a:t>
+            </a:r>
+            <a:r>
+              <a:rPr lang="it-IT" sz="1800" dirty="0" err="1"/>
+              <a:t>heteroscedasticity</a:t>
+            </a:r>
+            <a:r>
+              <a:rPr lang="it-IT" sz="1800" dirty="0"/>
+              <a:t> in the </a:t>
+            </a:r>
+            <a:r>
+              <a:rPr lang="it-IT" sz="1800" dirty="0" err="1"/>
+              <a:t>previous</a:t>
+            </a:r>
+            <a:r>
+              <a:rPr lang="it-IT" sz="1800" dirty="0"/>
+              <a:t> </a:t>
+            </a:r>
+            <a:r>
+              <a:rPr lang="it-IT" sz="1800" dirty="0" err="1"/>
+              <a:t>model’s</a:t>
+            </a:r>
+            <a:r>
+              <a:rPr lang="it-IT" sz="1800" dirty="0"/>
+              <a:t> </a:t>
+            </a:r>
+            <a:r>
+              <a:rPr lang="it-IT" sz="1800" dirty="0" err="1"/>
+              <a:t>residuals</a:t>
+            </a:r>
+            <a:r>
+              <a:rPr lang="it-IT" sz="1800" dirty="0"/>
+              <a:t> </a:t>
+            </a:r>
+            <a:r>
+              <a:rPr lang="it-IT" sz="1800" dirty="0" err="1"/>
+              <a:t>graph</a:t>
+            </a:r>
+            <a:r>
+              <a:rPr lang="it-IT" sz="1800" dirty="0"/>
+              <a:t>, </a:t>
+            </a:r>
+            <a:r>
+              <a:rPr lang="it-IT" sz="1800" dirty="0" err="1"/>
+              <a:t>we</a:t>
+            </a:r>
+            <a:r>
+              <a:rPr lang="it-IT" sz="1800" dirty="0"/>
+              <a:t> </a:t>
+            </a:r>
+            <a:r>
+              <a:rPr lang="it-IT" sz="1800" dirty="0" err="1"/>
+              <a:t>attempted</a:t>
+            </a:r>
+            <a:r>
+              <a:rPr lang="it-IT" sz="1800" dirty="0"/>
+              <a:t> </a:t>
+            </a:r>
+            <a:r>
+              <a:rPr lang="it-IT" sz="1800" dirty="0" err="1"/>
+              <a:t>transformations</a:t>
+            </a:r>
+            <a:r>
+              <a:rPr lang="it-IT" sz="1800" dirty="0"/>
+              <a:t> on the model to </a:t>
+            </a:r>
+            <a:r>
+              <a:rPr lang="it-IT" sz="1800" dirty="0" err="1"/>
+              <a:t>try</a:t>
+            </a:r>
+            <a:r>
+              <a:rPr lang="it-IT" sz="1800" dirty="0"/>
+              <a:t> to </a:t>
+            </a:r>
+            <a:r>
+              <a:rPr lang="it-IT" sz="1800" dirty="0" err="1"/>
+              <a:t>improve</a:t>
+            </a:r>
+            <a:r>
+              <a:rPr lang="it-IT" sz="1800" dirty="0"/>
+              <a:t> </a:t>
+            </a:r>
+            <a:r>
+              <a:rPr lang="it-IT" sz="1800" dirty="0" err="1"/>
+              <a:t>its</a:t>
+            </a:r>
+            <a:r>
+              <a:rPr lang="it-IT" sz="1800" dirty="0"/>
+              <a:t> performance.</a:t>
+            </a:r>
+          </a:p>
+          <a:p>
+            <a:r>
+              <a:rPr lang="it-IT" sz="1800" dirty="0" err="1"/>
+              <a:t>th</a:t>
+            </a:r>
+            <a:endParaRPr lang="en-GB" sz="1800" dirty="0"/>
+          </a:p>
+        </p:txBody>
+      </p:sp>
+      <p:pic>
+        <p:nvPicPr>
+          <p:cNvPr id="5" name="Immagine 4" descr="Immagine che contiene testo, Diagramma, diagramma, linea&#10;&#10;Il contenuto generato dall'IA potrebbe non essere corretto.">
+            <a:extLst>
+              <a:ext uri="{FF2B5EF4-FFF2-40B4-BE49-F238E27FC236}">
+                <a16:creationId xmlns:a16="http://schemas.microsoft.com/office/drawing/2014/main" id="{038321C4-23B9-D765-3738-D3CA45D96D6C}"/>
+              </a:ext>
+            </a:extLst>
+          </p:cNvPr>
+          <p:cNvPicPr>
+            <a:picLocks noChangeAspect="1"/>
+          </p:cNvPicPr>
+          <p:nvPr/>
+        </p:nvPicPr>
+        <p:blipFill>
+          <a:blip r:embed="rId2">
+            <a:extLst>
+              <a:ext uri="{28A0092B-C50C-407E-A947-70E740481C1C}">
+                <a14:useLocalDpi xmlns:a14="http://schemas.microsoft.com/office/drawing/2010/main" val="0"/>
+              </a:ext>
+            </a:extLst>
+          </a:blip>
+          <a:stretch>
+            <a:fillRect/>
+          </a:stretch>
+        </p:blipFill>
+        <p:spPr>
+          <a:xfrm>
+            <a:off x="8392807" y="1777132"/>
+            <a:ext cx="2960993" cy="2086376"/>
+          </a:xfrm>
+          <a:prstGeom prst="rect">
+            <a:avLst/>
+          </a:prstGeom>
+        </p:spPr>
+      </p:pic>
+      <p:pic>
+        <p:nvPicPr>
+          <p:cNvPr id="7" name="Immagine 6" descr="Immagine che contiene linea, Diagramma, testo, diagramma&#10;&#10;Il contenuto generato dall'IA potrebbe non essere corretto.">
+            <a:extLst>
+              <a:ext uri="{FF2B5EF4-FFF2-40B4-BE49-F238E27FC236}">
+                <a16:creationId xmlns:a16="http://schemas.microsoft.com/office/drawing/2014/main" id="{C2E2427B-73BE-423B-CE29-B5AF080DEEFA}"/>
+              </a:ext>
+            </a:extLst>
+          </p:cNvPr>
+          <p:cNvPicPr>
+            <a:picLocks noChangeAspect="1"/>
+          </p:cNvPicPr>
+          <p:nvPr/>
+        </p:nvPicPr>
+        <p:blipFill>
+          <a:blip r:embed="rId3">
+            <a:extLst>
+              <a:ext uri="{28A0092B-C50C-407E-A947-70E740481C1C}">
+                <a14:useLocalDpi xmlns:a14="http://schemas.microsoft.com/office/drawing/2010/main" val="0"/>
+              </a:ext>
+            </a:extLst>
+          </a:blip>
+          <a:stretch>
+            <a:fillRect/>
+          </a:stretch>
+        </p:blipFill>
+        <p:spPr>
+          <a:xfrm>
+            <a:off x="5384800" y="1825625"/>
+            <a:ext cx="2893660" cy="1989391"/>
+          </a:xfrm>
+          <a:prstGeom prst="rect">
+            <a:avLst/>
+          </a:prstGeom>
+        </p:spPr>
+      </p:pic>
+      <p:pic>
+        <p:nvPicPr>
+          <p:cNvPr id="9" name="Immagine 8" descr="Immagine che contiene Diagramma, linea, testo, diagramma&#10;&#10;Il contenuto generato dall'IA potrebbe non essere corretto.">
+            <a:extLst>
+              <a:ext uri="{FF2B5EF4-FFF2-40B4-BE49-F238E27FC236}">
+                <a16:creationId xmlns:a16="http://schemas.microsoft.com/office/drawing/2014/main" id="{CDA40804-CA34-2AA4-07E6-89B5B5104697}"/>
+              </a:ext>
+            </a:extLst>
+          </p:cNvPr>
+          <p:cNvPicPr>
+            <a:picLocks noChangeAspect="1"/>
+          </p:cNvPicPr>
+          <p:nvPr/>
+        </p:nvPicPr>
+        <p:blipFill>
+          <a:blip r:embed="rId4">
+            <a:extLst>
+              <a:ext uri="{28A0092B-C50C-407E-A947-70E740481C1C}">
+                <a14:useLocalDpi xmlns:a14="http://schemas.microsoft.com/office/drawing/2010/main" val="0"/>
+              </a:ext>
+            </a:extLst>
+          </a:blip>
+          <a:stretch>
+            <a:fillRect/>
+          </a:stretch>
+        </p:blipFill>
+        <p:spPr>
+          <a:xfrm>
+            <a:off x="5402434" y="4189234"/>
+            <a:ext cx="2942017" cy="2018749"/>
+          </a:xfrm>
+          <a:prstGeom prst="rect">
+            <a:avLst/>
+          </a:prstGeom>
+        </p:spPr>
+      </p:pic>
+      <p:pic>
+        <p:nvPicPr>
+          <p:cNvPr id="11" name="Immagine 10" descr="Immagine che contiene testo, diagramma, Diagramma, schermata&#10;&#10;Il contenuto generato dall'IA potrebbe non essere corretto.">
+            <a:extLst>
+              <a:ext uri="{FF2B5EF4-FFF2-40B4-BE49-F238E27FC236}">
+                <a16:creationId xmlns:a16="http://schemas.microsoft.com/office/drawing/2014/main" id="{DAC3EAE2-3660-B2FD-1D44-9CA7E8A86103}"/>
+              </a:ext>
+            </a:extLst>
+          </p:cNvPr>
+          <p:cNvPicPr>
+            <a:picLocks noChangeAspect="1"/>
+          </p:cNvPicPr>
+          <p:nvPr/>
+        </p:nvPicPr>
+        <p:blipFill>
+          <a:blip r:embed="rId5">
+            <a:extLst>
+              <a:ext uri="{28A0092B-C50C-407E-A947-70E740481C1C}">
+                <a14:useLocalDpi xmlns:a14="http://schemas.microsoft.com/office/drawing/2010/main" val="0"/>
+              </a:ext>
+            </a:extLst>
+          </a:blip>
+          <a:stretch>
+            <a:fillRect/>
+          </a:stretch>
+        </p:blipFill>
+        <p:spPr>
+          <a:xfrm>
+            <a:off x="8296095" y="4121607"/>
+            <a:ext cx="3057705" cy="2086376"/>
+          </a:xfrm>
+          <a:prstGeom prst="rect">
+            <a:avLst/>
+          </a:prstGeom>
+        </p:spPr>
+      </p:pic>
+    </p:spTree>
+    <p:extLst>
+      <p:ext uri="{BB962C8B-B14F-4D97-AF65-F5344CB8AC3E}">
+        <p14:creationId xmlns:p14="http://schemas.microsoft.com/office/powerpoint/2010/main" val="718219994"/>
+      </p:ext>
+    </p:extLst>
+  </p:cSld>
+  <p:clrMapOvr>
+    <a:masterClrMapping/>
+  </p:clrMapOvr>
+</p:sld>
+</file>
+
+<file path=ppt/slides/slide16.xml><?xml version="1.0" encoding="utf-8"?>
+<p:sld xmlns:a="http://schemas.openxmlformats.org/drawingml/2006/main" xmlns:r="http://schemas.openxmlformats.org/officeDocument/2006/relationships" xmlns:p="http://schemas.openxmlformats.org/presentationml/2006/main">
+  <p:cSld>
+    <p:spTree>
+      <p:nvGrpSpPr>
+        <p:cNvPr id="1" name=""/>
+        <p:cNvGrpSpPr/>
+        <p:nvPr/>
+      </p:nvGrpSpPr>
+      <p:grpSpPr>
+        <a:xfrm>
+          <a:off x="0" y="0"/>
+          <a:ext cx="0" cy="0"/>
+          <a:chOff x="0" y="0"/>
+          <a:chExt cx="0" cy="0"/>
+        </a:xfrm>
+      </p:grpSpPr>
+      <p:sp>
+        <p:nvSpPr>
+          <p:cNvPr id="2" name="Titolo 1">
+            <a:extLst>
+              <a:ext uri="{FF2B5EF4-FFF2-40B4-BE49-F238E27FC236}">
                 <a16:creationId xmlns:a16="http://schemas.microsoft.com/office/drawing/2014/main" id="{77323F7C-7E31-E45B-4373-28AEB3FC710A}"/>
               </a:ext>
             </a:extLst>
@@ -3657,14 +4909,9 @@
           <a:lstStyle/>
           <a:p>
             <a:r>
-              <a:rPr lang="it-IT" dirty="0"/>
-              <a:t>Cross </a:t>
-            </a:r>
-            <a:r>
-              <a:rPr lang="it-IT" dirty="0" err="1"/>
-              <a:t>validation</a:t>
-            </a:r>
-            <a:endParaRPr lang="it-IT" dirty="0"/>
+              <a:rPr lang="en-GB" noProof="0" dirty="0"/>
+              <a:t>Cross validation</a:t>
+            </a:r>
           </a:p>
         </p:txBody>
       </p:sp>
@@ -3689,7 +4936,7 @@
           <a:bodyPr/>
           <a:lstStyle/>
           <a:p>
-            <a:endParaRPr lang="it-IT"/>
+            <a:endParaRPr lang="en-GB" noProof="0" dirty="0"/>
           </a:p>
         </p:txBody>
       </p:sp>
@@ -3706,7 +4953,7 @@
 </p:sld>
 </file>
 
-<file path=ppt/slides/slide13.xml><?xml version="1.0" encoding="utf-8"?>
+<file path=ppt/slides/slide17.xml><?xml version="1.0" encoding="utf-8"?>
 <p:sld xmlns:a="http://schemas.openxmlformats.org/drawingml/2006/main" xmlns:r="http://schemas.openxmlformats.org/officeDocument/2006/relationships" xmlns:p="http://schemas.openxmlformats.org/presentationml/2006/main">
   <p:cSld>
     <p:spTree>
@@ -3834,7 +5081,7 @@
               <a:t>Selected dataset - </a:t>
             </a:r>
             <a:r>
-              <a:rPr lang="en-GB" b="1" dirty="0"/>
+              <a:rPr lang="en-GB" b="1" noProof="0" dirty="0"/>
               <a:t>Food Delivery Time Prediction</a:t>
             </a:r>
             <a:br>
@@ -3875,23 +5122,23 @@
               <a:buNone/>
             </a:pPr>
             <a:r>
-              <a:rPr lang="en-GB" dirty="0"/>
+              <a:rPr lang="en-GB" noProof="0" dirty="0"/>
               <a:t>Reference link: </a:t>
             </a:r>
             <a:r>
-              <a:rPr lang="en-GB" sz="1800" u="sng" dirty="0">
+              <a:rPr lang="en-GB" sz="1800" u="sng" noProof="0" dirty="0">
                 <a:hlinkClick r:id="rId2"/>
               </a:rPr>
               <a:t>https://www.kaggle.com/datasets/denkuznetz/food-delivery-time-prediction</a:t>
             </a:r>
-            <a:endParaRPr lang="en-GB" sz="1800" u="sng" dirty="0"/>
+            <a:endParaRPr lang="en-GB" sz="1800" u="sng" noProof="0" dirty="0"/>
           </a:p>
           <a:p>
             <a:pPr marL="0" indent="0" algn="just">
               <a:buNone/>
             </a:pPr>
             <a:r>
-              <a:rPr lang="en-US" dirty="0"/>
+              <a:rPr lang="en-GB" noProof="0" dirty="0"/>
               <a:t>This dataset is designed for predicting food delivery times based on various influencing factors such as distance, weather, traffic conditions, and time of day. </a:t>
             </a:r>
           </a:p>
@@ -3900,7 +5147,7 @@
               <a:buNone/>
             </a:pPr>
             <a:r>
-              <a:rPr lang="en-US" dirty="0"/>
+              <a:rPr lang="en-GB" noProof="0" dirty="0"/>
               <a:t>This dataset contains simulated data to predict food delivery times based on various real-world factors. </a:t>
             </a:r>
           </a:p>
@@ -3994,11 +5241,11 @@
               <a:buNone/>
             </a:pPr>
             <a:r>
-              <a:rPr lang="en-US" sz="4500" b="1" dirty="0" err="1"/>
+              <a:rPr lang="en-GB" sz="4500" b="1" noProof="0" dirty="0" err="1"/>
               <a:t>Order_ID</a:t>
             </a:r>
             <a:r>
-              <a:rPr lang="en-US" sz="4500" dirty="0"/>
+              <a:rPr lang="en-GB" sz="4500" noProof="0" dirty="0"/>
               <a:t>: Unique identifier for each order (unused in this analysis, as it is irrelevant for regression models).</a:t>
             </a:r>
           </a:p>
@@ -4010,12 +5257,20 @@
               <a:buNone/>
             </a:pPr>
             <a:r>
-              <a:rPr lang="en-US" sz="4500" b="1" dirty="0" err="1"/>
+              <a:rPr lang="en-GB" sz="4500" b="1" noProof="0" dirty="0" err="1"/>
               <a:t>Distance_km</a:t>
             </a:r>
             <a:r>
-              <a:rPr lang="en-US" sz="4500" dirty="0"/>
-              <a:t>: The delivery distance in kilometers.</a:t>
+              <a:rPr lang="en-GB" sz="4500" noProof="0" dirty="0"/>
+              <a:t>: The delivery distance in </a:t>
+            </a:r>
+            <a:r>
+              <a:rPr lang="en-GB" sz="4500" noProof="0" dirty="0" err="1"/>
+              <a:t>kilometers</a:t>
+            </a:r>
+            <a:r>
+              <a:rPr lang="en-GB" sz="4500" noProof="0" dirty="0"/>
+              <a:t>.</a:t>
             </a:r>
           </a:p>
           <a:p>
@@ -4026,11 +5281,11 @@
               <a:buNone/>
             </a:pPr>
             <a:r>
-              <a:rPr lang="en-US" sz="4500" b="1" dirty="0"/>
+              <a:rPr lang="en-GB" sz="4500" b="1" noProof="0" dirty="0"/>
               <a:t>Weather</a:t>
             </a:r>
             <a:r>
-              <a:rPr lang="en-US" sz="4500" dirty="0"/>
+              <a:rPr lang="en-GB" sz="4500" noProof="0" dirty="0"/>
               <a:t>: Weather conditions during the delivery, including Clear, Rainy, Snowy, Foggy, and Windy.</a:t>
             </a:r>
           </a:p>
@@ -4042,11 +5297,11 @@
               <a:buNone/>
             </a:pPr>
             <a:r>
-              <a:rPr lang="en-US" sz="4500" b="1" dirty="0" err="1"/>
+              <a:rPr lang="en-GB" sz="4500" b="1" noProof="0" dirty="0" err="1"/>
               <a:t>Traffic_Level</a:t>
             </a:r>
             <a:r>
-              <a:rPr lang="en-US" sz="4500" dirty="0"/>
+              <a:rPr lang="en-GB" sz="4500" noProof="0" dirty="0"/>
               <a:t>: Traffic conditions categorized as Low, Medium, or High.</a:t>
             </a:r>
           </a:p>
@@ -4058,11 +5313,11 @@
               <a:buNone/>
             </a:pPr>
             <a:r>
-              <a:rPr lang="en-US" sz="4500" b="1" dirty="0" err="1"/>
+              <a:rPr lang="en-GB" sz="4500" b="1" noProof="0" dirty="0" err="1"/>
               <a:t>Time_of_Day</a:t>
             </a:r>
             <a:r>
-              <a:rPr lang="en-US" sz="4500" dirty="0"/>
+              <a:rPr lang="en-GB" sz="4500" noProof="0" dirty="0"/>
               <a:t>: The time when the delivery took place, categorized as Morning, Afternoon, Evening, or Night.</a:t>
             </a:r>
           </a:p>
@@ -4074,11 +5329,11 @@
               <a:buNone/>
             </a:pPr>
             <a:r>
-              <a:rPr lang="en-US" sz="4500" b="1" dirty="0" err="1"/>
+              <a:rPr lang="en-GB" sz="4500" b="1" noProof="0" dirty="0" err="1"/>
               <a:t>Vehicle_Type</a:t>
             </a:r>
             <a:r>
-              <a:rPr lang="en-US" sz="4500" dirty="0"/>
+              <a:rPr lang="en-GB" sz="4500" noProof="0" dirty="0"/>
               <a:t>: Type of vehicle used for delivery, including Bike, Scooter, and Car.</a:t>
             </a:r>
           </a:p>
@@ -4090,11 +5345,11 @@
               <a:buNone/>
             </a:pPr>
             <a:r>
-              <a:rPr lang="en-US" sz="4500" b="1" dirty="0" err="1"/>
+              <a:rPr lang="en-GB" sz="4500" b="1" noProof="0" dirty="0" err="1"/>
               <a:t>Preparation_Time_min</a:t>
             </a:r>
             <a:r>
-              <a:rPr lang="en-US" sz="4500" dirty="0"/>
+              <a:rPr lang="en-GB" sz="4500" noProof="0" dirty="0"/>
               <a:t>: The time required to prepare the order, measured in minutes.</a:t>
             </a:r>
           </a:p>
@@ -4106,11 +5361,11 @@
               <a:buNone/>
             </a:pPr>
             <a:r>
-              <a:rPr lang="en-US" sz="4500" b="1" dirty="0" err="1"/>
+              <a:rPr lang="en-GB" sz="4500" b="1" noProof="0" dirty="0" err="1"/>
               <a:t>Courier_Experience_yrs</a:t>
             </a:r>
             <a:r>
-              <a:rPr lang="en-US" sz="4500" dirty="0"/>
+              <a:rPr lang="en-GB" sz="4500" noProof="0" dirty="0"/>
               <a:t>: Experience of the courier in years.</a:t>
             </a:r>
           </a:p>
@@ -4122,11 +5377,11 @@
               <a:buNone/>
             </a:pPr>
             <a:r>
-              <a:rPr lang="en-US" sz="4500" b="1" u="sng" dirty="0" err="1"/>
+              <a:rPr lang="en-GB" sz="4500" b="1" u="sng" noProof="0" dirty="0" err="1"/>
               <a:t>Delivery_Time_min</a:t>
             </a:r>
             <a:r>
-              <a:rPr lang="en-US" sz="4500" dirty="0"/>
+              <a:rPr lang="en-GB" sz="4500" noProof="0" dirty="0"/>
               <a:t>: The total delivery time in minutes (target variable).</a:t>
             </a:r>
           </a:p>
@@ -4235,10 +5490,9 @@
               <a:buNone/>
             </a:pPr>
             <a:r>
-              <a:rPr lang="en-GB" dirty="0"/>
+              <a:rPr lang="en-GB" noProof="0" dirty="0"/>
               <a:t>Such model may then be implemented in software applications for delivery services, to inform clients of expected wait times even before the order has been completed.</a:t>
             </a:r>
-            <a:endParaRPr lang="en-GB" noProof="0" dirty="0"/>
           </a:p>
         </p:txBody>
       </p:sp>
@@ -4337,15 +5591,7 @@
             </a:pPr>
             <a:r>
               <a:rPr lang="en-GB" noProof="0" dirty="0"/>
-              <a:t>We then remove any outliers that may distort the model, luckily, only four rows </a:t>
-            </a:r>
-            <a:r>
-              <a:rPr lang="en-GB" dirty="0"/>
-              <a:t>are</a:t>
-            </a:r>
-            <a:r>
-              <a:rPr lang="en-GB" noProof="0" dirty="0"/>
-              <a:t> classified as outliers at this point.</a:t>
+              <a:t>We then remove any outliers that may distort the model, luckily, only four rows are classified as outliers at this point.</a:t>
             </a:r>
           </a:p>
           <a:p>
@@ -4359,34 +5605,33 @@
               <a:buNone/>
             </a:pPr>
             <a:r>
-              <a:rPr lang="en-GB" i="1" dirty="0"/>
+              <a:rPr lang="en-GB" i="1" noProof="0" dirty="0"/>
               <a:t>[</a:t>
             </a:r>
             <a:r>
-              <a:rPr lang="en-GB" i="1" dirty="0" err="1"/>
+              <a:rPr lang="en-GB" i="1" noProof="0" dirty="0" err="1"/>
               <a:t>vogliamo</a:t>
             </a:r>
             <a:r>
-              <a:rPr lang="en-GB" i="1" dirty="0"/>
+              <a:rPr lang="en-GB" i="1" noProof="0" dirty="0"/>
               <a:t> </a:t>
             </a:r>
             <a:r>
-              <a:rPr lang="en-GB" i="1" dirty="0" err="1"/>
+              <a:rPr lang="en-GB" i="1" noProof="0" dirty="0" err="1"/>
               <a:t>aggiungere</a:t>
             </a:r>
             <a:r>
-              <a:rPr lang="en-GB" i="1" dirty="0"/>
+              <a:rPr lang="en-GB" i="1" noProof="0" dirty="0"/>
               <a:t> boxplot o </a:t>
             </a:r>
             <a:r>
-              <a:rPr lang="en-GB" i="1" dirty="0" err="1"/>
+              <a:rPr lang="en-GB" i="1" noProof="0" dirty="0" err="1"/>
               <a:t>simili</a:t>
             </a:r>
             <a:r>
-              <a:rPr lang="en-GB" i="1" dirty="0"/>
+              <a:rPr lang="en-GB" i="1" noProof="0" dirty="0"/>
               <a:t> qui?]</a:t>
             </a:r>
-            <a:endParaRPr lang="en-GB" i="1" noProof="0" dirty="0"/>
           </a:p>
           <a:p>
             <a:pPr marL="0" indent="0">
@@ -4448,18 +5693,9 @@
           <a:lstStyle/>
           <a:p>
             <a:r>
-              <a:rPr lang="it-IT" dirty="0" err="1"/>
-              <a:t>Evaluating</a:t>
-            </a:r>
-            <a:r>
-              <a:rPr lang="it-IT" dirty="0"/>
-              <a:t> </a:t>
-            </a:r>
-            <a:r>
-              <a:rPr lang="it-IT" dirty="0" err="1"/>
-              <a:t>correlation</a:t>
-            </a:r>
-            <a:endParaRPr lang="it-IT" dirty="0"/>
+              <a:rPr lang="en-GB" noProof="0" dirty="0"/>
+              <a:t>Evaluating correlation</a:t>
+            </a:r>
           </a:p>
         </p:txBody>
       </p:sp>
@@ -4495,38 +5731,46 @@
               <a:buNone/>
             </a:pPr>
             <a:r>
-              <a:rPr lang="en-US" sz="2400" dirty="0"/>
-              <a:t>Before building regression models, we assess the quality of the dataset by analyzing the correlation between variables through the construction of a correlation matrix.</a:t>
+              <a:rPr lang="en-GB" sz="2400" noProof="0" dirty="0"/>
+              <a:t>Before building regression models, we assess the quality of the dataset by </a:t>
+            </a:r>
+            <a:r>
+              <a:rPr lang="en-GB" sz="2400" noProof="0" dirty="0" err="1"/>
+              <a:t>analyzing</a:t>
+            </a:r>
+            <a:r>
+              <a:rPr lang="en-GB" sz="2400" noProof="0" dirty="0"/>
+              <a:t> the correlation between variables through the construction of a correlation matrix.</a:t>
             </a:r>
           </a:p>
           <a:p>
             <a:pPr marL="0" indent="0" algn="just">
               <a:buNone/>
             </a:pPr>
-            <a:endParaRPr lang="en-US" sz="2400" dirty="0"/>
+            <a:endParaRPr lang="en-GB" sz="2400" noProof="0" dirty="0"/>
           </a:p>
           <a:p>
             <a:pPr marL="0" indent="0" algn="just">
               <a:buNone/>
             </a:pPr>
             <a:r>
-              <a:rPr lang="en-US" sz="2400" b="0" i="0" dirty="0">
+              <a:rPr lang="en-GB" sz="2400" b="0" i="0" noProof="0" dirty="0">
                 <a:effectLst/>
                 <a:latin typeface="system-ui"/>
               </a:rPr>
               <a:t>In our case, some variables show a clear linear relationship with delivery time, indicating their potential importance in the regression model.</a:t>
             </a:r>
             <a:br>
-              <a:rPr lang="en-US" sz="2400" dirty="0"/>
+              <a:rPr lang="en-GB" sz="2400" noProof="0" dirty="0"/>
             </a:br>
             <a:r>
-              <a:rPr lang="en-US" sz="2400" b="0" i="0" dirty="0">
+              <a:rPr lang="en-GB" sz="2400" b="0" i="0" noProof="0" dirty="0">
                 <a:effectLst/>
                 <a:latin typeface="system-ui"/>
               </a:rPr>
               <a:t>Additionally, the predictors are not highly correlated with each other, suggesting that the dataset is suitable for linear regression and that multicollinearity is not a concern.</a:t>
             </a:r>
-            <a:endParaRPr lang="it-IT" sz="2400" dirty="0"/>
+            <a:endParaRPr lang="en-GB" sz="2400" noProof="0" dirty="0"/>
           </a:p>
         </p:txBody>
       </p:sp>
@@ -4617,14 +5861,9 @@
           <a:lstStyle/>
           <a:p>
             <a:r>
-              <a:rPr lang="it-IT" dirty="0"/>
-              <a:t>Simple linear </a:t>
-            </a:r>
-            <a:r>
-              <a:rPr lang="it-IT" dirty="0" err="1"/>
-              <a:t>regression</a:t>
-            </a:r>
-            <a:endParaRPr lang="it-IT" dirty="0"/>
+              <a:rPr lang="en-GB" noProof="0" dirty="0"/>
+              <a:t>Simple linear regression</a:t>
+            </a:r>
           </a:p>
         </p:txBody>
       </p:sp>
@@ -4653,48 +5892,56 @@
               <a:buNone/>
             </a:pPr>
             <a:r>
-              <a:rPr lang="en-US" sz="2200" dirty="0"/>
+              <a:rPr lang="en-GB" sz="2200" noProof="0" dirty="0"/>
               <a:t>The three numerical variables </a:t>
             </a:r>
             <a:r>
-              <a:rPr lang="en-US" sz="2200" i="1" dirty="0"/>
+              <a:rPr lang="en-GB" sz="2200" i="1" noProof="0" dirty="0"/>
               <a:t>(</a:t>
             </a:r>
             <a:r>
-              <a:rPr lang="en-US" sz="2200" i="1" dirty="0" err="1"/>
+              <a:rPr lang="en-GB" sz="2200" i="1" noProof="0" dirty="0" err="1"/>
               <a:t>Distance_km</a:t>
             </a:r>
             <a:r>
-              <a:rPr lang="en-US" sz="2200" i="1" dirty="0"/>
+              <a:rPr lang="en-GB" sz="2200" i="1" noProof="0" dirty="0"/>
               <a:t>, </a:t>
             </a:r>
             <a:r>
-              <a:rPr lang="en-US" sz="2200" i="1" dirty="0" err="1"/>
+              <a:rPr lang="en-GB" sz="2200" i="1" noProof="0" dirty="0" err="1"/>
               <a:t>Preparation_Time_min</a:t>
             </a:r>
             <a:r>
-              <a:rPr lang="en-US" sz="2200" i="1" dirty="0"/>
+              <a:rPr lang="en-GB" sz="2200" i="1" noProof="0" dirty="0"/>
               <a:t>, </a:t>
             </a:r>
             <a:r>
-              <a:rPr lang="en-US" sz="2200" i="1" dirty="0" err="1"/>
+              <a:rPr lang="en-GB" sz="2200" i="1" noProof="0" dirty="0" err="1"/>
               <a:t>Courier_Experience_yrs</a:t>
             </a:r>
             <a:r>
-              <a:rPr lang="en-US" sz="2200" i="1" dirty="0"/>
+              <a:rPr lang="en-GB" sz="2200" i="1" noProof="0" dirty="0"/>
               <a:t>) </a:t>
             </a:r>
             <a:r>
-              <a:rPr lang="en-US" sz="2200" dirty="0"/>
+              <a:rPr lang="en-GB" sz="2200" noProof="0" dirty="0"/>
               <a:t>are selected, and the relationship between each of them and the response variable </a:t>
             </a:r>
             <a:r>
-              <a:rPr lang="en-US" sz="2200" dirty="0" err="1"/>
+              <a:rPr lang="en-GB" sz="2200" noProof="0" dirty="0" err="1"/>
               <a:t>Delivery_Time_min</a:t>
             </a:r>
             <a:r>
-              <a:rPr lang="en-US" sz="2200" dirty="0"/>
-              <a:t> is analyzed individually.</a:t>
+              <a:rPr lang="en-GB" sz="2200" noProof="0" dirty="0"/>
+              <a:t> is </a:t>
+            </a:r>
+            <a:r>
+              <a:rPr lang="en-GB" sz="2200" noProof="0" dirty="0" err="1"/>
+              <a:t>analyzed</a:t>
+            </a:r>
+            <a:r>
+              <a:rPr lang="en-GB" sz="2200" noProof="0" dirty="0"/>
+              <a:t> individually.</a:t>
             </a:r>
           </a:p>
           <a:p>
@@ -4702,31 +5949,31 @@
               <a:buNone/>
             </a:pPr>
             <a:r>
-              <a:rPr lang="en-US" sz="2200" dirty="0"/>
+              <a:rPr lang="en-GB" sz="2200" noProof="0" dirty="0"/>
               <a:t>The resulting models are mostly similar, all three variables individually have a high importance (as discernible by their low P-value); the </a:t>
             </a:r>
             <a:r>
-              <a:rPr lang="en-US" sz="2200" b="1" dirty="0"/>
+              <a:rPr lang="en-GB" sz="2200" b="1" noProof="0" dirty="0"/>
               <a:t>travel distance</a:t>
             </a:r>
             <a:r>
-              <a:rPr lang="en-US" sz="2200" dirty="0"/>
+              <a:rPr lang="en-GB" sz="2200" noProof="0" dirty="0"/>
               <a:t> generates the best model out of the three, while the </a:t>
             </a:r>
             <a:r>
-              <a:rPr lang="en-US" sz="2200" b="1" dirty="0"/>
+              <a:rPr lang="en-GB" sz="2200" b="1" noProof="0" dirty="0"/>
               <a:t>preparation time </a:t>
             </a:r>
             <a:r>
-              <a:rPr lang="en-US" sz="2200" dirty="0"/>
+              <a:rPr lang="en-GB" sz="2200" noProof="0" dirty="0"/>
               <a:t>and </a:t>
             </a:r>
             <a:r>
-              <a:rPr lang="en-US" sz="2200" b="1" dirty="0"/>
+              <a:rPr lang="en-GB" sz="2200" b="1" noProof="0" dirty="0"/>
               <a:t>courier experience</a:t>
             </a:r>
             <a:r>
-              <a:rPr lang="en-US" sz="2200" dirty="0"/>
+              <a:rPr lang="en-GB" sz="2200" noProof="0" dirty="0"/>
               <a:t>, while having an impact on the delivery time, seem to not be enough by themselves to predict delivery time.</a:t>
             </a:r>
           </a:p>
@@ -4794,72 +6041,21 @@
               </a:spcAft>
             </a:pPr>
             <a:r>
-              <a:rPr lang="en-US" sz="3200" dirty="0"/>
+              <a:rPr lang="en-GB" noProof="0" dirty="0"/>
               <a:t>First case:</a:t>
             </a:r>
             <a:br>
-              <a:rPr lang="en-US" sz="3200" dirty="0"/>
+              <a:rPr lang="en-GB" noProof="0" dirty="0"/>
             </a:br>
             <a:r>
-              <a:rPr lang="en-US" sz="3200" dirty="0"/>
+              <a:rPr lang="en-GB" noProof="0" dirty="0"/>
               <a:t>modelling </a:t>
             </a:r>
             <a:r>
-              <a:rPr lang="en-US" sz="3200" dirty="0" err="1"/>
+              <a:rPr lang="en-GB" noProof="0" dirty="0" err="1"/>
               <a:t>Distance_km</a:t>
             </a:r>
-            <a:endParaRPr lang="it-IT" sz="3200" dirty="0"/>
-          </a:p>
-        </p:txBody>
-      </p:sp>
-      <p:sp>
-        <p:nvSpPr>
-          <p:cNvPr id="3" name="Segnaposto contenuto 2">
-            <a:extLst>
-              <a:ext uri="{FF2B5EF4-FFF2-40B4-BE49-F238E27FC236}">
-                <a16:creationId xmlns:a16="http://schemas.microsoft.com/office/drawing/2014/main" id="{43C46194-F791-B628-B4F3-E57A4C5A6C0D}"/>
-              </a:ext>
-            </a:extLst>
-          </p:cNvPr>
-          <p:cNvSpPr>
-            <a:spLocks noGrp="1"/>
-          </p:cNvSpPr>
-          <p:nvPr>
-            <p:ph idx="1"/>
-          </p:nvPr>
-        </p:nvSpPr>
-        <p:spPr>
-          <a:xfrm>
-            <a:off x="6096000" y="1690688"/>
-            <a:ext cx="5257800" cy="4351338"/>
-          </a:xfrm>
-        </p:spPr>
-        <p:txBody>
-          <a:bodyPr>
-            <a:normAutofit/>
-          </a:bodyPr>
-          <a:lstStyle/>
-          <a:p>
-            <a:pPr marL="0" indent="0" algn="just">
-              <a:buNone/>
-            </a:pPr>
-            <a:r>
-              <a:rPr lang="en-US" sz="2400" dirty="0"/>
-              <a:t>The scatter plot shows a positive correlation between distance in kilometers and delivery time in minutes.</a:t>
-            </a:r>
-          </a:p>
-          <a:p>
-            <a:pPr marL="0" indent="0" algn="just">
-              <a:buNone/>
-            </a:pPr>
-            <a:br>
-              <a:rPr lang="en-US" sz="2400" dirty="0"/>
-            </a:br>
-            <a:r>
-              <a:rPr lang="en-US" sz="2400" dirty="0"/>
-              <a:t>The data points align well with the linear trend line, indicating that the model is accurate and useful for predicting delivery times based on distance.</a:t>
-            </a:r>
-            <a:endParaRPr lang="it-IT" sz="2400" dirty="0"/>
+            <a:endParaRPr lang="en-GB" noProof="0" dirty="0"/>
           </a:p>
         </p:txBody>
       </p:sp>
@@ -4891,8 +6087,115 @@
         </p:blipFill>
         <p:spPr>
           <a:xfrm>
-            <a:off x="838200" y="1690688"/>
-            <a:ext cx="4808637" cy="3665538"/>
+            <a:off x="253696" y="3025105"/>
+            <a:ext cx="4469948" cy="3407361"/>
+          </a:xfrm>
+          <a:prstGeom prst="rect">
+            <a:avLst/>
+          </a:prstGeom>
+        </p:spPr>
+      </p:pic>
+      <p:pic>
+        <p:nvPicPr>
+          <p:cNvPr id="8" name="Segnaposto contenuto 7" descr="Immagine che contiene schermata, modello&#10;&#10;Il contenuto generato dall'IA potrebbe non essere corretto.">
+            <a:extLst>
+              <a:ext uri="{FF2B5EF4-FFF2-40B4-BE49-F238E27FC236}">
+                <a16:creationId xmlns:a16="http://schemas.microsoft.com/office/drawing/2014/main" id="{018EE32A-8313-0EB5-7C96-7EE7747F2A1A}"/>
+              </a:ext>
+            </a:extLst>
+          </p:cNvPr>
+          <p:cNvPicPr>
+            <a:picLocks noGrp="1" noChangeAspect="1"/>
+          </p:cNvPicPr>
+          <p:nvPr>
+            <p:ph idx="1"/>
+          </p:nvPr>
+        </p:nvPicPr>
+        <p:blipFill>
+          <a:blip r:embed="rId3">
+            <a:extLst>
+              <a:ext uri="{28A0092B-C50C-407E-A947-70E740481C1C}">
+                <a14:useLocalDpi xmlns:a14="http://schemas.microsoft.com/office/drawing/2010/main" val="0"/>
+              </a:ext>
+            </a:extLst>
+          </a:blip>
+          <a:stretch>
+            <a:fillRect/>
+          </a:stretch>
+        </p:blipFill>
+        <p:spPr>
+          <a:xfrm>
+            <a:off x="4723643" y="3025104"/>
+            <a:ext cx="3370007" cy="3230055"/>
+          </a:xfrm>
+        </p:spPr>
+      </p:pic>
+      <p:pic>
+        <p:nvPicPr>
+          <p:cNvPr id="10" name="Immagine 9" descr="Immagine che contiene schermata, modello&#10;&#10;Il contenuto generato dall'IA potrebbe non essere corretto.">
+            <a:extLst>
+              <a:ext uri="{FF2B5EF4-FFF2-40B4-BE49-F238E27FC236}">
+                <a16:creationId xmlns:a16="http://schemas.microsoft.com/office/drawing/2014/main" id="{F86E91D7-355A-9CA4-C9C4-EB1B1D8EB73D}"/>
+              </a:ext>
+            </a:extLst>
+          </p:cNvPr>
+          <p:cNvPicPr>
+            <a:picLocks noChangeAspect="1"/>
+          </p:cNvPicPr>
+          <p:nvPr/>
+        </p:nvPicPr>
+        <p:blipFill>
+          <a:blip r:embed="rId4">
+            <a:extLst>
+              <a:ext uri="{28A0092B-C50C-407E-A947-70E740481C1C}">
+                <a14:useLocalDpi xmlns:a14="http://schemas.microsoft.com/office/drawing/2010/main" val="0"/>
+              </a:ext>
+            </a:extLst>
+          </a:blip>
+          <a:stretch>
+            <a:fillRect/>
+          </a:stretch>
+        </p:blipFill>
+        <p:spPr>
+          <a:xfrm>
+            <a:off x="8238067" y="3025104"/>
+            <a:ext cx="3395133" cy="3230055"/>
+          </a:xfrm>
+          <a:prstGeom prst="rect">
+            <a:avLst/>
+          </a:prstGeom>
+        </p:spPr>
+      </p:pic>
+      <p:pic>
+        <p:nvPicPr>
+          <p:cNvPr id="12" name="Immagine 11" descr="Immagine che contiene testo, Carattere, schermata, bianco&#10;&#10;Il contenuto generato dall'IA potrebbe non essere corretto.">
+            <a:extLst>
+              <a:ext uri="{FF2B5EF4-FFF2-40B4-BE49-F238E27FC236}">
+                <a16:creationId xmlns:a16="http://schemas.microsoft.com/office/drawing/2014/main" id="{9B3EE78A-5D54-056A-8841-32AACBA05054}"/>
+              </a:ext>
+            </a:extLst>
+          </p:cNvPr>
+          <p:cNvPicPr>
+            <a:picLocks noChangeAspect="1"/>
+          </p:cNvPicPr>
+          <p:nvPr/>
+        </p:nvPicPr>
+        <p:blipFill>
+          <a:blip r:embed="rId5">
+            <a:extLst>
+              <a:ext uri="{28A0092B-C50C-407E-A947-70E740481C1C}">
+                <a14:useLocalDpi xmlns:a14="http://schemas.microsoft.com/office/drawing/2010/main" val="0"/>
+              </a:ext>
+            </a:extLst>
+          </a:blip>
+          <a:stretch>
+            <a:fillRect/>
+          </a:stretch>
+        </p:blipFill>
+        <p:spPr>
+          <a:xfrm>
+            <a:off x="694266" y="1761068"/>
+            <a:ext cx="3335131" cy="1134532"/>
           </a:xfrm>
           <a:prstGeom prst="rect">
             <a:avLst/>
@@ -4961,49 +6264,166 @@
               </a:spcAft>
             </a:pPr>
             <a:r>
-              <a:rPr lang="en-US" sz="3600" dirty="0"/>
+              <a:rPr lang="en-GB" noProof="0" dirty="0"/>
               <a:t>Second case:</a:t>
             </a:r>
             <a:br>
-              <a:rPr lang="en-US" sz="3600" dirty="0"/>
+              <a:rPr lang="en-GB" noProof="0" dirty="0"/>
             </a:br>
             <a:r>
-              <a:rPr lang="en-US" sz="3600" dirty="0"/>
+              <a:rPr lang="en-GB" noProof="0" dirty="0"/>
               <a:t>modelling </a:t>
             </a:r>
             <a:r>
-              <a:rPr lang="en-US" sz="3600" dirty="0" err="1"/>
+              <a:rPr lang="en-GB" noProof="0" dirty="0" err="1"/>
               <a:t>Preparation_Time_min</a:t>
             </a:r>
-            <a:endParaRPr lang="it-IT" dirty="0"/>
-          </a:p>
-        </p:txBody>
-      </p:sp>
-      <p:sp>
-        <p:nvSpPr>
-          <p:cNvPr id="3" name="Segnaposto contenuto 2">
-            <a:extLst>
-              <a:ext uri="{FF2B5EF4-FFF2-40B4-BE49-F238E27FC236}">
-                <a16:creationId xmlns:a16="http://schemas.microsoft.com/office/drawing/2014/main" id="{AAB837A9-913E-8F40-A7F0-EA2956FC44D7}"/>
-              </a:ext>
-            </a:extLst>
-          </p:cNvPr>
-          <p:cNvSpPr>
-            <a:spLocks noGrp="1"/>
-          </p:cNvSpPr>
+            <a:endParaRPr lang="en-GB" sz="5400" noProof="0" dirty="0"/>
+          </a:p>
+        </p:txBody>
+      </p:sp>
+      <p:pic>
+        <p:nvPicPr>
+          <p:cNvPr id="5" name="Segnaposto contenuto 4" descr="Immagine che contiene testo, Carattere, schermata, linea&#10;&#10;Il contenuto generato dall'IA potrebbe non essere corretto.">
+            <a:extLst>
+              <a:ext uri="{FF2B5EF4-FFF2-40B4-BE49-F238E27FC236}">
+                <a16:creationId xmlns:a16="http://schemas.microsoft.com/office/drawing/2014/main" id="{7EFD8730-6A4D-E3B9-6A6E-E6CDC2490BBA}"/>
+              </a:ext>
+            </a:extLst>
+          </p:cNvPr>
+          <p:cNvPicPr>
+            <a:picLocks noGrp="1" noChangeAspect="1"/>
+          </p:cNvPicPr>
           <p:nvPr>
             <p:ph idx="1"/>
           </p:nvPr>
-        </p:nvSpPr>
-        <p:spPr/>
-        <p:txBody>
-          <a:bodyPr/>
-          <a:lstStyle/>
-          <a:p>
-            <a:endParaRPr lang="it-IT"/>
-          </a:p>
-        </p:txBody>
-      </p:sp>
+        </p:nvPicPr>
+        <p:blipFill>
+          <a:blip r:embed="rId2">
+            <a:extLst>
+              <a:ext uri="{28A0092B-C50C-407E-A947-70E740481C1C}">
+                <a14:useLocalDpi xmlns:a14="http://schemas.microsoft.com/office/drawing/2010/main" val="0"/>
+              </a:ext>
+            </a:extLst>
+          </a:blip>
+          <a:stretch>
+            <a:fillRect/>
+          </a:stretch>
+        </p:blipFill>
+        <p:spPr>
+          <a:xfrm>
+            <a:off x="942631" y="1927771"/>
+            <a:ext cx="3450589" cy="886549"/>
+          </a:xfrm>
+        </p:spPr>
+      </p:pic>
+      <p:pic>
+        <p:nvPicPr>
+          <p:cNvPr id="7" name="Immagine 6" descr="Immagine che contiene testo, schermata, diagramma, linea&#10;&#10;Il contenuto generato dall'IA potrebbe non essere corretto.">
+            <a:extLst>
+              <a:ext uri="{FF2B5EF4-FFF2-40B4-BE49-F238E27FC236}">
+                <a16:creationId xmlns:a16="http://schemas.microsoft.com/office/drawing/2014/main" id="{B14F9260-C53A-B63A-EFBE-A2BBEC0ACEA0}"/>
+              </a:ext>
+            </a:extLst>
+          </p:cNvPr>
+          <p:cNvPicPr>
+            <a:picLocks noChangeAspect="1"/>
+          </p:cNvPicPr>
+          <p:nvPr/>
+        </p:nvPicPr>
+        <p:blipFill>
+          <a:blip r:embed="rId3">
+            <a:extLst>
+              <a:ext uri="{28A0092B-C50C-407E-A947-70E740481C1C}">
+                <a14:useLocalDpi xmlns:a14="http://schemas.microsoft.com/office/drawing/2010/main" val="0"/>
+              </a:ext>
+            </a:extLst>
+          </a:blip>
+          <a:stretch>
+            <a:fillRect/>
+          </a:stretch>
+        </p:blipFill>
+        <p:spPr>
+          <a:xfrm>
+            <a:off x="520849" y="3064933"/>
+            <a:ext cx="4220896" cy="3231729"/>
+          </a:xfrm>
+          <a:prstGeom prst="rect">
+            <a:avLst/>
+          </a:prstGeom>
+        </p:spPr>
+      </p:pic>
+      <p:pic>
+        <p:nvPicPr>
+          <p:cNvPr id="9" name="Immagine 8" descr="Immagine che contiene schermata, testo, diagramma, Carattere&#10;&#10;Il contenuto generato dall'IA potrebbe non essere corretto.">
+            <a:extLst>
+              <a:ext uri="{FF2B5EF4-FFF2-40B4-BE49-F238E27FC236}">
+                <a16:creationId xmlns:a16="http://schemas.microsoft.com/office/drawing/2014/main" id="{275658A1-83B4-BD26-7438-F935C5F4D764}"/>
+              </a:ext>
+            </a:extLst>
+          </p:cNvPr>
+          <p:cNvPicPr>
+            <a:picLocks noChangeAspect="1"/>
+          </p:cNvPicPr>
+          <p:nvPr/>
+        </p:nvPicPr>
+        <p:blipFill>
+          <a:blip r:embed="rId4">
+            <a:extLst>
+              <a:ext uri="{28A0092B-C50C-407E-A947-70E740481C1C}">
+                <a14:useLocalDpi xmlns:a14="http://schemas.microsoft.com/office/drawing/2010/main" val="0"/>
+              </a:ext>
+            </a:extLst>
+          </a:blip>
+          <a:srcRect l="1364"/>
+          <a:stretch/>
+        </p:blipFill>
+        <p:spPr>
+          <a:xfrm>
+            <a:off x="4948617" y="3075766"/>
+            <a:ext cx="3192236" cy="3040072"/>
+          </a:xfrm>
+          <a:prstGeom prst="rect">
+            <a:avLst/>
+          </a:prstGeom>
+        </p:spPr>
+      </p:pic>
+      <p:pic>
+        <p:nvPicPr>
+          <p:cNvPr id="11" name="Immagine 10" descr="Immagine che contiene testo, schermata, Carattere, numero&#10;&#10;Il contenuto generato dall'IA potrebbe non essere corretto.">
+            <a:extLst>
+              <a:ext uri="{FF2B5EF4-FFF2-40B4-BE49-F238E27FC236}">
+                <a16:creationId xmlns:a16="http://schemas.microsoft.com/office/drawing/2014/main" id="{DB1232E3-B4DF-629D-7055-25D99B84269D}"/>
+              </a:ext>
+            </a:extLst>
+          </p:cNvPr>
+          <p:cNvPicPr>
+            <a:picLocks noChangeAspect="1"/>
+          </p:cNvPicPr>
+          <p:nvPr/>
+        </p:nvPicPr>
+        <p:blipFill>
+          <a:blip r:embed="rId5">
+            <a:extLst>
+              <a:ext uri="{28A0092B-C50C-407E-A947-70E740481C1C}">
+                <a14:useLocalDpi xmlns:a14="http://schemas.microsoft.com/office/drawing/2010/main" val="0"/>
+              </a:ext>
+            </a:extLst>
+          </a:blip>
+          <a:stretch>
+            <a:fillRect/>
+          </a:stretch>
+        </p:blipFill>
+        <p:spPr>
+          <a:xfrm>
+            <a:off x="8347725" y="3075766"/>
+            <a:ext cx="3199115" cy="2951442"/>
+          </a:xfrm>
+          <a:prstGeom prst="rect">
+            <a:avLst/>
+          </a:prstGeom>
+        </p:spPr>
+      </p:pic>
     </p:spTree>
     <p:extLst>
       <p:ext uri="{BB962C8B-B14F-4D97-AF65-F5344CB8AC3E}">

--- a/Presentazione_progetto.pptx
+++ b/Presentazione_progetto.pptx
@@ -4,6 +4,9 @@
   <p:sldMasterIdLst>
     <p:sldMasterId id="2147483648" r:id="rId1"/>
   </p:sldMasterIdLst>
+  <p:notesMasterIdLst>
+    <p:notesMasterId r:id="rId28"/>
+  </p:notesMasterIdLst>
   <p:sldIdLst>
     <p:sldId id="256" r:id="rId2"/>
     <p:sldId id="257" r:id="rId3"/>
@@ -18,10 +21,19 @@
     <p:sldId id="262" r:id="rId12"/>
     <p:sldId id="269" r:id="rId13"/>
     <p:sldId id="270" r:id="rId14"/>
-    <p:sldId id="271" r:id="rId15"/>
-    <p:sldId id="272" r:id="rId16"/>
-    <p:sldId id="264" r:id="rId17"/>
-    <p:sldId id="261" r:id="rId18"/>
+    <p:sldId id="273" r:id="rId15"/>
+    <p:sldId id="274" r:id="rId16"/>
+    <p:sldId id="271" r:id="rId17"/>
+    <p:sldId id="272" r:id="rId18"/>
+    <p:sldId id="264" r:id="rId19"/>
+    <p:sldId id="275" r:id="rId20"/>
+    <p:sldId id="276" r:id="rId21"/>
+    <p:sldId id="277" r:id="rId22"/>
+    <p:sldId id="278" r:id="rId23"/>
+    <p:sldId id="279" r:id="rId24"/>
+    <p:sldId id="280" r:id="rId25"/>
+    <p:sldId id="281" r:id="rId26"/>
+    <p:sldId id="261" r:id="rId27"/>
   </p:sldIdLst>
   <p:sldSz cx="12192000" cy="6858000"/>
   <p:notesSz cx="6858000" cy="9144000"/>
@@ -128,6 +140,439 @@
 </p:presentation>
 </file>
 
+<file path=ppt/notesMasters/notesMaster1.xml><?xml version="1.0" encoding="utf-8"?>
+<p:notesMaster xmlns:a="http://schemas.openxmlformats.org/drawingml/2006/main" xmlns:r="http://schemas.openxmlformats.org/officeDocument/2006/relationships" xmlns:p="http://schemas.openxmlformats.org/presentationml/2006/main">
+  <p:cSld>
+    <p:bg>
+      <p:bgRef idx="1001">
+        <a:schemeClr val="bg1"/>
+      </p:bgRef>
+    </p:bg>
+    <p:spTree>
+      <p:nvGrpSpPr>
+        <p:cNvPr id="1" name=""/>
+        <p:cNvGrpSpPr/>
+        <p:nvPr/>
+      </p:nvGrpSpPr>
+      <p:grpSpPr>
+        <a:xfrm>
+          <a:off x="0" y="0"/>
+          <a:ext cx="0" cy="0"/>
+          <a:chOff x="0" y="0"/>
+          <a:chExt cx="0" cy="0"/>
+        </a:xfrm>
+      </p:grpSpPr>
+      <p:sp>
+        <p:nvSpPr>
+          <p:cNvPr id="2" name="Segnaposto intestazione 1"/>
+          <p:cNvSpPr>
+            <a:spLocks noGrp="1"/>
+          </p:cNvSpPr>
+          <p:nvPr>
+            <p:ph type="hdr" sz="quarter"/>
+          </p:nvPr>
+        </p:nvSpPr>
+        <p:spPr>
+          <a:xfrm>
+            <a:off x="0" y="0"/>
+            <a:ext cx="2971800" cy="458788"/>
+          </a:xfrm>
+          <a:prstGeom prst="rect">
+            <a:avLst/>
+          </a:prstGeom>
+        </p:spPr>
+        <p:txBody>
+          <a:bodyPr vert="horz" lIns="91440" tIns="45720" rIns="91440" bIns="45720" rtlCol="0"/>
+          <a:lstStyle>
+            <a:lvl1pPr algn="l">
+              <a:defRPr sz="1200"/>
+            </a:lvl1pPr>
+          </a:lstStyle>
+          <a:p>
+            <a:endParaRPr lang="it-IT"/>
+          </a:p>
+        </p:txBody>
+      </p:sp>
+      <p:sp>
+        <p:nvSpPr>
+          <p:cNvPr id="3" name="Segnaposto data 2"/>
+          <p:cNvSpPr>
+            <a:spLocks noGrp="1"/>
+          </p:cNvSpPr>
+          <p:nvPr>
+            <p:ph type="dt" idx="1"/>
+          </p:nvPr>
+        </p:nvSpPr>
+        <p:spPr>
+          <a:xfrm>
+            <a:off x="3884613" y="0"/>
+            <a:ext cx="2971800" cy="458788"/>
+          </a:xfrm>
+          <a:prstGeom prst="rect">
+            <a:avLst/>
+          </a:prstGeom>
+        </p:spPr>
+        <p:txBody>
+          <a:bodyPr vert="horz" lIns="91440" tIns="45720" rIns="91440" bIns="45720" rtlCol="0"/>
+          <a:lstStyle>
+            <a:lvl1pPr algn="r">
+              <a:defRPr sz="1200"/>
+            </a:lvl1pPr>
+          </a:lstStyle>
+          <a:p>
+            <a:fld id="{D90AB0BA-8CDF-487F-B93D-E82DEFC4A339}" type="datetimeFigureOut">
+              <a:rPr lang="it-IT" smtClean="0"/>
+              <a:t>28/04/2025</a:t>
+            </a:fld>
+            <a:endParaRPr lang="it-IT"/>
+          </a:p>
+        </p:txBody>
+      </p:sp>
+      <p:sp>
+        <p:nvSpPr>
+          <p:cNvPr id="4" name="Segnaposto immagine diapositiva 3"/>
+          <p:cNvSpPr>
+            <a:spLocks noGrp="1" noRot="1" noChangeAspect="1"/>
+          </p:cNvSpPr>
+          <p:nvPr>
+            <p:ph type="sldImg" idx="2"/>
+          </p:nvPr>
+        </p:nvSpPr>
+        <p:spPr>
+          <a:xfrm>
+            <a:off x="685800" y="1143000"/>
+            <a:ext cx="5486400" cy="3086100"/>
+          </a:xfrm>
+          <a:prstGeom prst="rect">
+            <a:avLst/>
+          </a:prstGeom>
+          <a:noFill/>
+          <a:ln w="12700">
+            <a:solidFill>
+              <a:prstClr val="black"/>
+            </a:solidFill>
+          </a:ln>
+        </p:spPr>
+        <p:txBody>
+          <a:bodyPr vert="horz" lIns="91440" tIns="45720" rIns="91440" bIns="45720" rtlCol="0" anchor="ctr"/>
+          <a:lstStyle/>
+          <a:p>
+            <a:endParaRPr lang="it-IT"/>
+          </a:p>
+        </p:txBody>
+      </p:sp>
+      <p:sp>
+        <p:nvSpPr>
+          <p:cNvPr id="5" name="Segnaposto note 4"/>
+          <p:cNvSpPr>
+            <a:spLocks noGrp="1"/>
+          </p:cNvSpPr>
+          <p:nvPr>
+            <p:ph type="body" sz="quarter" idx="3"/>
+          </p:nvPr>
+        </p:nvSpPr>
+        <p:spPr>
+          <a:xfrm>
+            <a:off x="685800" y="4400550"/>
+            <a:ext cx="5486400" cy="3600450"/>
+          </a:xfrm>
+          <a:prstGeom prst="rect">
+            <a:avLst/>
+          </a:prstGeom>
+        </p:spPr>
+        <p:txBody>
+          <a:bodyPr vert="horz" lIns="91440" tIns="45720" rIns="91440" bIns="45720" rtlCol="0"/>
+          <a:lstStyle/>
+          <a:p>
+            <a:pPr lvl="0"/>
+            <a:r>
+              <a:rPr lang="it-IT"/>
+              <a:t>Fare clic per modificare gli stili del testo dello schema</a:t>
+            </a:r>
+          </a:p>
+          <a:p>
+            <a:pPr lvl="1"/>
+            <a:r>
+              <a:rPr lang="it-IT"/>
+              <a:t>Secondo livello</a:t>
+            </a:r>
+          </a:p>
+          <a:p>
+            <a:pPr lvl="2"/>
+            <a:r>
+              <a:rPr lang="it-IT"/>
+              <a:t>Terzo livello</a:t>
+            </a:r>
+          </a:p>
+          <a:p>
+            <a:pPr lvl="3"/>
+            <a:r>
+              <a:rPr lang="it-IT"/>
+              <a:t>Quarto livello</a:t>
+            </a:r>
+          </a:p>
+          <a:p>
+            <a:pPr lvl="4"/>
+            <a:r>
+              <a:rPr lang="it-IT"/>
+              <a:t>Quinto livello</a:t>
+            </a:r>
+          </a:p>
+        </p:txBody>
+      </p:sp>
+      <p:sp>
+        <p:nvSpPr>
+          <p:cNvPr id="6" name="Segnaposto piè di pagina 5"/>
+          <p:cNvSpPr>
+            <a:spLocks noGrp="1"/>
+          </p:cNvSpPr>
+          <p:nvPr>
+            <p:ph type="ftr" sz="quarter" idx="4"/>
+          </p:nvPr>
+        </p:nvSpPr>
+        <p:spPr>
+          <a:xfrm>
+            <a:off x="0" y="8685213"/>
+            <a:ext cx="2971800" cy="458787"/>
+          </a:xfrm>
+          <a:prstGeom prst="rect">
+            <a:avLst/>
+          </a:prstGeom>
+        </p:spPr>
+        <p:txBody>
+          <a:bodyPr vert="horz" lIns="91440" tIns="45720" rIns="91440" bIns="45720" rtlCol="0" anchor="b"/>
+          <a:lstStyle>
+            <a:lvl1pPr algn="l">
+              <a:defRPr sz="1200"/>
+            </a:lvl1pPr>
+          </a:lstStyle>
+          <a:p>
+            <a:endParaRPr lang="it-IT"/>
+          </a:p>
+        </p:txBody>
+      </p:sp>
+      <p:sp>
+        <p:nvSpPr>
+          <p:cNvPr id="7" name="Segnaposto numero diapositiva 6"/>
+          <p:cNvSpPr>
+            <a:spLocks noGrp="1"/>
+          </p:cNvSpPr>
+          <p:nvPr>
+            <p:ph type="sldNum" sz="quarter" idx="5"/>
+          </p:nvPr>
+        </p:nvSpPr>
+        <p:spPr>
+          <a:xfrm>
+            <a:off x="3884613" y="8685213"/>
+            <a:ext cx="2971800" cy="458787"/>
+          </a:xfrm>
+          <a:prstGeom prst="rect">
+            <a:avLst/>
+          </a:prstGeom>
+        </p:spPr>
+        <p:txBody>
+          <a:bodyPr vert="horz" lIns="91440" tIns="45720" rIns="91440" bIns="45720" rtlCol="0" anchor="b"/>
+          <a:lstStyle>
+            <a:lvl1pPr algn="r">
+              <a:defRPr sz="1200"/>
+            </a:lvl1pPr>
+          </a:lstStyle>
+          <a:p>
+            <a:fld id="{95071A88-AC34-49A6-9DA1-498B220E943E}" type="slidenum">
+              <a:rPr lang="it-IT" smtClean="0"/>
+              <a:t>‹N›</a:t>
+            </a:fld>
+            <a:endParaRPr lang="it-IT"/>
+          </a:p>
+        </p:txBody>
+      </p:sp>
+    </p:spTree>
+    <p:extLst>
+      <p:ext uri="{BB962C8B-B14F-4D97-AF65-F5344CB8AC3E}">
+        <p14:creationId xmlns:p14="http://schemas.microsoft.com/office/powerpoint/2010/main" val="119804152"/>
+      </p:ext>
+    </p:extLst>
+  </p:cSld>
+  <p:clrMap bg1="lt1" tx1="dk1" bg2="lt2" tx2="dk2" accent1="accent1" accent2="accent2" accent3="accent3" accent4="accent4" accent5="accent5" accent6="accent6" hlink="hlink" folHlink="folHlink"/>
+  <p:notesStyle>
+    <a:lvl1pPr marL="0" algn="l" defTabSz="914400" rtl="0" eaLnBrk="1" latinLnBrk="0" hangingPunct="1">
+      <a:defRPr sz="1200" kern="1200">
+        <a:solidFill>
+          <a:schemeClr val="tx1"/>
+        </a:solidFill>
+        <a:latin typeface="+mn-lt"/>
+        <a:ea typeface="+mn-ea"/>
+        <a:cs typeface="+mn-cs"/>
+      </a:defRPr>
+    </a:lvl1pPr>
+    <a:lvl2pPr marL="457200" algn="l" defTabSz="914400" rtl="0" eaLnBrk="1" latinLnBrk="0" hangingPunct="1">
+      <a:defRPr sz="1200" kern="1200">
+        <a:solidFill>
+          <a:schemeClr val="tx1"/>
+        </a:solidFill>
+        <a:latin typeface="+mn-lt"/>
+        <a:ea typeface="+mn-ea"/>
+        <a:cs typeface="+mn-cs"/>
+      </a:defRPr>
+    </a:lvl2pPr>
+    <a:lvl3pPr marL="914400" algn="l" defTabSz="914400" rtl="0" eaLnBrk="1" latinLnBrk="0" hangingPunct="1">
+      <a:defRPr sz="1200" kern="1200">
+        <a:solidFill>
+          <a:schemeClr val="tx1"/>
+        </a:solidFill>
+        <a:latin typeface="+mn-lt"/>
+        <a:ea typeface="+mn-ea"/>
+        <a:cs typeface="+mn-cs"/>
+      </a:defRPr>
+    </a:lvl3pPr>
+    <a:lvl4pPr marL="1371600" algn="l" defTabSz="914400" rtl="0" eaLnBrk="1" latinLnBrk="0" hangingPunct="1">
+      <a:defRPr sz="1200" kern="1200">
+        <a:solidFill>
+          <a:schemeClr val="tx1"/>
+        </a:solidFill>
+        <a:latin typeface="+mn-lt"/>
+        <a:ea typeface="+mn-ea"/>
+        <a:cs typeface="+mn-cs"/>
+      </a:defRPr>
+    </a:lvl4pPr>
+    <a:lvl5pPr marL="1828800" algn="l" defTabSz="914400" rtl="0" eaLnBrk="1" latinLnBrk="0" hangingPunct="1">
+      <a:defRPr sz="1200" kern="1200">
+        <a:solidFill>
+          <a:schemeClr val="tx1"/>
+        </a:solidFill>
+        <a:latin typeface="+mn-lt"/>
+        <a:ea typeface="+mn-ea"/>
+        <a:cs typeface="+mn-cs"/>
+      </a:defRPr>
+    </a:lvl5pPr>
+    <a:lvl6pPr marL="2286000" algn="l" defTabSz="914400" rtl="0" eaLnBrk="1" latinLnBrk="0" hangingPunct="1">
+      <a:defRPr sz="1200" kern="1200">
+        <a:solidFill>
+          <a:schemeClr val="tx1"/>
+        </a:solidFill>
+        <a:latin typeface="+mn-lt"/>
+        <a:ea typeface="+mn-ea"/>
+        <a:cs typeface="+mn-cs"/>
+      </a:defRPr>
+    </a:lvl6pPr>
+    <a:lvl7pPr marL="2743200" algn="l" defTabSz="914400" rtl="0" eaLnBrk="1" latinLnBrk="0" hangingPunct="1">
+      <a:defRPr sz="1200" kern="1200">
+        <a:solidFill>
+          <a:schemeClr val="tx1"/>
+        </a:solidFill>
+        <a:latin typeface="+mn-lt"/>
+        <a:ea typeface="+mn-ea"/>
+        <a:cs typeface="+mn-cs"/>
+      </a:defRPr>
+    </a:lvl7pPr>
+    <a:lvl8pPr marL="3200400" algn="l" defTabSz="914400" rtl="0" eaLnBrk="1" latinLnBrk="0" hangingPunct="1">
+      <a:defRPr sz="1200" kern="1200">
+        <a:solidFill>
+          <a:schemeClr val="tx1"/>
+        </a:solidFill>
+        <a:latin typeface="+mn-lt"/>
+        <a:ea typeface="+mn-ea"/>
+        <a:cs typeface="+mn-cs"/>
+      </a:defRPr>
+    </a:lvl8pPr>
+    <a:lvl9pPr marL="3657600" algn="l" defTabSz="914400" rtl="0" eaLnBrk="1" latinLnBrk="0" hangingPunct="1">
+      <a:defRPr sz="1200" kern="1200">
+        <a:solidFill>
+          <a:schemeClr val="tx1"/>
+        </a:solidFill>
+        <a:latin typeface="+mn-lt"/>
+        <a:ea typeface="+mn-ea"/>
+        <a:cs typeface="+mn-cs"/>
+      </a:defRPr>
+    </a:lvl9pPr>
+  </p:notesStyle>
+</p:notesMaster>
+</file>
+
+<file path=ppt/notesSlides/notesSlide1.xml><?xml version="1.0" encoding="utf-8"?>
+<p:notes xmlns:a="http://schemas.openxmlformats.org/drawingml/2006/main" xmlns:r="http://schemas.openxmlformats.org/officeDocument/2006/relationships" xmlns:p="http://schemas.openxmlformats.org/presentationml/2006/main">
+  <p:cSld>
+    <p:spTree>
+      <p:nvGrpSpPr>
+        <p:cNvPr id="1" name=""/>
+        <p:cNvGrpSpPr/>
+        <p:nvPr/>
+      </p:nvGrpSpPr>
+      <p:grpSpPr>
+        <a:xfrm>
+          <a:off x="0" y="0"/>
+          <a:ext cx="0" cy="0"/>
+          <a:chOff x="0" y="0"/>
+          <a:chExt cx="0" cy="0"/>
+        </a:xfrm>
+      </p:grpSpPr>
+      <p:sp>
+        <p:nvSpPr>
+          <p:cNvPr id="2" name="Segnaposto immagine diapositiva 1"/>
+          <p:cNvSpPr>
+            <a:spLocks noGrp="1" noRot="1" noChangeAspect="1"/>
+          </p:cNvSpPr>
+          <p:nvPr>
+            <p:ph type="sldImg"/>
+          </p:nvPr>
+        </p:nvSpPr>
+        <p:spPr/>
+      </p:sp>
+      <p:sp>
+        <p:nvSpPr>
+          <p:cNvPr id="3" name="Segnaposto note 2"/>
+          <p:cNvSpPr>
+            <a:spLocks noGrp="1"/>
+          </p:cNvSpPr>
+          <p:nvPr>
+            <p:ph type="body" idx="1"/>
+          </p:nvPr>
+        </p:nvSpPr>
+        <p:spPr/>
+        <p:txBody>
+          <a:bodyPr/>
+          <a:lstStyle/>
+          <a:p>
+            <a:endParaRPr lang="it-IT" dirty="0"/>
+          </a:p>
+        </p:txBody>
+      </p:sp>
+      <p:sp>
+        <p:nvSpPr>
+          <p:cNvPr id="4" name="Segnaposto numero diapositiva 3"/>
+          <p:cNvSpPr>
+            <a:spLocks noGrp="1"/>
+          </p:cNvSpPr>
+          <p:nvPr>
+            <p:ph type="sldNum" sz="quarter" idx="5"/>
+          </p:nvPr>
+        </p:nvSpPr>
+        <p:spPr/>
+        <p:txBody>
+          <a:bodyPr/>
+          <a:lstStyle/>
+          <a:p>
+            <a:fld id="{95071A88-AC34-49A6-9DA1-498B220E943E}" type="slidenum">
+              <a:rPr lang="it-IT" smtClean="0"/>
+              <a:t>20</a:t>
+            </a:fld>
+            <a:endParaRPr lang="it-IT"/>
+          </a:p>
+        </p:txBody>
+      </p:sp>
+    </p:spTree>
+    <p:extLst>
+      <p:ext uri="{BB962C8B-B14F-4D97-AF65-F5344CB8AC3E}">
+        <p14:creationId xmlns:p14="http://schemas.microsoft.com/office/powerpoint/2010/main" val="1666717623"/>
+      </p:ext>
+    </p:extLst>
+  </p:cSld>
+  <p:clrMapOvr>
+    <a:masterClrMapping/>
+  </p:clrMapOvr>
+</p:notes>
+</file>
+
 <file path=ppt/slideLayouts/slideLayout1.xml><?xml version="1.0" encoding="utf-8"?>
 <p:sldLayout xmlns:a="http://schemas.openxmlformats.org/drawingml/2006/main" xmlns:r="http://schemas.openxmlformats.org/officeDocument/2006/relationships" xmlns:p="http://schemas.openxmlformats.org/presentationml/2006/main" type="title" preserve="1">
   <p:cSld name="Diapositiva titolo">
@@ -275,7 +720,7 @@
           <a:p>
             <a:fld id="{90B70764-B291-4DF1-8F81-7A21D382620D}" type="datetimeFigureOut">
               <a:rPr lang="it-IT" smtClean="0"/>
-              <a:t>27/04/2025</a:t>
+              <a:t>28/04/2025</a:t>
             </a:fld>
             <a:endParaRPr lang="it-IT"/>
           </a:p>
@@ -473,7 +918,7 @@
           <a:p>
             <a:fld id="{90B70764-B291-4DF1-8F81-7A21D382620D}" type="datetimeFigureOut">
               <a:rPr lang="it-IT" smtClean="0"/>
-              <a:t>27/04/2025</a:t>
+              <a:t>28/04/2025</a:t>
             </a:fld>
             <a:endParaRPr lang="it-IT"/>
           </a:p>
@@ -681,7 +1126,7 @@
           <a:p>
             <a:fld id="{90B70764-B291-4DF1-8F81-7A21D382620D}" type="datetimeFigureOut">
               <a:rPr lang="it-IT" smtClean="0"/>
-              <a:t>27/04/2025</a:t>
+              <a:t>28/04/2025</a:t>
             </a:fld>
             <a:endParaRPr lang="it-IT"/>
           </a:p>
@@ -879,7 +1324,7 @@
           <a:p>
             <a:fld id="{90B70764-B291-4DF1-8F81-7A21D382620D}" type="datetimeFigureOut">
               <a:rPr lang="it-IT" smtClean="0"/>
-              <a:t>27/04/2025</a:t>
+              <a:t>28/04/2025</a:t>
             </a:fld>
             <a:endParaRPr lang="it-IT"/>
           </a:p>
@@ -1154,7 +1599,7 @@
           <a:p>
             <a:fld id="{90B70764-B291-4DF1-8F81-7A21D382620D}" type="datetimeFigureOut">
               <a:rPr lang="it-IT" smtClean="0"/>
-              <a:t>27/04/2025</a:t>
+              <a:t>28/04/2025</a:t>
             </a:fld>
             <a:endParaRPr lang="it-IT"/>
           </a:p>
@@ -1419,7 +1864,7 @@
           <a:p>
             <a:fld id="{90B70764-B291-4DF1-8F81-7A21D382620D}" type="datetimeFigureOut">
               <a:rPr lang="it-IT" smtClean="0"/>
-              <a:t>27/04/2025</a:t>
+              <a:t>28/04/2025</a:t>
             </a:fld>
             <a:endParaRPr lang="it-IT"/>
           </a:p>
@@ -1831,7 +2276,7 @@
           <a:p>
             <a:fld id="{90B70764-B291-4DF1-8F81-7A21D382620D}" type="datetimeFigureOut">
               <a:rPr lang="it-IT" smtClean="0"/>
-              <a:t>27/04/2025</a:t>
+              <a:t>28/04/2025</a:t>
             </a:fld>
             <a:endParaRPr lang="it-IT"/>
           </a:p>
@@ -1972,7 +2417,7 @@
           <a:p>
             <a:fld id="{90B70764-B291-4DF1-8F81-7A21D382620D}" type="datetimeFigureOut">
               <a:rPr lang="it-IT" smtClean="0"/>
-              <a:t>27/04/2025</a:t>
+              <a:t>28/04/2025</a:t>
             </a:fld>
             <a:endParaRPr lang="it-IT"/>
           </a:p>
@@ -2085,7 +2530,7 @@
           <a:p>
             <a:fld id="{90B70764-B291-4DF1-8F81-7A21D382620D}" type="datetimeFigureOut">
               <a:rPr lang="it-IT" smtClean="0"/>
-              <a:t>27/04/2025</a:t>
+              <a:t>28/04/2025</a:t>
             </a:fld>
             <a:endParaRPr lang="it-IT"/>
           </a:p>
@@ -2396,7 +2841,7 @@
           <a:p>
             <a:fld id="{90B70764-B291-4DF1-8F81-7A21D382620D}" type="datetimeFigureOut">
               <a:rPr lang="it-IT" smtClean="0"/>
-              <a:t>27/04/2025</a:t>
+              <a:t>28/04/2025</a:t>
             </a:fld>
             <a:endParaRPr lang="it-IT"/>
           </a:p>
@@ -2684,7 +3129,7 @@
           <a:p>
             <a:fld id="{90B70764-B291-4DF1-8F81-7A21D382620D}" type="datetimeFigureOut">
               <a:rPr lang="it-IT" smtClean="0"/>
-              <a:t>27/04/2025</a:t>
+              <a:t>28/04/2025</a:t>
             </a:fld>
             <a:endParaRPr lang="it-IT"/>
           </a:p>
@@ -2925,7 +3370,7 @@
           <a:p>
             <a:fld id="{90B70764-B291-4DF1-8F81-7A21D382620D}" type="datetimeFigureOut">
               <a:rPr lang="it-IT" smtClean="0"/>
-              <a:t>27/04/2025</a:t>
+              <a:t>28/04/2025</a:t>
             </a:fld>
             <a:endParaRPr lang="it-IT"/>
           </a:p>
@@ -3966,10 +4411,10 @@
       </p:sp>
       <p:pic>
         <p:nvPicPr>
-          <p:cNvPr id="5" name="Immagine 4" descr="Immagine che contiene testo, schermata, Rettangolo, Parallelo&#10;&#10;Il contenuto generato dall'IA potrebbe non essere corretto.">
-            <a:extLst>
-              <a:ext uri="{FF2B5EF4-FFF2-40B4-BE49-F238E27FC236}">
-                <a16:creationId xmlns:a16="http://schemas.microsoft.com/office/drawing/2014/main" id="{37D5D7C7-25AC-F5C6-EC21-B758EC971955}"/>
+          <p:cNvPr id="6" name="Immagine 5">
+            <a:extLst>
+              <a:ext uri="{FF2B5EF4-FFF2-40B4-BE49-F238E27FC236}">
+                <a16:creationId xmlns:a16="http://schemas.microsoft.com/office/drawing/2014/main" id="{2C825909-6C26-1E78-E545-5E2ED75FA729}"/>
               </a:ext>
             </a:extLst>
           </p:cNvPr>
@@ -3992,8 +4437,8 @@
         </p:blipFill>
         <p:spPr>
           <a:xfrm>
-            <a:off x="399281" y="1830915"/>
-            <a:ext cx="5418667" cy="4433018"/>
+            <a:off x="838200" y="1764539"/>
+            <a:ext cx="4944533" cy="4361805"/>
           </a:xfrm>
           <a:prstGeom prst="rect">
             <a:avLst/>
@@ -4093,7 +4538,7 @@
           </a:bodyPr>
           <a:lstStyle/>
           <a:p>
-            <a:pPr algn="l">
+            <a:pPr>
               <a:buFont typeface="Arial" panose="020B0604020202020204" pitchFamily="34" charset="0"/>
               <a:buChar char="•"/>
             </a:pPr>
@@ -4107,7 +4552,7 @@
             </a:r>
           </a:p>
           <a:p>
-            <a:pPr algn="l">
+            <a:pPr>
               <a:buFont typeface="Arial" panose="020B0604020202020204" pitchFamily="34" charset="0"/>
               <a:buChar char="•"/>
             </a:pPr>
@@ -4117,7 +4562,7 @@
             </a:r>
           </a:p>
           <a:p>
-            <a:pPr algn="l">
+            <a:pPr>
               <a:buFont typeface="Arial" panose="020B0604020202020204" pitchFamily="34" charset="0"/>
               <a:buChar char="•"/>
             </a:pPr>
@@ -4131,7 +4576,7 @@
             </a:r>
           </a:p>
           <a:p>
-            <a:pPr algn="l">
+            <a:pPr>
               <a:buFont typeface="Arial" panose="020B0604020202020204" pitchFamily="34" charset="0"/>
               <a:buChar char="•"/>
             </a:pPr>
@@ -4141,7 +4586,7 @@
             </a:r>
           </a:p>
           <a:p>
-            <a:pPr algn="l">
+            <a:pPr>
               <a:buFont typeface="Arial" panose="020B0604020202020204" pitchFamily="34" charset="0"/>
               <a:buChar char="•"/>
             </a:pPr>
@@ -4151,7 +4596,7 @@
             </a:r>
           </a:p>
           <a:p>
-            <a:pPr algn="l">
+            <a:pPr>
               <a:buFont typeface="Arial" panose="020B0604020202020204" pitchFamily="34" charset="0"/>
               <a:buChar char="•"/>
             </a:pPr>
@@ -4165,7 +4610,7 @@
             </a:r>
           </a:p>
           <a:p>
-            <a:pPr algn="l">
+            <a:pPr>
               <a:buFont typeface="Arial" panose="020B0604020202020204" pitchFamily="34" charset="0"/>
               <a:buChar char="•"/>
             </a:pPr>
@@ -4290,6 +4735,431 @@
           <p:cNvPr id="2" name="Titolo 1">
             <a:extLst>
               <a:ext uri="{FF2B5EF4-FFF2-40B4-BE49-F238E27FC236}">
+                <a16:creationId xmlns:a16="http://schemas.microsoft.com/office/drawing/2014/main" id="{91D67C2A-3D76-8736-C32E-DC87EA2F643D}"/>
+              </a:ext>
+            </a:extLst>
+          </p:cNvPr>
+          <p:cNvSpPr>
+            <a:spLocks noGrp="1"/>
+          </p:cNvSpPr>
+          <p:nvPr>
+            <p:ph type="title"/>
+          </p:nvPr>
+        </p:nvSpPr>
+        <p:spPr/>
+        <p:txBody>
+          <a:bodyPr/>
+          <a:lstStyle/>
+          <a:p>
+            <a:r>
+              <a:rPr lang="en-GB" noProof="0" dirty="0"/>
+              <a:t>Multiple linear regression -</a:t>
+            </a:r>
+            <a:br>
+              <a:rPr lang="en-GB" noProof="0" dirty="0"/>
+            </a:br>
+            <a:r>
+              <a:rPr lang="en-GB" noProof="0" dirty="0"/>
+              <a:t>refined model</a:t>
+            </a:r>
+          </a:p>
+        </p:txBody>
+      </p:sp>
+      <p:sp>
+        <p:nvSpPr>
+          <p:cNvPr id="3" name="Segnaposto contenuto 2">
+            <a:extLst>
+              <a:ext uri="{FF2B5EF4-FFF2-40B4-BE49-F238E27FC236}">
+                <a16:creationId xmlns:a16="http://schemas.microsoft.com/office/drawing/2014/main" id="{FCB04820-396D-3062-A055-D4D339E7814C}"/>
+              </a:ext>
+            </a:extLst>
+          </p:cNvPr>
+          <p:cNvSpPr>
+            <a:spLocks noGrp="1"/>
+          </p:cNvSpPr>
+          <p:nvPr>
+            <p:ph idx="1"/>
+          </p:nvPr>
+        </p:nvSpPr>
+        <p:spPr>
+          <a:xfrm>
+            <a:off x="838200" y="1825624"/>
+            <a:ext cx="10515600" cy="942975"/>
+          </a:xfrm>
+        </p:spPr>
+        <p:txBody>
+          <a:bodyPr>
+            <a:normAutofit/>
+          </a:bodyPr>
+          <a:lstStyle/>
+          <a:p>
+            <a:r>
+              <a:rPr lang="en-GB" noProof="0" dirty="0"/>
+              <a:t>We choose to remove </a:t>
+            </a:r>
+            <a:r>
+              <a:rPr lang="en-GB" noProof="0" dirty="0" err="1"/>
+              <a:t>Vehicle_Type</a:t>
+            </a:r>
+            <a:r>
+              <a:rPr lang="en-GB" noProof="0" dirty="0"/>
+              <a:t> and </a:t>
+            </a:r>
+            <a:r>
+              <a:rPr lang="en-GB" noProof="0" dirty="0" err="1"/>
+              <a:t>Time_of_day</a:t>
+            </a:r>
+            <a:r>
+              <a:rPr lang="en-GB" noProof="0" dirty="0"/>
+              <a:t>, as they are the least statistically significant, with high p-values. </a:t>
+            </a:r>
+          </a:p>
+        </p:txBody>
+      </p:sp>
+      <p:pic>
+        <p:nvPicPr>
+          <p:cNvPr id="5" name="Immagine 4">
+            <a:extLst>
+              <a:ext uri="{FF2B5EF4-FFF2-40B4-BE49-F238E27FC236}">
+                <a16:creationId xmlns:a16="http://schemas.microsoft.com/office/drawing/2014/main" id="{1BD38AA3-066B-FD24-F751-C33E482ACB1D}"/>
+              </a:ext>
+            </a:extLst>
+          </p:cNvPr>
+          <p:cNvPicPr>
+            <a:picLocks noChangeAspect="1"/>
+          </p:cNvPicPr>
+          <p:nvPr/>
+        </p:nvPicPr>
+        <p:blipFill>
+          <a:blip r:embed="rId2">
+            <a:extLst>
+              <a:ext uri="{28A0092B-C50C-407E-A947-70E740481C1C}">
+                <a14:useLocalDpi xmlns:a14="http://schemas.microsoft.com/office/drawing/2010/main" val="0"/>
+              </a:ext>
+            </a:extLst>
+          </a:blip>
+          <a:stretch>
+            <a:fillRect/>
+          </a:stretch>
+        </p:blipFill>
+        <p:spPr>
+          <a:xfrm>
+            <a:off x="838200" y="2768599"/>
+            <a:ext cx="3386667" cy="3053077"/>
+          </a:xfrm>
+          <a:prstGeom prst="rect">
+            <a:avLst/>
+          </a:prstGeom>
+        </p:spPr>
+      </p:pic>
+      <p:pic>
+        <p:nvPicPr>
+          <p:cNvPr id="7" name="Immagine 6">
+            <a:extLst>
+              <a:ext uri="{FF2B5EF4-FFF2-40B4-BE49-F238E27FC236}">
+                <a16:creationId xmlns:a16="http://schemas.microsoft.com/office/drawing/2014/main" id="{339F0F4B-BF6A-2929-DBFE-51E31018C377}"/>
+              </a:ext>
+            </a:extLst>
+          </p:cNvPr>
+          <p:cNvPicPr>
+            <a:picLocks noChangeAspect="1"/>
+          </p:cNvPicPr>
+          <p:nvPr/>
+        </p:nvPicPr>
+        <p:blipFill>
+          <a:blip r:embed="rId3">
+            <a:extLst>
+              <a:ext uri="{28A0092B-C50C-407E-A947-70E740481C1C}">
+                <a14:useLocalDpi xmlns:a14="http://schemas.microsoft.com/office/drawing/2010/main" val="0"/>
+              </a:ext>
+            </a:extLst>
+          </a:blip>
+          <a:stretch>
+            <a:fillRect/>
+          </a:stretch>
+        </p:blipFill>
+        <p:spPr>
+          <a:xfrm>
+            <a:off x="838200" y="5895734"/>
+            <a:ext cx="2064183" cy="505066"/>
+          </a:xfrm>
+          <a:prstGeom prst="rect">
+            <a:avLst/>
+          </a:prstGeom>
+        </p:spPr>
+      </p:pic>
+      <p:pic>
+        <p:nvPicPr>
+          <p:cNvPr id="9" name="Immagine 8">
+            <a:extLst>
+              <a:ext uri="{FF2B5EF4-FFF2-40B4-BE49-F238E27FC236}">
+                <a16:creationId xmlns:a16="http://schemas.microsoft.com/office/drawing/2014/main" id="{AF1F9DA0-9F06-9504-B76E-C92A74D53533}"/>
+              </a:ext>
+            </a:extLst>
+          </p:cNvPr>
+          <p:cNvPicPr>
+            <a:picLocks noChangeAspect="1"/>
+          </p:cNvPicPr>
+          <p:nvPr/>
+        </p:nvPicPr>
+        <p:blipFill>
+          <a:blip r:embed="rId4">
+            <a:extLst>
+              <a:ext uri="{28A0092B-C50C-407E-A947-70E740481C1C}">
+                <a14:useLocalDpi xmlns:a14="http://schemas.microsoft.com/office/drawing/2010/main" val="0"/>
+              </a:ext>
+            </a:extLst>
+          </a:blip>
+          <a:stretch>
+            <a:fillRect/>
+          </a:stretch>
+        </p:blipFill>
+        <p:spPr>
+          <a:xfrm>
+            <a:off x="4462505" y="3429000"/>
+            <a:ext cx="3266990" cy="2374663"/>
+          </a:xfrm>
+          <a:prstGeom prst="rect">
+            <a:avLst/>
+          </a:prstGeom>
+        </p:spPr>
+      </p:pic>
+      <p:pic>
+        <p:nvPicPr>
+          <p:cNvPr id="11" name="Immagine 10">
+            <a:extLst>
+              <a:ext uri="{FF2B5EF4-FFF2-40B4-BE49-F238E27FC236}">
+                <a16:creationId xmlns:a16="http://schemas.microsoft.com/office/drawing/2014/main" id="{7FE00B08-4735-712B-104F-4A2BBD632034}"/>
+              </a:ext>
+            </a:extLst>
+          </p:cNvPr>
+          <p:cNvPicPr>
+            <a:picLocks noChangeAspect="1"/>
+          </p:cNvPicPr>
+          <p:nvPr/>
+        </p:nvPicPr>
+        <p:blipFill>
+          <a:blip r:embed="rId5">
+            <a:extLst>
+              <a:ext uri="{28A0092B-C50C-407E-A947-70E740481C1C}">
+                <a14:useLocalDpi xmlns:a14="http://schemas.microsoft.com/office/drawing/2010/main" val="0"/>
+              </a:ext>
+            </a:extLst>
+          </a:blip>
+          <a:stretch>
+            <a:fillRect/>
+          </a:stretch>
+        </p:blipFill>
+        <p:spPr>
+          <a:xfrm>
+            <a:off x="7967133" y="3442335"/>
+            <a:ext cx="3266990" cy="2289810"/>
+          </a:xfrm>
+          <a:prstGeom prst="rect">
+            <a:avLst/>
+          </a:prstGeom>
+        </p:spPr>
+      </p:pic>
+    </p:spTree>
+    <p:extLst>
+      <p:ext uri="{BB962C8B-B14F-4D97-AF65-F5344CB8AC3E}">
+        <p14:creationId xmlns:p14="http://schemas.microsoft.com/office/powerpoint/2010/main" val="791668361"/>
+      </p:ext>
+    </p:extLst>
+  </p:cSld>
+  <p:clrMapOvr>
+    <a:masterClrMapping/>
+  </p:clrMapOvr>
+</p:sld>
+</file>
+
+<file path=ppt/slides/slide15.xml><?xml version="1.0" encoding="utf-8"?>
+<p:sld xmlns:a="http://schemas.openxmlformats.org/drawingml/2006/main" xmlns:r="http://schemas.openxmlformats.org/officeDocument/2006/relationships" xmlns:p="http://schemas.openxmlformats.org/presentationml/2006/main">
+  <p:cSld>
+    <p:spTree>
+      <p:nvGrpSpPr>
+        <p:cNvPr id="1" name=""/>
+        <p:cNvGrpSpPr/>
+        <p:nvPr/>
+      </p:nvGrpSpPr>
+      <p:grpSpPr>
+        <a:xfrm>
+          <a:off x="0" y="0"/>
+          <a:ext cx="0" cy="0"/>
+          <a:chOff x="0" y="0"/>
+          <a:chExt cx="0" cy="0"/>
+        </a:xfrm>
+      </p:grpSpPr>
+      <p:sp>
+        <p:nvSpPr>
+          <p:cNvPr id="2" name="Titolo 1">
+            <a:extLst>
+              <a:ext uri="{FF2B5EF4-FFF2-40B4-BE49-F238E27FC236}">
+                <a16:creationId xmlns:a16="http://schemas.microsoft.com/office/drawing/2014/main" id="{150438D8-3CE0-E45D-44D5-89061C12DB4E}"/>
+              </a:ext>
+            </a:extLst>
+          </p:cNvPr>
+          <p:cNvSpPr>
+            <a:spLocks noGrp="1"/>
+          </p:cNvSpPr>
+          <p:nvPr>
+            <p:ph type="title"/>
+          </p:nvPr>
+        </p:nvSpPr>
+        <p:spPr/>
+        <p:txBody>
+          <a:bodyPr/>
+          <a:lstStyle/>
+          <a:p>
+            <a:r>
+              <a:rPr lang="en-GB" noProof="0" dirty="0"/>
+              <a:t>Multiple linear regression -</a:t>
+            </a:r>
+            <a:br>
+              <a:rPr lang="en-GB" noProof="0" dirty="0"/>
+            </a:br>
+            <a:r>
+              <a:rPr lang="en-GB" noProof="0" dirty="0"/>
+              <a:t>residual evaluation</a:t>
+            </a:r>
+            <a:endParaRPr lang="it-IT" dirty="0"/>
+          </a:p>
+        </p:txBody>
+      </p:sp>
+      <p:sp>
+        <p:nvSpPr>
+          <p:cNvPr id="3" name="Segnaposto contenuto 2">
+            <a:extLst>
+              <a:ext uri="{FF2B5EF4-FFF2-40B4-BE49-F238E27FC236}">
+                <a16:creationId xmlns:a16="http://schemas.microsoft.com/office/drawing/2014/main" id="{18730080-5C80-C9F0-8BB7-59901D55768A}"/>
+              </a:ext>
+            </a:extLst>
+          </p:cNvPr>
+          <p:cNvSpPr>
+            <a:spLocks noGrp="1"/>
+          </p:cNvSpPr>
+          <p:nvPr>
+            <p:ph idx="1"/>
+          </p:nvPr>
+        </p:nvSpPr>
+        <p:spPr>
+          <a:xfrm>
+            <a:off x="838200" y="1825625"/>
+            <a:ext cx="5257800" cy="4351338"/>
+          </a:xfrm>
+        </p:spPr>
+        <p:txBody>
+          <a:bodyPr/>
+          <a:lstStyle/>
+          <a:p>
+            <a:pPr marL="0" indent="0">
+              <a:buNone/>
+            </a:pPr>
+            <a:r>
+              <a:rPr lang="en-US" sz="1800" dirty="0"/>
+              <a:t>To improve the robustness of the regression model, we removed outliers based on the distribution of residuals from an initial OLS fit.</a:t>
+            </a:r>
+            <a:br>
+              <a:rPr lang="en-US" sz="1800" dirty="0"/>
+            </a:br>
+            <a:r>
+              <a:rPr lang="en-US" sz="1800" dirty="0"/>
+              <a:t>Residuals follow a normal distribution (as confirmed by the plot on the right), and a threshold based on the standard deviation is applied to identify anomalous observations.</a:t>
+            </a:r>
+            <a:br>
+              <a:rPr lang="en-US" sz="1800" dirty="0"/>
+            </a:br>
+            <a:r>
+              <a:rPr lang="en-US" sz="1800" dirty="0"/>
+              <a:t>Instead of the conventional ±3 standard deviations, we adopted a slightly more restrictive cutoff of ±2.9 standard deviations.</a:t>
+            </a:r>
+          </a:p>
+          <a:p>
+            <a:pPr marL="0" indent="0">
+              <a:buNone/>
+            </a:pPr>
+            <a:br>
+              <a:rPr lang="en-US" sz="1800" dirty="0"/>
+            </a:br>
+            <a:r>
+              <a:rPr lang="en-US" sz="1800" dirty="0"/>
+              <a:t>This choice allowed us to remove all significant outliers without discarding a substantial portion of the data.</a:t>
+            </a:r>
+            <a:endParaRPr lang="it-IT" sz="1800" dirty="0"/>
+          </a:p>
+        </p:txBody>
+      </p:sp>
+      <p:pic>
+        <p:nvPicPr>
+          <p:cNvPr id="5" name="Immagine 4">
+            <a:extLst>
+              <a:ext uri="{FF2B5EF4-FFF2-40B4-BE49-F238E27FC236}">
+                <a16:creationId xmlns:a16="http://schemas.microsoft.com/office/drawing/2014/main" id="{8C6FE1D7-6D93-D9F4-15C1-1AC42D64A352}"/>
+              </a:ext>
+            </a:extLst>
+          </p:cNvPr>
+          <p:cNvPicPr>
+            <a:picLocks noChangeAspect="1"/>
+          </p:cNvPicPr>
+          <p:nvPr/>
+        </p:nvPicPr>
+        <p:blipFill>
+          <a:blip r:embed="rId2">
+            <a:extLst>
+              <a:ext uri="{28A0092B-C50C-407E-A947-70E740481C1C}">
+                <a14:useLocalDpi xmlns:a14="http://schemas.microsoft.com/office/drawing/2010/main" val="0"/>
+              </a:ext>
+            </a:extLst>
+          </a:blip>
+          <a:stretch>
+            <a:fillRect/>
+          </a:stretch>
+        </p:blipFill>
+        <p:spPr>
+          <a:xfrm>
+            <a:off x="6096000" y="1414596"/>
+            <a:ext cx="5509737" cy="4252328"/>
+          </a:xfrm>
+          <a:prstGeom prst="rect">
+            <a:avLst/>
+          </a:prstGeom>
+        </p:spPr>
+      </p:pic>
+    </p:spTree>
+    <p:extLst>
+      <p:ext uri="{BB962C8B-B14F-4D97-AF65-F5344CB8AC3E}">
+        <p14:creationId xmlns:p14="http://schemas.microsoft.com/office/powerpoint/2010/main" val="292827245"/>
+      </p:ext>
+    </p:extLst>
+  </p:cSld>
+  <p:clrMapOvr>
+    <a:masterClrMapping/>
+  </p:clrMapOvr>
+</p:sld>
+</file>
+
+<file path=ppt/slides/slide16.xml><?xml version="1.0" encoding="utf-8"?>
+<p:sld xmlns:a="http://schemas.openxmlformats.org/drawingml/2006/main" xmlns:r="http://schemas.openxmlformats.org/officeDocument/2006/relationships" xmlns:p="http://schemas.openxmlformats.org/presentationml/2006/main">
+  <p:cSld>
+    <p:spTree>
+      <p:nvGrpSpPr>
+        <p:cNvPr id="1" name=""/>
+        <p:cNvGrpSpPr/>
+        <p:nvPr/>
+      </p:nvGrpSpPr>
+      <p:grpSpPr>
+        <a:xfrm>
+          <a:off x="0" y="0"/>
+          <a:ext cx="0" cy="0"/>
+          <a:chOff x="0" y="0"/>
+          <a:chExt cx="0" cy="0"/>
+        </a:xfrm>
+      </p:grpSpPr>
+      <p:sp>
+        <p:nvSpPr>
+          <p:cNvPr id="2" name="Titolo 1">
+            <a:extLst>
+              <a:ext uri="{FF2B5EF4-FFF2-40B4-BE49-F238E27FC236}">
                 <a16:creationId xmlns:a16="http://schemas.microsoft.com/office/drawing/2014/main" id="{BA5819F3-DA43-CC44-5A2C-11A82F419AC6}"/>
               </a:ext>
             </a:extLst>
@@ -4386,8 +5256,8 @@
         </p:blipFill>
         <p:spPr>
           <a:xfrm>
-            <a:off x="951554" y="2912605"/>
-            <a:ext cx="3223539" cy="2911092"/>
+            <a:off x="951554" y="3535919"/>
+            <a:ext cx="2533325" cy="2287778"/>
           </a:xfrm>
         </p:spPr>
       </p:pic>
@@ -4442,7 +5312,7 @@
         <p:spPr>
           <a:xfrm>
             <a:off x="838200" y="1921933"/>
-            <a:ext cx="10512193" cy="923330"/>
+            <a:ext cx="10512193" cy="1754326"/>
           </a:xfrm>
           <a:prstGeom prst="rect">
             <a:avLst/>
@@ -4457,30 +5327,71 @@
           <a:p>
             <a:r>
               <a:rPr lang="en-GB" noProof="0" dirty="0"/>
-              <a:t>We decided to remove </a:t>
-            </a:r>
-            <a:r>
-              <a:rPr lang="en-GB" noProof="0" dirty="0" err="1"/>
-              <a:t>Vehicle_Type</a:t>
-            </a:r>
-            <a:r>
-              <a:rPr lang="en-GB" noProof="0" dirty="0"/>
-              <a:t> and </a:t>
-            </a:r>
-            <a:r>
-              <a:rPr lang="en-GB" noProof="0" dirty="0" err="1"/>
-              <a:t>Time_of_day</a:t>
-            </a:r>
-            <a:r>
-              <a:rPr lang="en-GB" noProof="0" dirty="0"/>
-              <a:t>, as they were the least statistically significant, with high p-values. </a:t>
-            </a:r>
-          </a:p>
-          <a:p>
-            <a:r>
-              <a:rPr lang="en-GB" noProof="0" dirty="0"/>
-              <a:t>We also removed some remaining outliers, resulting in the following model: </a:t>
-            </a:r>
+              <a:t>With the removal of the outliers</a:t>
+            </a:r>
+            <a:r>
+              <a:rPr lang="en-GB" dirty="0"/>
+              <a:t> </a:t>
+            </a:r>
+            <a:r>
+              <a:rPr lang="en-US" dirty="0"/>
+              <a:t>the R² value has improved by about 10%, nearly reaching 90%.</a:t>
+            </a:r>
+            <a:br>
+              <a:rPr lang="en-US" dirty="0"/>
+            </a:br>
+            <a:r>
+              <a:rPr lang="en-US" dirty="0"/>
+              <a:t>The error in delivery time is now approximately 6-7 minutes.</a:t>
+            </a:r>
+          </a:p>
+          <a:p>
+            <a:r>
+              <a:rPr lang="en-US" b="0" i="0" dirty="0">
+                <a:effectLst/>
+                <a:latin typeface="system-ui"/>
+              </a:rPr>
+              <a:t>However, from the </a:t>
+            </a:r>
+            <a:r>
+              <a:rPr lang="en-US" b="0" i="1" dirty="0">
+                <a:effectLst/>
+                <a:latin typeface="system-ui"/>
+              </a:rPr>
+              <a:t>Residuals vs Predicted Values</a:t>
+            </a:r>
+            <a:r>
+              <a:rPr lang="en-US" b="0" i="0" dirty="0">
+                <a:effectLst/>
+                <a:latin typeface="system-ui"/>
+              </a:rPr>
+              <a:t> plot, we can observe a clear cone-shaped pattern, with residuals starting from 0 and ranging between -20 and +20.</a:t>
+            </a:r>
+            <a:br>
+              <a:rPr lang="en-US" dirty="0"/>
+            </a:br>
+            <a:r>
+              <a:rPr lang="en-US" b="0" i="0" dirty="0">
+                <a:effectLst/>
+                <a:latin typeface="system-ui"/>
+              </a:rPr>
+              <a:t>This pattern indicates </a:t>
+            </a:r>
+            <a:r>
+              <a:rPr lang="en-US" b="1" i="0" dirty="0">
+                <a:effectLst/>
+                <a:latin typeface="system-ui"/>
+              </a:rPr>
+              <a:t>heteroscedasticity</a:t>
+            </a:r>
+            <a:r>
+              <a:rPr lang="en-US" b="0" i="0" dirty="0">
+                <a:effectLst/>
+                <a:latin typeface="system-ui"/>
+              </a:rPr>
+              <a:t>, meaning the variance of the residuals increases as the predicted values grow.</a:t>
+            </a:r>
+            <a:endParaRPr lang="en-GB" dirty="0"/>
           </a:p>
         </p:txBody>
       </p:sp>
@@ -4533,7 +5444,7 @@
 </p:sld>
 </file>
 
-<file path=ppt/slides/slide15.xml><?xml version="1.0" encoding="utf-8"?>
+<file path=ppt/slides/slide17.xml><?xml version="1.0" encoding="utf-8"?>
 <p:sld xmlns:a="http://schemas.openxmlformats.org/drawingml/2006/main" xmlns:r="http://schemas.openxmlformats.org/officeDocument/2006/relationships" xmlns:p="http://schemas.openxmlformats.org/presentationml/2006/main">
   <p:cSld>
     <p:spTree>
@@ -4608,106 +5519,60 @@
           </a:xfrm>
         </p:spPr>
         <p:txBody>
-          <a:bodyPr/>
-          <a:lstStyle/>
-          <a:p>
+          <a:bodyPr>
+            <a:normAutofit lnSpcReduction="10000"/>
+          </a:bodyPr>
+          <a:lstStyle/>
+          <a:p>
+            <a:pPr marL="0" indent="0">
+              <a:buNone/>
+            </a:pPr>
+            <a:r>
+              <a:rPr lang="en-GB" sz="1800" noProof="0" dirty="0"/>
+              <a:t>After noticing heteroscedasticity in the previous model’s r</a:t>
+            </a:r>
             <a:r>
               <a:rPr lang="en-GB" sz="1800" dirty="0"/>
-              <a:t>After noticing </a:t>
-            </a:r>
-            <a:r>
-              <a:rPr lang="it-IT" sz="1800" dirty="0" err="1"/>
-              <a:t>heteroscedasticity</a:t>
-            </a:r>
-            <a:r>
-              <a:rPr lang="it-IT" sz="1800" dirty="0"/>
-              <a:t> in the </a:t>
-            </a:r>
-            <a:r>
-              <a:rPr lang="it-IT" sz="1800" dirty="0" err="1"/>
-              <a:t>previous</a:t>
-            </a:r>
-            <a:r>
-              <a:rPr lang="it-IT" sz="1800" dirty="0"/>
-              <a:t> </a:t>
-            </a:r>
-            <a:r>
-              <a:rPr lang="it-IT" sz="1800" dirty="0" err="1"/>
-              <a:t>model’s</a:t>
-            </a:r>
-            <a:r>
-              <a:rPr lang="it-IT" sz="1800" dirty="0"/>
-              <a:t> </a:t>
-            </a:r>
-            <a:r>
-              <a:rPr lang="it-IT" sz="1800" dirty="0" err="1"/>
-              <a:t>residuals</a:t>
-            </a:r>
-            <a:r>
-              <a:rPr lang="it-IT" sz="1800" dirty="0"/>
-              <a:t> </a:t>
-            </a:r>
-            <a:r>
-              <a:rPr lang="it-IT" sz="1800" dirty="0" err="1"/>
-              <a:t>graph</a:t>
-            </a:r>
-            <a:r>
-              <a:rPr lang="it-IT" sz="1800" dirty="0"/>
-              <a:t>, </a:t>
-            </a:r>
-            <a:r>
-              <a:rPr lang="it-IT" sz="1800" dirty="0" err="1"/>
-              <a:t>we</a:t>
-            </a:r>
-            <a:r>
-              <a:rPr lang="it-IT" sz="1800" dirty="0"/>
-              <a:t> </a:t>
-            </a:r>
-            <a:r>
-              <a:rPr lang="it-IT" sz="1800" dirty="0" err="1"/>
-              <a:t>attempted</a:t>
-            </a:r>
-            <a:r>
-              <a:rPr lang="it-IT" sz="1800" dirty="0"/>
-              <a:t> </a:t>
-            </a:r>
-            <a:r>
-              <a:rPr lang="it-IT" sz="1800" dirty="0" err="1"/>
-              <a:t>transformations</a:t>
-            </a:r>
-            <a:r>
-              <a:rPr lang="it-IT" sz="1800" dirty="0"/>
-              <a:t> on the model to </a:t>
-            </a:r>
-            <a:r>
-              <a:rPr lang="it-IT" sz="1800" dirty="0" err="1"/>
-              <a:t>try</a:t>
-            </a:r>
-            <a:r>
-              <a:rPr lang="it-IT" sz="1800" dirty="0"/>
-              <a:t> to </a:t>
-            </a:r>
-            <a:r>
-              <a:rPr lang="it-IT" sz="1800" dirty="0" err="1"/>
-              <a:t>improve</a:t>
-            </a:r>
-            <a:r>
-              <a:rPr lang="it-IT" sz="1800" dirty="0"/>
-              <a:t> </a:t>
-            </a:r>
-            <a:r>
-              <a:rPr lang="it-IT" sz="1800" dirty="0" err="1"/>
-              <a:t>its</a:t>
-            </a:r>
-            <a:r>
-              <a:rPr lang="it-IT" sz="1800" dirty="0"/>
-              <a:t> performance.</a:t>
-            </a:r>
-          </a:p>
-          <a:p>
-            <a:r>
-              <a:rPr lang="it-IT" sz="1800" dirty="0" err="1"/>
-              <a:t>th</a:t>
+              <a:t>esidua</a:t>
+            </a:r>
+            <a:r>
+              <a:rPr lang="en-GB" sz="1800" noProof="0" dirty="0"/>
+              <a:t>ls graph, we attempt transformations on the model to try to improve its performance.</a:t>
+            </a:r>
+          </a:p>
+          <a:p>
+            <a:r>
+              <a:rPr lang="en-GB" sz="1800" noProof="0" dirty="0"/>
+              <a:t>The logarithm-transformed model (first row) is slightly worse than the base model, as we can see in the scatterplot.</a:t>
+            </a:r>
+          </a:p>
+          <a:p>
+            <a:r>
+              <a:rPr lang="en-GB" sz="1800" noProof="0" dirty="0"/>
+              <a:t>The square root –transformed model (second row) has a slightly better residual distribution.</a:t>
+            </a:r>
+          </a:p>
+          <a:p>
+            <a:pPr marL="0" indent="0">
+              <a:buNone/>
+            </a:pPr>
+            <a:r>
+              <a:rPr lang="en-US" sz="1800" dirty="0"/>
+              <a:t>Observing the results from the plots, no clear improvement is noticeable.</a:t>
+            </a:r>
+            <a:br>
+              <a:rPr lang="en-US" sz="1800" dirty="0"/>
+            </a:br>
+            <a:r>
+              <a:rPr lang="en-US" sz="1800" dirty="0"/>
+              <a:t>Moreover, the R² values are similar to the original model.</a:t>
+            </a:r>
+            <a:br>
+              <a:rPr lang="en-US" sz="1800" dirty="0"/>
+            </a:br>
+            <a:r>
+              <a:rPr lang="en-US" sz="1800" dirty="0"/>
+              <a:t>Therefore, we prefer to continue our work with the non-transformed model.</a:t>
             </a:r>
             <a:endParaRPr lang="en-GB" sz="1800" dirty="0"/>
           </a:p>
@@ -4870,7 +5735,7 @@
 </p:sld>
 </file>
 
-<file path=ppt/slides/slide16.xml><?xml version="1.0" encoding="utf-8"?>
+<file path=ppt/slides/slide18.xml><?xml version="1.0" encoding="utf-8"?>
 <p:sld xmlns:a="http://schemas.openxmlformats.org/drawingml/2006/main" xmlns:r="http://schemas.openxmlformats.org/officeDocument/2006/relationships" xmlns:p="http://schemas.openxmlformats.org/presentationml/2006/main">
   <p:cSld>
     <p:spTree>
@@ -4917,10 +5782,10 @@
       </p:sp>
       <p:sp>
         <p:nvSpPr>
-          <p:cNvPr id="3" name="Segnaposto contenuto 2">
-            <a:extLst>
-              <a:ext uri="{FF2B5EF4-FFF2-40B4-BE49-F238E27FC236}">
-                <a16:creationId xmlns:a16="http://schemas.microsoft.com/office/drawing/2014/main" id="{6A3980BF-D05C-9EDF-B6B4-A79DC2E00025}"/>
+          <p:cNvPr id="7" name="Segnaposto contenuto 6">
+            <a:extLst>
+              <a:ext uri="{FF2B5EF4-FFF2-40B4-BE49-F238E27FC236}">
+                <a16:creationId xmlns:a16="http://schemas.microsoft.com/office/drawing/2014/main" id="{F5A6A326-2C40-8DD3-97D1-D8F27184A8E8}"/>
               </a:ext>
             </a:extLst>
           </p:cNvPr>
@@ -4931,12 +5796,825 @@
             <p:ph idx="1"/>
           </p:nvPr>
         </p:nvSpPr>
-        <p:spPr/>
-        <p:txBody>
-          <a:bodyPr/>
-          <a:lstStyle/>
-          <a:p>
-            <a:endParaRPr lang="en-GB" noProof="0" dirty="0"/>
+        <p:spPr>
+          <a:xfrm>
+            <a:off x="838200" y="1825625"/>
+            <a:ext cx="10515600" cy="4667250"/>
+          </a:xfrm>
+        </p:spPr>
+        <p:txBody>
+          <a:bodyPr>
+            <a:normAutofit/>
+          </a:bodyPr>
+          <a:lstStyle/>
+          <a:p>
+            <a:pPr marL="0" indent="0">
+              <a:buNone/>
+            </a:pPr>
+            <a:r>
+              <a:rPr lang="en-US" sz="1800" dirty="0"/>
+              <a:t>By testing the model on a separate validation set, we can detect overfitting and assess real-world performance.</a:t>
+            </a:r>
+          </a:p>
+          <a:p>
+            <a:r>
+              <a:rPr lang="en-US" sz="1800" dirty="0"/>
+              <a:t>Cross-validation: we split the dataset into a training set </a:t>
+            </a:r>
+            <a:r>
+              <a:rPr lang="en-US" sz="1800" dirty="0" err="1"/>
+              <a:t>Food_train</a:t>
+            </a:r>
+            <a:r>
+              <a:rPr lang="en-US" sz="1800" dirty="0"/>
+              <a:t> and a validation set </a:t>
+            </a:r>
+            <a:r>
+              <a:rPr lang="en-US" sz="1800" dirty="0" err="1"/>
+              <a:t>Food_valid</a:t>
+            </a:r>
+            <a:r>
+              <a:rPr lang="en-US" sz="1800" dirty="0"/>
+              <a:t>.</a:t>
+            </a:r>
+            <a:br>
+              <a:rPr lang="en-US" sz="1800" dirty="0"/>
+            </a:br>
+            <a:r>
+              <a:rPr lang="en-US" sz="1800" dirty="0"/>
+              <a:t>We explicitly define the size of the validation set (430 samples), which is exactly half of the total dataset, to ensure a consistent and controlled evaluation.</a:t>
+            </a:r>
+          </a:p>
+          <a:p>
+            <a:pPr marL="0" indent="0">
+              <a:buNone/>
+            </a:pPr>
+            <a:r>
+              <a:rPr lang="en-US" sz="1800" dirty="0"/>
+              <a:t>     MSE:	</a:t>
+            </a:r>
+            <a:r>
+              <a:rPr kumimoji="0" lang="it-IT" altLang="it-IT" sz="1800" b="0" i="0" u="none" strike="noStrike" cap="none" normalizeH="0" baseline="0" dirty="0">
+                <a:ln>
+                  <a:noFill/>
+                </a:ln>
+                <a:solidFill>
+                  <a:schemeClr val="tx1"/>
+                </a:solidFill>
+                <a:effectLst/>
+                <a:latin typeface="inherit"/>
+              </a:rPr>
+              <a:t> 48.8813195529826 	</a:t>
+            </a:r>
+            <a:r>
+              <a:rPr lang="en-US" sz="1800" dirty="0"/>
+              <a:t>RMSE: </a:t>
+            </a:r>
+            <a:r>
+              <a:rPr kumimoji="0" lang="it-IT" altLang="it-IT" sz="1800" b="0" i="0" u="none" strike="noStrike" cap="none" normalizeH="0" baseline="0" dirty="0">
+                <a:ln>
+                  <a:noFill/>
+                </a:ln>
+                <a:solidFill>
+                  <a:schemeClr val="tx1"/>
+                </a:solidFill>
+                <a:effectLst/>
+                <a:latin typeface="inherit"/>
+              </a:rPr>
+              <a:t>6.991517685952214</a:t>
+            </a:r>
+            <a:r>
+              <a:rPr kumimoji="0" lang="it-IT" altLang="it-IT" sz="1600" b="0" i="0" u="none" strike="noStrike" cap="none" normalizeH="0" baseline="0" dirty="0">
+                <a:ln>
+                  <a:noFill/>
+                </a:ln>
+                <a:solidFill>
+                  <a:schemeClr val="tx1"/>
+                </a:solidFill>
+                <a:effectLst/>
+              </a:rPr>
+              <a:t> </a:t>
+            </a:r>
+            <a:endParaRPr lang="en-US" sz="1800" dirty="0"/>
+          </a:p>
+          <a:p>
+            <a:r>
+              <a:rPr lang="en-US" sz="1800" dirty="0"/>
+              <a:t>Leave-one-out cross-validation is more precise but the most expensive in terms of both time and computation, as it requires the model to be trained multiple times, with each iteration leaving out a single data point for validation.</a:t>
+            </a:r>
+            <a:br>
+              <a:rPr lang="en-US" sz="1800" dirty="0"/>
+            </a:br>
+            <a:r>
+              <a:rPr lang="en-US" sz="1800" dirty="0"/>
+              <a:t>Indeed, the results obtained in terms of MSE and RMSE were slightly improved compared to the previous cross-validation.</a:t>
+            </a:r>
+          </a:p>
+          <a:p>
+            <a:pPr marL="0" indent="0">
+              <a:buNone/>
+            </a:pPr>
+            <a:r>
+              <a:rPr lang="en-US" sz="1800" dirty="0"/>
+              <a:t>     MSE:	</a:t>
+            </a:r>
+            <a:r>
+              <a:rPr kumimoji="0" lang="it-IT" altLang="it-IT" sz="1800" b="0" i="0" u="none" strike="noStrike" cap="none" normalizeH="0" baseline="0" dirty="0">
+                <a:ln>
+                  <a:noFill/>
+                </a:ln>
+                <a:solidFill>
+                  <a:schemeClr val="tx1"/>
+                </a:solidFill>
+                <a:effectLst/>
+                <a:latin typeface="inherit"/>
+              </a:rPr>
+              <a:t> 44.70860072334475</a:t>
+            </a:r>
+            <a:r>
+              <a:rPr kumimoji="0" lang="it-IT" altLang="it-IT" sz="1600" b="0" i="0" u="none" strike="noStrike" cap="none" normalizeH="0" baseline="0" dirty="0">
+                <a:ln>
+                  <a:noFill/>
+                </a:ln>
+                <a:solidFill>
+                  <a:schemeClr val="tx1"/>
+                </a:solidFill>
+                <a:effectLst/>
+              </a:rPr>
+              <a:t> </a:t>
+            </a:r>
+            <a:r>
+              <a:rPr kumimoji="0" lang="it-IT" altLang="it-IT" sz="1800" b="0" i="0" u="none" strike="noStrike" cap="none" normalizeH="0" baseline="0" dirty="0">
+                <a:ln>
+                  <a:noFill/>
+                </a:ln>
+                <a:solidFill>
+                  <a:schemeClr val="tx1"/>
+                </a:solidFill>
+                <a:effectLst/>
+                <a:latin typeface="inherit"/>
+              </a:rPr>
+              <a:t>	</a:t>
+            </a:r>
+            <a:r>
+              <a:rPr lang="en-US" sz="1800" dirty="0"/>
+              <a:t>RMSE: </a:t>
+            </a:r>
+            <a:r>
+              <a:rPr kumimoji="0" lang="it-IT" altLang="it-IT" sz="1800" b="0" i="0" u="none" strike="noStrike" cap="none" normalizeH="0" baseline="0" dirty="0">
+                <a:ln>
+                  <a:noFill/>
+                </a:ln>
+                <a:solidFill>
+                  <a:schemeClr val="tx1"/>
+                </a:solidFill>
+                <a:effectLst/>
+                <a:latin typeface="inherit"/>
+              </a:rPr>
+              <a:t>6.686449036921223</a:t>
+            </a:r>
+            <a:r>
+              <a:rPr kumimoji="0" lang="it-IT" altLang="it-IT" sz="1600" b="0" i="0" u="none" strike="noStrike" cap="none" normalizeH="0" baseline="0" dirty="0">
+                <a:ln>
+                  <a:noFill/>
+                </a:ln>
+                <a:solidFill>
+                  <a:schemeClr val="tx1"/>
+                </a:solidFill>
+                <a:effectLst/>
+              </a:rPr>
+              <a:t>  </a:t>
+            </a:r>
+            <a:endParaRPr lang="en-US" sz="1800" dirty="0"/>
+          </a:p>
+          <a:p>
+            <a:r>
+              <a:rPr lang="en-US" sz="1800" dirty="0"/>
+              <a:t>K-fold cross-validation strikes a balance between the former two: the results obtained are positioned between those from the 50%-data cross-validation and the leave-one-out.</a:t>
+            </a:r>
+          </a:p>
+          <a:p>
+            <a:pPr marL="0" indent="0">
+              <a:buNone/>
+            </a:pPr>
+            <a:r>
+              <a:rPr lang="en-US" sz="1800" dirty="0"/>
+              <a:t>     MSE:	</a:t>
+            </a:r>
+            <a:r>
+              <a:rPr kumimoji="0" lang="it-IT" altLang="it-IT" sz="1800" b="0" i="0" u="none" strike="noStrike" cap="none" normalizeH="0" baseline="0" dirty="0">
+                <a:ln>
+                  <a:noFill/>
+                </a:ln>
+                <a:solidFill>
+                  <a:schemeClr val="tx1"/>
+                </a:solidFill>
+                <a:effectLst/>
+                <a:latin typeface="inherit"/>
+              </a:rPr>
+              <a:t> 45.05819307596635</a:t>
+            </a:r>
+            <a:r>
+              <a:rPr kumimoji="0" lang="it-IT" altLang="it-IT" sz="1600" b="0" i="0" u="none" strike="noStrike" cap="none" normalizeH="0" baseline="0" dirty="0">
+                <a:ln>
+                  <a:noFill/>
+                </a:ln>
+                <a:solidFill>
+                  <a:schemeClr val="tx1"/>
+                </a:solidFill>
+                <a:effectLst/>
+              </a:rPr>
+              <a:t> </a:t>
+            </a:r>
+            <a:r>
+              <a:rPr kumimoji="0" lang="it-IT" altLang="it-IT" sz="1800" b="0" i="0" u="none" strike="noStrike" cap="none" normalizeH="0" baseline="0" dirty="0">
+                <a:ln>
+                  <a:noFill/>
+                </a:ln>
+                <a:solidFill>
+                  <a:schemeClr val="tx1"/>
+                </a:solidFill>
+                <a:effectLst/>
+                <a:latin typeface="inherit"/>
+              </a:rPr>
+              <a:t> 	</a:t>
+            </a:r>
+            <a:r>
+              <a:rPr lang="en-US" sz="1800" dirty="0"/>
+              <a:t>RMSE: </a:t>
+            </a:r>
+            <a:r>
+              <a:rPr kumimoji="0" lang="it-IT" altLang="it-IT" sz="1800" b="0" i="0" u="none" strike="noStrike" cap="none" normalizeH="0" baseline="0" dirty="0">
+                <a:ln>
+                  <a:noFill/>
+                </a:ln>
+                <a:solidFill>
+                  <a:schemeClr val="tx1"/>
+                </a:solidFill>
+                <a:effectLst/>
+                <a:latin typeface="inherit"/>
+              </a:rPr>
+              <a:t>6.712539986917497</a:t>
+            </a:r>
+            <a:r>
+              <a:rPr kumimoji="0" lang="it-IT" altLang="it-IT" sz="1600" b="0" i="0" u="none" strike="noStrike" cap="none" normalizeH="0" baseline="0" dirty="0">
+                <a:ln>
+                  <a:noFill/>
+                </a:ln>
+                <a:solidFill>
+                  <a:schemeClr val="tx1"/>
+                </a:solidFill>
+                <a:effectLst/>
+              </a:rPr>
+              <a:t>  </a:t>
+            </a:r>
+            <a:endParaRPr lang="it-IT" sz="1800" dirty="0"/>
+          </a:p>
+        </p:txBody>
+      </p:sp>
+      <p:sp>
+        <p:nvSpPr>
+          <p:cNvPr id="9" name="Rectangle 2">
+            <a:extLst>
+              <a:ext uri="{FF2B5EF4-FFF2-40B4-BE49-F238E27FC236}">
+                <a16:creationId xmlns:a16="http://schemas.microsoft.com/office/drawing/2014/main" id="{876373A8-64C9-523F-97AD-9898D9A57CE0}"/>
+              </a:ext>
+            </a:extLst>
+          </p:cNvPr>
+          <p:cNvSpPr>
+            <a:spLocks noChangeArrowheads="1"/>
+          </p:cNvSpPr>
+          <p:nvPr/>
+        </p:nvSpPr>
+        <p:spPr bwMode="auto">
+          <a:xfrm>
+            <a:off x="0" y="167044"/>
+            <a:ext cx="20840" cy="123111"/>
+          </a:xfrm>
+          <a:prstGeom prst="rect">
+            <a:avLst/>
+          </a:prstGeom>
+          <a:solidFill>
+            <a:srgbClr val="FFFFFF"/>
+          </a:solidFill>
+          <a:ln>
+            <a:noFill/>
+          </a:ln>
+          <a:effectLst/>
+          <a:extLst>
+            <a:ext uri="{91240B29-F687-4F45-9708-019B960494DF}">
+              <a14:hiddenLine xmlns:a14="http://schemas.microsoft.com/office/drawing/2010/main" w="9525">
+                <a:solidFill>
+                  <a:schemeClr val="tx1"/>
+                </a:solidFill>
+                <a:miter lim="800000"/>
+                <a:headEnd/>
+                <a:tailEnd/>
+              </a14:hiddenLine>
+            </a:ext>
+            <a:ext uri="{AF507438-7753-43E0-B8FC-AC1667EBCBE1}">
+              <a14:hiddenEffects xmlns:a14="http://schemas.microsoft.com/office/drawing/2010/main">
+                <a:effectLst>
+                  <a:outerShdw dist="35921" dir="2700000" algn="ctr" rotWithShape="0">
+                    <a:schemeClr val="bg2"/>
+                  </a:outerShdw>
+                </a:effectLst>
+              </a14:hiddenEffects>
+            </a:ext>
+          </a:extLst>
+        </p:spPr>
+        <p:txBody>
+          <a:bodyPr vert="horz" wrap="none" lIns="0" tIns="0" rIns="0" bIns="0" numCol="1" anchor="ctr" anchorCtr="0" compatLnSpc="1">
+            <a:prstTxWarp prst="textNoShape">
+              <a:avLst/>
+            </a:prstTxWarp>
+            <a:spAutoFit/>
+          </a:bodyPr>
+          <a:lstStyle/>
+          <a:p>
+            <a:pPr marL="0" marR="0" lvl="0" indent="0" algn="l" defTabSz="914400" rtl="0" eaLnBrk="0" fontAlgn="base" latinLnBrk="0" hangingPunct="0">
+              <a:lnSpc>
+                <a:spcPct val="100000"/>
+              </a:lnSpc>
+              <a:spcBef>
+                <a:spcPct val="0"/>
+              </a:spcBef>
+              <a:spcAft>
+                <a:spcPct val="0"/>
+              </a:spcAft>
+              <a:buClrTx/>
+              <a:buSzTx/>
+              <a:buFontTx/>
+              <a:buNone/>
+              <a:tabLst/>
+            </a:pPr>
+            <a:r>
+              <a:rPr kumimoji="0" lang="it-IT" altLang="it-IT" sz="800" b="0" i="0" u="none" strike="noStrike" cap="none" normalizeH="0" baseline="0" dirty="0">
+                <a:ln>
+                  <a:noFill/>
+                </a:ln>
+                <a:solidFill>
+                  <a:schemeClr val="tx1"/>
+                </a:solidFill>
+                <a:effectLst/>
+              </a:rPr>
+              <a:t> </a:t>
+            </a:r>
+            <a:endParaRPr kumimoji="0" lang="it-IT" altLang="it-IT" sz="1800" b="0" i="0" u="none" strike="noStrike" cap="none" normalizeH="0" baseline="0" dirty="0">
+              <a:ln>
+                <a:noFill/>
+              </a:ln>
+              <a:solidFill>
+                <a:schemeClr val="tx1"/>
+              </a:solidFill>
+              <a:effectLst/>
+              <a:latin typeface="Arial" panose="020B0604020202020204" pitchFamily="34" charset="0"/>
+            </a:endParaRPr>
+          </a:p>
+        </p:txBody>
+      </p:sp>
+      <p:sp>
+        <p:nvSpPr>
+          <p:cNvPr id="11" name="Rectangle 3">
+            <a:extLst>
+              <a:ext uri="{FF2B5EF4-FFF2-40B4-BE49-F238E27FC236}">
+                <a16:creationId xmlns:a16="http://schemas.microsoft.com/office/drawing/2014/main" id="{5BFF5FA3-CB49-BA32-A38F-DF0787C2968A}"/>
+              </a:ext>
+            </a:extLst>
+          </p:cNvPr>
+          <p:cNvSpPr>
+            <a:spLocks noChangeArrowheads="1"/>
+          </p:cNvSpPr>
+          <p:nvPr/>
+        </p:nvSpPr>
+        <p:spPr bwMode="auto">
+          <a:xfrm>
+            <a:off x="0" y="90100"/>
+            <a:ext cx="65" cy="276999"/>
+          </a:xfrm>
+          <a:prstGeom prst="rect">
+            <a:avLst/>
+          </a:prstGeom>
+          <a:solidFill>
+            <a:srgbClr val="FFFFFF"/>
+          </a:solidFill>
+          <a:ln>
+            <a:noFill/>
+          </a:ln>
+          <a:effectLst/>
+          <a:extLst>
+            <a:ext uri="{91240B29-F687-4F45-9708-019B960494DF}">
+              <a14:hiddenLine xmlns:a14="http://schemas.microsoft.com/office/drawing/2010/main" w="9525">
+                <a:solidFill>
+                  <a:schemeClr val="tx1"/>
+                </a:solidFill>
+                <a:miter lim="800000"/>
+                <a:headEnd/>
+                <a:tailEnd/>
+              </a14:hiddenLine>
+            </a:ext>
+            <a:ext uri="{AF507438-7753-43E0-B8FC-AC1667EBCBE1}">
+              <a14:hiddenEffects xmlns:a14="http://schemas.microsoft.com/office/drawing/2010/main">
+                <a:effectLst>
+                  <a:outerShdw dist="35921" dir="2700000" algn="ctr" rotWithShape="0">
+                    <a:schemeClr val="bg2"/>
+                  </a:outerShdw>
+                </a:effectLst>
+              </a14:hiddenEffects>
+            </a:ext>
+          </a:extLst>
+        </p:spPr>
+        <p:txBody>
+          <a:bodyPr vert="horz" wrap="none" lIns="0" tIns="0" rIns="0" bIns="0" numCol="1" anchor="ctr" anchorCtr="0" compatLnSpc="1">
+            <a:prstTxWarp prst="textNoShape">
+              <a:avLst/>
+            </a:prstTxWarp>
+            <a:spAutoFit/>
+          </a:bodyPr>
+          <a:lstStyle/>
+          <a:p>
+            <a:pPr marL="0" marR="0" lvl="0" indent="0" algn="l" defTabSz="914400" rtl="0" eaLnBrk="0" fontAlgn="base" latinLnBrk="0" hangingPunct="0">
+              <a:lnSpc>
+                <a:spcPct val="100000"/>
+              </a:lnSpc>
+              <a:spcBef>
+                <a:spcPct val="0"/>
+              </a:spcBef>
+              <a:spcAft>
+                <a:spcPct val="0"/>
+              </a:spcAft>
+              <a:buClrTx/>
+              <a:buSzTx/>
+              <a:buFontTx/>
+              <a:buNone/>
+              <a:tabLst/>
+            </a:pPr>
+            <a:endParaRPr kumimoji="0" lang="it-IT" altLang="it-IT" sz="1800" b="0" i="0" u="none" strike="noStrike" cap="none" normalizeH="0" baseline="0" dirty="0">
+              <a:ln>
+                <a:noFill/>
+              </a:ln>
+              <a:solidFill>
+                <a:schemeClr val="tx1"/>
+              </a:solidFill>
+              <a:effectLst/>
+              <a:latin typeface="Arial" panose="020B0604020202020204" pitchFamily="34" charset="0"/>
+            </a:endParaRPr>
+          </a:p>
+        </p:txBody>
+      </p:sp>
+      <p:sp>
+        <p:nvSpPr>
+          <p:cNvPr id="12" name="Rectangle 4">
+            <a:extLst>
+              <a:ext uri="{FF2B5EF4-FFF2-40B4-BE49-F238E27FC236}">
+                <a16:creationId xmlns:a16="http://schemas.microsoft.com/office/drawing/2014/main" id="{0763DFF6-295D-350F-AEF3-87E4811E9742}"/>
+              </a:ext>
+            </a:extLst>
+          </p:cNvPr>
+          <p:cNvSpPr>
+            <a:spLocks noChangeArrowheads="1"/>
+          </p:cNvSpPr>
+          <p:nvPr/>
+        </p:nvSpPr>
+        <p:spPr bwMode="auto">
+          <a:xfrm>
+            <a:off x="0" y="90100"/>
+            <a:ext cx="65" cy="276999"/>
+          </a:xfrm>
+          <a:prstGeom prst="rect">
+            <a:avLst/>
+          </a:prstGeom>
+          <a:solidFill>
+            <a:srgbClr val="FFFFFF"/>
+          </a:solidFill>
+          <a:ln>
+            <a:noFill/>
+          </a:ln>
+          <a:effectLst/>
+          <a:extLst>
+            <a:ext uri="{91240B29-F687-4F45-9708-019B960494DF}">
+              <a14:hiddenLine xmlns:a14="http://schemas.microsoft.com/office/drawing/2010/main" w="9525">
+                <a:solidFill>
+                  <a:schemeClr val="tx1"/>
+                </a:solidFill>
+                <a:miter lim="800000"/>
+                <a:headEnd/>
+                <a:tailEnd/>
+              </a14:hiddenLine>
+            </a:ext>
+            <a:ext uri="{AF507438-7753-43E0-B8FC-AC1667EBCBE1}">
+              <a14:hiddenEffects xmlns:a14="http://schemas.microsoft.com/office/drawing/2010/main">
+                <a:effectLst>
+                  <a:outerShdw dist="35921" dir="2700000" algn="ctr" rotWithShape="0">
+                    <a:schemeClr val="bg2"/>
+                  </a:outerShdw>
+                </a:effectLst>
+              </a14:hiddenEffects>
+            </a:ext>
+          </a:extLst>
+        </p:spPr>
+        <p:txBody>
+          <a:bodyPr vert="horz" wrap="none" lIns="0" tIns="0" rIns="0" bIns="0" numCol="1" anchor="ctr" anchorCtr="0" compatLnSpc="1">
+            <a:prstTxWarp prst="textNoShape">
+              <a:avLst/>
+            </a:prstTxWarp>
+            <a:spAutoFit/>
+          </a:bodyPr>
+          <a:lstStyle/>
+          <a:p>
+            <a:pPr marL="0" marR="0" lvl="0" indent="0" algn="l" defTabSz="914400" rtl="0" eaLnBrk="0" fontAlgn="base" latinLnBrk="0" hangingPunct="0">
+              <a:lnSpc>
+                <a:spcPct val="100000"/>
+              </a:lnSpc>
+              <a:spcBef>
+                <a:spcPct val="0"/>
+              </a:spcBef>
+              <a:spcAft>
+                <a:spcPct val="0"/>
+              </a:spcAft>
+              <a:buClrTx/>
+              <a:buSzTx/>
+              <a:buFontTx/>
+              <a:buNone/>
+              <a:tabLst/>
+            </a:pPr>
+            <a:endParaRPr kumimoji="0" lang="it-IT" altLang="it-IT" sz="1800" b="0" i="0" u="none" strike="noStrike" cap="none" normalizeH="0" baseline="0" dirty="0">
+              <a:ln>
+                <a:noFill/>
+              </a:ln>
+              <a:solidFill>
+                <a:schemeClr val="tx1"/>
+              </a:solidFill>
+              <a:effectLst/>
+              <a:latin typeface="Arial" panose="020B0604020202020204" pitchFamily="34" charset="0"/>
+            </a:endParaRPr>
+          </a:p>
+        </p:txBody>
+      </p:sp>
+      <p:sp>
+        <p:nvSpPr>
+          <p:cNvPr id="13" name="Rectangle 5">
+            <a:extLst>
+              <a:ext uri="{FF2B5EF4-FFF2-40B4-BE49-F238E27FC236}">
+                <a16:creationId xmlns:a16="http://schemas.microsoft.com/office/drawing/2014/main" id="{C341BEBD-5AA4-AD2C-8A41-D70D57E96170}"/>
+              </a:ext>
+            </a:extLst>
+          </p:cNvPr>
+          <p:cNvSpPr>
+            <a:spLocks noChangeArrowheads="1"/>
+          </p:cNvSpPr>
+          <p:nvPr/>
+        </p:nvSpPr>
+        <p:spPr bwMode="auto">
+          <a:xfrm>
+            <a:off x="0" y="90100"/>
+            <a:ext cx="65" cy="276999"/>
+          </a:xfrm>
+          <a:prstGeom prst="rect">
+            <a:avLst/>
+          </a:prstGeom>
+          <a:solidFill>
+            <a:srgbClr val="FFFFFF"/>
+          </a:solidFill>
+          <a:ln>
+            <a:noFill/>
+          </a:ln>
+          <a:effectLst/>
+          <a:extLst>
+            <a:ext uri="{91240B29-F687-4F45-9708-019B960494DF}">
+              <a14:hiddenLine xmlns:a14="http://schemas.microsoft.com/office/drawing/2010/main" w="9525">
+                <a:solidFill>
+                  <a:schemeClr val="tx1"/>
+                </a:solidFill>
+                <a:miter lim="800000"/>
+                <a:headEnd/>
+                <a:tailEnd/>
+              </a14:hiddenLine>
+            </a:ext>
+            <a:ext uri="{AF507438-7753-43E0-B8FC-AC1667EBCBE1}">
+              <a14:hiddenEffects xmlns:a14="http://schemas.microsoft.com/office/drawing/2010/main">
+                <a:effectLst>
+                  <a:outerShdw dist="35921" dir="2700000" algn="ctr" rotWithShape="0">
+                    <a:schemeClr val="bg2"/>
+                  </a:outerShdw>
+                </a:effectLst>
+              </a14:hiddenEffects>
+            </a:ext>
+          </a:extLst>
+        </p:spPr>
+        <p:txBody>
+          <a:bodyPr vert="horz" wrap="none" lIns="0" tIns="0" rIns="0" bIns="0" numCol="1" anchor="ctr" anchorCtr="0" compatLnSpc="1">
+            <a:prstTxWarp prst="textNoShape">
+              <a:avLst/>
+            </a:prstTxWarp>
+            <a:spAutoFit/>
+          </a:bodyPr>
+          <a:lstStyle/>
+          <a:p>
+            <a:pPr marL="0" marR="0" lvl="0" indent="0" algn="l" defTabSz="914400" rtl="0" eaLnBrk="0" fontAlgn="base" latinLnBrk="0" hangingPunct="0">
+              <a:lnSpc>
+                <a:spcPct val="100000"/>
+              </a:lnSpc>
+              <a:spcBef>
+                <a:spcPct val="0"/>
+              </a:spcBef>
+              <a:spcAft>
+                <a:spcPct val="0"/>
+              </a:spcAft>
+              <a:buClrTx/>
+              <a:buSzTx/>
+              <a:buFontTx/>
+              <a:buNone/>
+              <a:tabLst/>
+            </a:pPr>
+            <a:endParaRPr kumimoji="0" lang="it-IT" altLang="it-IT" sz="1800" b="0" i="0" u="none" strike="noStrike" cap="none" normalizeH="0" baseline="0" dirty="0">
+              <a:ln>
+                <a:noFill/>
+              </a:ln>
+              <a:solidFill>
+                <a:schemeClr val="tx1"/>
+              </a:solidFill>
+              <a:effectLst/>
+              <a:latin typeface="Arial" panose="020B0604020202020204" pitchFamily="34" charset="0"/>
+            </a:endParaRPr>
+          </a:p>
+        </p:txBody>
+      </p:sp>
+      <p:sp>
+        <p:nvSpPr>
+          <p:cNvPr id="14" name="Rectangle 6">
+            <a:extLst>
+              <a:ext uri="{FF2B5EF4-FFF2-40B4-BE49-F238E27FC236}">
+                <a16:creationId xmlns:a16="http://schemas.microsoft.com/office/drawing/2014/main" id="{A1E92AFE-3AEF-D965-9294-93BAB00B6A78}"/>
+              </a:ext>
+            </a:extLst>
+          </p:cNvPr>
+          <p:cNvSpPr>
+            <a:spLocks noChangeArrowheads="1"/>
+          </p:cNvSpPr>
+          <p:nvPr/>
+        </p:nvSpPr>
+        <p:spPr bwMode="auto">
+          <a:xfrm>
+            <a:off x="0" y="90100"/>
+            <a:ext cx="65" cy="276999"/>
+          </a:xfrm>
+          <a:prstGeom prst="rect">
+            <a:avLst/>
+          </a:prstGeom>
+          <a:solidFill>
+            <a:srgbClr val="FFFFFF"/>
+          </a:solidFill>
+          <a:ln>
+            <a:noFill/>
+          </a:ln>
+          <a:effectLst/>
+          <a:extLst>
+            <a:ext uri="{91240B29-F687-4F45-9708-019B960494DF}">
+              <a14:hiddenLine xmlns:a14="http://schemas.microsoft.com/office/drawing/2010/main" w="9525">
+                <a:solidFill>
+                  <a:schemeClr val="tx1"/>
+                </a:solidFill>
+                <a:miter lim="800000"/>
+                <a:headEnd/>
+                <a:tailEnd/>
+              </a14:hiddenLine>
+            </a:ext>
+            <a:ext uri="{AF507438-7753-43E0-B8FC-AC1667EBCBE1}">
+              <a14:hiddenEffects xmlns:a14="http://schemas.microsoft.com/office/drawing/2010/main">
+                <a:effectLst>
+                  <a:outerShdw dist="35921" dir="2700000" algn="ctr" rotWithShape="0">
+                    <a:schemeClr val="bg2"/>
+                  </a:outerShdw>
+                </a:effectLst>
+              </a14:hiddenEffects>
+            </a:ext>
+          </a:extLst>
+        </p:spPr>
+        <p:txBody>
+          <a:bodyPr vert="horz" wrap="none" lIns="0" tIns="0" rIns="0" bIns="0" numCol="1" anchor="ctr" anchorCtr="0" compatLnSpc="1">
+            <a:prstTxWarp prst="textNoShape">
+              <a:avLst/>
+            </a:prstTxWarp>
+            <a:spAutoFit/>
+          </a:bodyPr>
+          <a:lstStyle/>
+          <a:p>
+            <a:pPr marL="0" marR="0" lvl="0" indent="0" algn="l" defTabSz="914400" rtl="0" eaLnBrk="0" fontAlgn="base" latinLnBrk="0" hangingPunct="0">
+              <a:lnSpc>
+                <a:spcPct val="100000"/>
+              </a:lnSpc>
+              <a:spcBef>
+                <a:spcPct val="0"/>
+              </a:spcBef>
+              <a:spcAft>
+                <a:spcPct val="0"/>
+              </a:spcAft>
+              <a:buClrTx/>
+              <a:buSzTx/>
+              <a:buFontTx/>
+              <a:buNone/>
+              <a:tabLst/>
+            </a:pPr>
+            <a:endParaRPr kumimoji="0" lang="it-IT" altLang="it-IT" sz="1800" b="0" i="0" u="none" strike="noStrike" cap="none" normalizeH="0" baseline="0" dirty="0">
+              <a:ln>
+                <a:noFill/>
+              </a:ln>
+              <a:solidFill>
+                <a:schemeClr val="tx1"/>
+              </a:solidFill>
+              <a:effectLst/>
+              <a:latin typeface="Arial" panose="020B0604020202020204" pitchFamily="34" charset="0"/>
+            </a:endParaRPr>
+          </a:p>
+        </p:txBody>
+      </p:sp>
+      <p:sp>
+        <p:nvSpPr>
+          <p:cNvPr id="15" name="Rectangle 7">
+            <a:extLst>
+              <a:ext uri="{FF2B5EF4-FFF2-40B4-BE49-F238E27FC236}">
+                <a16:creationId xmlns:a16="http://schemas.microsoft.com/office/drawing/2014/main" id="{09DAA1D1-19A0-B1FC-DAFB-3A978C55F123}"/>
+              </a:ext>
+            </a:extLst>
+          </p:cNvPr>
+          <p:cNvSpPr>
+            <a:spLocks noChangeArrowheads="1"/>
+          </p:cNvSpPr>
+          <p:nvPr/>
+        </p:nvSpPr>
+        <p:spPr bwMode="auto">
+          <a:xfrm>
+            <a:off x="0" y="90100"/>
+            <a:ext cx="65" cy="276999"/>
+          </a:xfrm>
+          <a:prstGeom prst="rect">
+            <a:avLst/>
+          </a:prstGeom>
+          <a:solidFill>
+            <a:srgbClr val="FFFFFF"/>
+          </a:solidFill>
+          <a:ln>
+            <a:noFill/>
+          </a:ln>
+          <a:effectLst/>
+          <a:extLst>
+            <a:ext uri="{91240B29-F687-4F45-9708-019B960494DF}">
+              <a14:hiddenLine xmlns:a14="http://schemas.microsoft.com/office/drawing/2010/main" w="9525">
+                <a:solidFill>
+                  <a:schemeClr val="tx1"/>
+                </a:solidFill>
+                <a:miter lim="800000"/>
+                <a:headEnd/>
+                <a:tailEnd/>
+              </a14:hiddenLine>
+            </a:ext>
+            <a:ext uri="{AF507438-7753-43E0-B8FC-AC1667EBCBE1}">
+              <a14:hiddenEffects xmlns:a14="http://schemas.microsoft.com/office/drawing/2010/main">
+                <a:effectLst>
+                  <a:outerShdw dist="35921" dir="2700000" algn="ctr" rotWithShape="0">
+                    <a:schemeClr val="bg2"/>
+                  </a:outerShdw>
+                </a:effectLst>
+              </a14:hiddenEffects>
+            </a:ext>
+          </a:extLst>
+        </p:spPr>
+        <p:txBody>
+          <a:bodyPr vert="horz" wrap="none" lIns="0" tIns="0" rIns="0" bIns="0" numCol="1" anchor="ctr" anchorCtr="0" compatLnSpc="1">
+            <a:prstTxWarp prst="textNoShape">
+              <a:avLst/>
+            </a:prstTxWarp>
+            <a:spAutoFit/>
+          </a:bodyPr>
+          <a:lstStyle/>
+          <a:p>
+            <a:pPr marL="0" marR="0" lvl="0" indent="0" algn="l" defTabSz="914400" rtl="0" eaLnBrk="0" fontAlgn="base" latinLnBrk="0" hangingPunct="0">
+              <a:lnSpc>
+                <a:spcPct val="100000"/>
+              </a:lnSpc>
+              <a:spcBef>
+                <a:spcPct val="0"/>
+              </a:spcBef>
+              <a:spcAft>
+                <a:spcPct val="0"/>
+              </a:spcAft>
+              <a:buClrTx/>
+              <a:buSzTx/>
+              <a:buFontTx/>
+              <a:buNone/>
+              <a:tabLst/>
+            </a:pPr>
+            <a:endParaRPr kumimoji="0" lang="it-IT" altLang="it-IT" sz="1800" b="0" i="0" u="none" strike="noStrike" cap="none" normalizeH="0" baseline="0" dirty="0">
+              <a:ln>
+                <a:noFill/>
+              </a:ln>
+              <a:solidFill>
+                <a:schemeClr val="tx1"/>
+              </a:solidFill>
+              <a:effectLst/>
+              <a:latin typeface="Arial" panose="020B0604020202020204" pitchFamily="34" charset="0"/>
+            </a:endParaRPr>
           </a:p>
         </p:txBody>
       </p:sp>
@@ -4953,7 +6631,7 @@
 </p:sld>
 </file>
 
-<file path=ppt/slides/slide17.xml><?xml version="1.0" encoding="utf-8"?>
+<file path=ppt/slides/slide19.xml><?xml version="1.0" encoding="utf-8"?>
 <p:sld xmlns:a="http://schemas.openxmlformats.org/drawingml/2006/main" xmlns:r="http://schemas.openxmlformats.org/officeDocument/2006/relationships" xmlns:p="http://schemas.openxmlformats.org/presentationml/2006/main">
   <p:cSld>
     <p:spTree>
@@ -4975,7 +6653,7 @@
           <p:cNvPr id="2" name="Titolo 1">
             <a:extLst>
               <a:ext uri="{FF2B5EF4-FFF2-40B4-BE49-F238E27FC236}">
-                <a16:creationId xmlns:a16="http://schemas.microsoft.com/office/drawing/2014/main" id="{49387F1B-A9CA-91B4-602A-EAD8C55B482F}"/>
+                <a16:creationId xmlns:a16="http://schemas.microsoft.com/office/drawing/2014/main" id="{D807A027-CEDB-F038-1B40-52D5A6F37C5F}"/>
               </a:ext>
             </a:extLst>
           </p:cNvPr>
@@ -4992,9 +6670,18 @@
           <a:lstStyle/>
           <a:p>
             <a:r>
-              <a:rPr lang="en-GB" noProof="0" dirty="0"/>
-              <a:t>Preliminary results</a:t>
-            </a:r>
+              <a:rPr lang="it-IT" dirty="0" err="1"/>
+              <a:t>Shrinkage</a:t>
+            </a:r>
+            <a:r>
+              <a:rPr lang="it-IT" dirty="0"/>
+              <a:t> </a:t>
+            </a:r>
+            <a:r>
+              <a:rPr lang="it-IT" dirty="0" err="1"/>
+              <a:t>methods</a:t>
+            </a:r>
+            <a:endParaRPr lang="it-IT" dirty="0"/>
           </a:p>
         </p:txBody>
       </p:sp>
@@ -5003,7 +6690,7 @@
           <p:cNvPr id="3" name="Segnaposto contenuto 2">
             <a:extLst>
               <a:ext uri="{FF2B5EF4-FFF2-40B4-BE49-F238E27FC236}">
-                <a16:creationId xmlns:a16="http://schemas.microsoft.com/office/drawing/2014/main" id="{1CD430FB-DBE9-15DF-BC39-BFEC897B1233}"/>
+                <a16:creationId xmlns:a16="http://schemas.microsoft.com/office/drawing/2014/main" id="{B5AA5A8D-90BC-39ED-1E70-BEC7E534883F}"/>
               </a:ext>
             </a:extLst>
           </p:cNvPr>
@@ -5014,19 +6701,120 @@
             <p:ph idx="1"/>
           </p:nvPr>
         </p:nvSpPr>
-        <p:spPr/>
+        <p:spPr>
+          <a:xfrm>
+            <a:off x="838200" y="1825625"/>
+            <a:ext cx="4566920" cy="4351338"/>
+          </a:xfrm>
+        </p:spPr>
         <p:txBody>
           <a:bodyPr/>
           <a:lstStyle/>
           <a:p>
-            <a:endParaRPr lang="en-GB" noProof="0" dirty="0"/>
-          </a:p>
-        </p:txBody>
-      </p:sp>
+            <a:pPr marL="0" indent="0">
+              <a:buNone/>
+            </a:pPr>
+            <a:r>
+              <a:rPr lang="en-US" sz="1800" dirty="0"/>
+              <a:t>We continue the analysis of the model using shrinkage methods.</a:t>
+            </a:r>
+            <a:br>
+              <a:rPr lang="en-US" sz="1800" dirty="0"/>
+            </a:br>
+            <a:r>
+              <a:rPr lang="en-US" sz="1800" dirty="0"/>
+              <a:t>These methods allow setting the coefficients of variables to zero.</a:t>
+            </a:r>
+            <a:br>
+              <a:rPr lang="en-US" sz="1800" dirty="0"/>
+            </a:br>
+            <a:r>
+              <a:rPr lang="en-US" sz="1800" dirty="0"/>
+              <a:t>To do this, it makes sense to return to a model with all variables.</a:t>
+            </a:r>
+            <a:br>
+              <a:rPr lang="en-US" sz="1800" dirty="0"/>
+            </a:br>
+            <a:r>
+              <a:rPr lang="en-US" sz="1800" dirty="0"/>
+              <a:t>This means adding back the categorical variables </a:t>
+            </a:r>
+            <a:r>
+              <a:rPr lang="en-US" sz="1800" dirty="0" err="1"/>
+              <a:t>Time_of_Day</a:t>
+            </a:r>
+            <a:r>
+              <a:rPr lang="en-US" sz="1800" dirty="0"/>
+              <a:t> and </a:t>
+            </a:r>
+            <a:r>
+              <a:rPr lang="en-US" sz="1800" dirty="0" err="1"/>
+              <a:t>Vehicle_Type</a:t>
+            </a:r>
+            <a:r>
+              <a:rPr lang="en-US" sz="1800" dirty="0"/>
+              <a:t>.</a:t>
+            </a:r>
+            <a:br>
+              <a:rPr lang="en-US" sz="1800" dirty="0"/>
+            </a:br>
+            <a:r>
+              <a:rPr lang="en-US" sz="1800" dirty="0"/>
+              <a:t>It is also important to normalize the model, as this ensures all variables are on the same scale.</a:t>
+            </a:r>
+          </a:p>
+          <a:p>
+            <a:pPr marL="0" indent="0">
+              <a:buNone/>
+            </a:pPr>
+            <a:r>
+              <a:rPr lang="en-US" sz="1800" dirty="0"/>
+              <a:t>The shrinkage methods we utilize in this analysis are Ridge and Lasso regression.</a:t>
+            </a:r>
+            <a:endParaRPr lang="it-IT" sz="1800" dirty="0"/>
+          </a:p>
+        </p:txBody>
+      </p:sp>
+      <p:pic>
+        <p:nvPicPr>
+          <p:cNvPr id="5" name="Immagine 4" descr="Immagine che contiene testo, schermata, Carattere, documento&#10;&#10;Il contenuto generato dall'IA potrebbe non essere corretto.">
+            <a:extLst>
+              <a:ext uri="{FF2B5EF4-FFF2-40B4-BE49-F238E27FC236}">
+                <a16:creationId xmlns:a16="http://schemas.microsoft.com/office/drawing/2014/main" id="{2D79624E-0C7F-F333-635E-50C3AC1E57EA}"/>
+              </a:ext>
+            </a:extLst>
+          </p:cNvPr>
+          <p:cNvPicPr>
+            <a:picLocks noChangeAspect="1"/>
+          </p:cNvPicPr>
+          <p:nvPr/>
+        </p:nvPicPr>
+        <p:blipFill>
+          <a:blip r:embed="rId2">
+            <a:extLst>
+              <a:ext uri="{28A0092B-C50C-407E-A947-70E740481C1C}">
+                <a14:useLocalDpi xmlns:a14="http://schemas.microsoft.com/office/drawing/2010/main" val="0"/>
+              </a:ext>
+            </a:extLst>
+          </a:blip>
+          <a:stretch>
+            <a:fillRect/>
+          </a:stretch>
+        </p:blipFill>
+        <p:spPr>
+          <a:xfrm>
+            <a:off x="6786882" y="1398809"/>
+            <a:ext cx="3604572" cy="4778154"/>
+          </a:xfrm>
+          <a:prstGeom prst="rect">
+            <a:avLst/>
+          </a:prstGeom>
+        </p:spPr>
+      </p:pic>
     </p:spTree>
     <p:extLst>
       <p:ext uri="{BB962C8B-B14F-4D97-AF65-F5344CB8AC3E}">
-        <p14:creationId xmlns:p14="http://schemas.microsoft.com/office/powerpoint/2010/main" val="1548392054"/>
+        <p14:creationId xmlns:p14="http://schemas.microsoft.com/office/powerpoint/2010/main" val="1327298424"/>
       </p:ext>
     </p:extLst>
   </p:cSld>
@@ -5157,6 +6945,1261 @@
     <p:extLst>
       <p:ext uri="{BB962C8B-B14F-4D97-AF65-F5344CB8AC3E}">
         <p14:creationId xmlns:p14="http://schemas.microsoft.com/office/powerpoint/2010/main" val="2779412684"/>
+      </p:ext>
+    </p:extLst>
+  </p:cSld>
+  <p:clrMapOvr>
+    <a:masterClrMapping/>
+  </p:clrMapOvr>
+</p:sld>
+</file>
+
+<file path=ppt/slides/slide20.xml><?xml version="1.0" encoding="utf-8"?>
+<p:sld xmlns:a="http://schemas.openxmlformats.org/drawingml/2006/main" xmlns:r="http://schemas.openxmlformats.org/officeDocument/2006/relationships" xmlns:p="http://schemas.openxmlformats.org/presentationml/2006/main">
+  <p:cSld>
+    <p:spTree>
+      <p:nvGrpSpPr>
+        <p:cNvPr id="1" name=""/>
+        <p:cNvGrpSpPr/>
+        <p:nvPr/>
+      </p:nvGrpSpPr>
+      <p:grpSpPr>
+        <a:xfrm>
+          <a:off x="0" y="0"/>
+          <a:ext cx="0" cy="0"/>
+          <a:chOff x="0" y="0"/>
+          <a:chExt cx="0" cy="0"/>
+        </a:xfrm>
+      </p:grpSpPr>
+      <p:sp>
+        <p:nvSpPr>
+          <p:cNvPr id="2" name="Titolo 1">
+            <a:extLst>
+              <a:ext uri="{FF2B5EF4-FFF2-40B4-BE49-F238E27FC236}">
+                <a16:creationId xmlns:a16="http://schemas.microsoft.com/office/drawing/2014/main" id="{BE9AB224-8EC9-5AC8-5DD0-93ED21BA94E8}"/>
+              </a:ext>
+            </a:extLst>
+          </p:cNvPr>
+          <p:cNvSpPr>
+            <a:spLocks noGrp="1"/>
+          </p:cNvSpPr>
+          <p:nvPr>
+            <p:ph type="title"/>
+          </p:nvPr>
+        </p:nvSpPr>
+        <p:spPr/>
+        <p:txBody>
+          <a:bodyPr/>
+          <a:lstStyle/>
+          <a:p>
+            <a:r>
+              <a:rPr lang="it-IT" dirty="0"/>
+              <a:t>Ridge </a:t>
+            </a:r>
+            <a:r>
+              <a:rPr lang="it-IT" dirty="0" err="1"/>
+              <a:t>regression</a:t>
+            </a:r>
+            <a:endParaRPr lang="it-IT" dirty="0"/>
+          </a:p>
+        </p:txBody>
+      </p:sp>
+      <p:sp>
+        <p:nvSpPr>
+          <p:cNvPr id="3" name="Segnaposto contenuto 2">
+            <a:extLst>
+              <a:ext uri="{FF2B5EF4-FFF2-40B4-BE49-F238E27FC236}">
+                <a16:creationId xmlns:a16="http://schemas.microsoft.com/office/drawing/2014/main" id="{ADA3287F-F0C8-621E-3C27-0F4BF09E37E1}"/>
+              </a:ext>
+            </a:extLst>
+          </p:cNvPr>
+          <p:cNvSpPr>
+            <a:spLocks noGrp="1"/>
+          </p:cNvSpPr>
+          <p:nvPr>
+            <p:ph idx="1"/>
+          </p:nvPr>
+        </p:nvSpPr>
+        <p:spPr>
+          <a:xfrm>
+            <a:off x="838200" y="1825625"/>
+            <a:ext cx="5257800" cy="4351338"/>
+          </a:xfrm>
+        </p:spPr>
+        <p:txBody>
+          <a:bodyPr>
+            <a:normAutofit/>
+          </a:bodyPr>
+          <a:lstStyle/>
+          <a:p>
+            <a:pPr marL="0" indent="0">
+              <a:buNone/>
+            </a:pPr>
+            <a:r>
+              <a:rPr lang="en-US" sz="1800" dirty="0"/>
+              <a:t>We begin by splitting the database into train and test sets.</a:t>
+            </a:r>
+            <a:br>
+              <a:rPr lang="en-US" sz="1800" dirty="0"/>
+            </a:br>
+            <a:r>
+              <a:rPr lang="en-US" sz="1800" dirty="0"/>
+              <a:t>Next, we search for the optimal lambda for ridge regression.</a:t>
+            </a:r>
+          </a:p>
+          <a:p>
+            <a:pPr marL="0" indent="0">
+              <a:buNone/>
+            </a:pPr>
+            <a:r>
+              <a:rPr lang="it-IT" altLang="it-IT" sz="1800" b="1" dirty="0"/>
+              <a:t>Best Ridge lambda</a:t>
+            </a:r>
+            <a:r>
+              <a:rPr lang="it-IT" altLang="it-IT" sz="1800" dirty="0"/>
+              <a:t>: 1.7680381784572086 </a:t>
+            </a:r>
+          </a:p>
+          <a:p>
+            <a:pPr marL="0" indent="0">
+              <a:buNone/>
+            </a:pPr>
+            <a:r>
+              <a:rPr lang="en-US" sz="1800" dirty="0"/>
+              <a:t>We evaluate the test set using the lambda found.</a:t>
+            </a:r>
+          </a:p>
+          <a:p>
+            <a:pPr marL="0" indent="0">
+              <a:buNone/>
+            </a:pPr>
+            <a:r>
+              <a:rPr lang="en-US" sz="1800" dirty="0"/>
+              <a:t>From the results, we see that the less significant variables (also observed in previous models and methods) have coefficients very close to zero for ridge regression.</a:t>
+            </a:r>
+            <a:br>
+              <a:rPr lang="en-US" sz="1800" dirty="0"/>
+            </a:br>
+            <a:r>
+              <a:rPr lang="en-US" sz="1800" dirty="0"/>
+              <a:t>This occurs because ridge regression shrinks coefficients of less relevant variables toward zero, improving model generalization.</a:t>
+            </a:r>
+            <a:br>
+              <a:rPr lang="en-US" sz="1800" dirty="0"/>
+            </a:br>
+            <a:r>
+              <a:rPr lang="en-US" sz="1800" dirty="0"/>
+              <a:t>We also notice that the intercept is exactly zero.</a:t>
+            </a:r>
+          </a:p>
+          <a:p>
+            <a:pPr marL="0" indent="0">
+              <a:buNone/>
+            </a:pPr>
+            <a:endParaRPr lang="it-IT" sz="1800" dirty="0"/>
+          </a:p>
+        </p:txBody>
+      </p:sp>
+      <p:pic>
+        <p:nvPicPr>
+          <p:cNvPr id="5" name="Immagine 4" descr="Immagine che contiene testo, schermata, Carattere, numero&#10;&#10;Il contenuto generato dall'IA potrebbe non essere corretto.">
+            <a:extLst>
+              <a:ext uri="{FF2B5EF4-FFF2-40B4-BE49-F238E27FC236}">
+                <a16:creationId xmlns:a16="http://schemas.microsoft.com/office/drawing/2014/main" id="{9A16FA9E-ED21-0E56-B723-4FC075834936}"/>
+              </a:ext>
+            </a:extLst>
+          </p:cNvPr>
+          <p:cNvPicPr>
+            <a:picLocks noChangeAspect="1"/>
+          </p:cNvPicPr>
+          <p:nvPr/>
+        </p:nvPicPr>
+        <p:blipFill>
+          <a:blip r:embed="rId3">
+            <a:extLst>
+              <a:ext uri="{28A0092B-C50C-407E-A947-70E740481C1C}">
+                <a14:useLocalDpi xmlns:a14="http://schemas.microsoft.com/office/drawing/2010/main" val="0"/>
+              </a:ext>
+            </a:extLst>
+          </a:blip>
+          <a:stretch>
+            <a:fillRect/>
+          </a:stretch>
+        </p:blipFill>
+        <p:spPr>
+          <a:xfrm>
+            <a:off x="6096000" y="1825625"/>
+            <a:ext cx="3495040" cy="3331360"/>
+          </a:xfrm>
+          <a:prstGeom prst="rect">
+            <a:avLst/>
+          </a:prstGeom>
+        </p:spPr>
+      </p:pic>
+      <p:pic>
+        <p:nvPicPr>
+          <p:cNvPr id="7" name="Immagine 6">
+            <a:extLst>
+              <a:ext uri="{FF2B5EF4-FFF2-40B4-BE49-F238E27FC236}">
+                <a16:creationId xmlns:a16="http://schemas.microsoft.com/office/drawing/2014/main" id="{8D11EE74-3045-970D-6F71-98F9DFC60305}"/>
+              </a:ext>
+            </a:extLst>
+          </p:cNvPr>
+          <p:cNvPicPr>
+            <a:picLocks noChangeAspect="1"/>
+          </p:cNvPicPr>
+          <p:nvPr/>
+        </p:nvPicPr>
+        <p:blipFill>
+          <a:blip r:embed="rId4">
+            <a:extLst>
+              <a:ext uri="{28A0092B-C50C-407E-A947-70E740481C1C}">
+                <a14:useLocalDpi xmlns:a14="http://schemas.microsoft.com/office/drawing/2010/main" val="0"/>
+              </a:ext>
+            </a:extLst>
+          </a:blip>
+          <a:stretch>
+            <a:fillRect/>
+          </a:stretch>
+        </p:blipFill>
+        <p:spPr>
+          <a:xfrm>
+            <a:off x="6096000" y="5291922"/>
+            <a:ext cx="2515741" cy="557735"/>
+          </a:xfrm>
+          <a:prstGeom prst="rect">
+            <a:avLst/>
+          </a:prstGeom>
+        </p:spPr>
+      </p:pic>
+      <p:sp>
+        <p:nvSpPr>
+          <p:cNvPr id="8" name="Rectangle 1">
+            <a:extLst>
+              <a:ext uri="{FF2B5EF4-FFF2-40B4-BE49-F238E27FC236}">
+                <a16:creationId xmlns:a16="http://schemas.microsoft.com/office/drawing/2014/main" id="{A86C092E-6359-AE95-05AE-51B1A0BB54B8}"/>
+              </a:ext>
+            </a:extLst>
+          </p:cNvPr>
+          <p:cNvSpPr>
+            <a:spLocks noChangeArrowheads="1"/>
+          </p:cNvSpPr>
+          <p:nvPr/>
+        </p:nvSpPr>
+        <p:spPr bwMode="auto">
+          <a:xfrm>
+            <a:off x="0" y="90100"/>
+            <a:ext cx="65" cy="276999"/>
+          </a:xfrm>
+          <a:prstGeom prst="rect">
+            <a:avLst/>
+          </a:prstGeom>
+          <a:solidFill>
+            <a:srgbClr val="FFFFFF"/>
+          </a:solidFill>
+          <a:ln>
+            <a:noFill/>
+          </a:ln>
+          <a:effectLst/>
+          <a:extLst>
+            <a:ext uri="{91240B29-F687-4F45-9708-019B960494DF}">
+              <a14:hiddenLine xmlns:a14="http://schemas.microsoft.com/office/drawing/2010/main" w="9525">
+                <a:solidFill>
+                  <a:schemeClr val="tx1"/>
+                </a:solidFill>
+                <a:miter lim="800000"/>
+                <a:headEnd/>
+                <a:tailEnd/>
+              </a14:hiddenLine>
+            </a:ext>
+            <a:ext uri="{AF507438-7753-43E0-B8FC-AC1667EBCBE1}">
+              <a14:hiddenEffects xmlns:a14="http://schemas.microsoft.com/office/drawing/2010/main">
+                <a:effectLst>
+                  <a:outerShdw dist="35921" dir="2700000" algn="ctr" rotWithShape="0">
+                    <a:schemeClr val="bg2"/>
+                  </a:outerShdw>
+                </a:effectLst>
+              </a14:hiddenEffects>
+            </a:ext>
+          </a:extLst>
+        </p:spPr>
+        <p:txBody>
+          <a:bodyPr vert="horz" wrap="none" lIns="0" tIns="0" rIns="0" bIns="0" numCol="1" anchor="ctr" anchorCtr="0" compatLnSpc="1">
+            <a:prstTxWarp prst="textNoShape">
+              <a:avLst/>
+            </a:prstTxWarp>
+            <a:spAutoFit/>
+          </a:bodyPr>
+          <a:lstStyle/>
+          <a:p>
+            <a:pPr marL="0" marR="0" lvl="0" indent="0" algn="l" defTabSz="914400" rtl="0" eaLnBrk="0" fontAlgn="base" latinLnBrk="0" hangingPunct="0">
+              <a:lnSpc>
+                <a:spcPct val="100000"/>
+              </a:lnSpc>
+              <a:spcBef>
+                <a:spcPct val="0"/>
+              </a:spcBef>
+              <a:spcAft>
+                <a:spcPct val="0"/>
+              </a:spcAft>
+              <a:buClrTx/>
+              <a:buSzTx/>
+              <a:buFontTx/>
+              <a:buNone/>
+              <a:tabLst/>
+            </a:pPr>
+            <a:endParaRPr kumimoji="0" lang="it-IT" altLang="it-IT" sz="1800" b="0" i="0" u="none" strike="noStrike" cap="none" normalizeH="0" baseline="0" dirty="0">
+              <a:ln>
+                <a:noFill/>
+              </a:ln>
+              <a:solidFill>
+                <a:schemeClr val="tx1"/>
+              </a:solidFill>
+              <a:effectLst/>
+              <a:latin typeface="Arial" panose="020B0604020202020204" pitchFamily="34" charset="0"/>
+            </a:endParaRPr>
+          </a:p>
+        </p:txBody>
+      </p:sp>
+    </p:spTree>
+    <p:extLst>
+      <p:ext uri="{BB962C8B-B14F-4D97-AF65-F5344CB8AC3E}">
+        <p14:creationId xmlns:p14="http://schemas.microsoft.com/office/powerpoint/2010/main" val="3206609647"/>
+      </p:ext>
+    </p:extLst>
+  </p:cSld>
+  <p:clrMapOvr>
+    <a:masterClrMapping/>
+  </p:clrMapOvr>
+</p:sld>
+</file>
+
+<file path=ppt/slides/slide21.xml><?xml version="1.0" encoding="utf-8"?>
+<p:sld xmlns:a="http://schemas.openxmlformats.org/drawingml/2006/main" xmlns:r="http://schemas.openxmlformats.org/officeDocument/2006/relationships" xmlns:p="http://schemas.openxmlformats.org/presentationml/2006/main">
+  <p:cSld>
+    <p:spTree>
+      <p:nvGrpSpPr>
+        <p:cNvPr id="1" name=""/>
+        <p:cNvGrpSpPr/>
+        <p:nvPr/>
+      </p:nvGrpSpPr>
+      <p:grpSpPr>
+        <a:xfrm>
+          <a:off x="0" y="0"/>
+          <a:ext cx="0" cy="0"/>
+          <a:chOff x="0" y="0"/>
+          <a:chExt cx="0" cy="0"/>
+        </a:xfrm>
+      </p:grpSpPr>
+      <p:sp>
+        <p:nvSpPr>
+          <p:cNvPr id="2" name="Titolo 1">
+            <a:extLst>
+              <a:ext uri="{FF2B5EF4-FFF2-40B4-BE49-F238E27FC236}">
+                <a16:creationId xmlns:a16="http://schemas.microsoft.com/office/drawing/2014/main" id="{5EF91440-A1D6-2E12-3799-13595E1E064F}"/>
+              </a:ext>
+            </a:extLst>
+          </p:cNvPr>
+          <p:cNvSpPr>
+            <a:spLocks noGrp="1"/>
+          </p:cNvSpPr>
+          <p:nvPr>
+            <p:ph type="title"/>
+          </p:nvPr>
+        </p:nvSpPr>
+        <p:spPr/>
+        <p:txBody>
+          <a:bodyPr/>
+          <a:lstStyle/>
+          <a:p>
+            <a:r>
+              <a:rPr lang="it-IT" dirty="0"/>
+              <a:t>Ridge </a:t>
+            </a:r>
+            <a:r>
+              <a:rPr lang="it-IT" dirty="0" err="1"/>
+              <a:t>regression</a:t>
+            </a:r>
+            <a:r>
+              <a:rPr lang="it-IT" dirty="0"/>
+              <a:t> - </a:t>
+            </a:r>
+            <a:r>
+              <a:rPr lang="it-IT" dirty="0" err="1"/>
+              <a:t>graphs</a:t>
+            </a:r>
+            <a:endParaRPr lang="it-IT" dirty="0"/>
+          </a:p>
+        </p:txBody>
+      </p:sp>
+      <p:pic>
+        <p:nvPicPr>
+          <p:cNvPr id="5" name="Segnaposto contenuto 4" descr="Immagine che contiene testo, linea, diagramma, Diagramma&#10;&#10;Il contenuto generato dall'IA potrebbe non essere corretto.">
+            <a:extLst>
+              <a:ext uri="{FF2B5EF4-FFF2-40B4-BE49-F238E27FC236}">
+                <a16:creationId xmlns:a16="http://schemas.microsoft.com/office/drawing/2014/main" id="{CEEFD1A2-B15B-A3E2-380B-1ABBB1A24628}"/>
+              </a:ext>
+            </a:extLst>
+          </p:cNvPr>
+          <p:cNvPicPr>
+            <a:picLocks noGrp="1" noChangeAspect="1"/>
+          </p:cNvPicPr>
+          <p:nvPr>
+            <p:ph idx="1"/>
+          </p:nvPr>
+        </p:nvPicPr>
+        <p:blipFill>
+          <a:blip r:embed="rId2">
+            <a:extLst>
+              <a:ext uri="{28A0092B-C50C-407E-A947-70E740481C1C}">
+                <a14:useLocalDpi xmlns:a14="http://schemas.microsoft.com/office/drawing/2010/main" val="0"/>
+              </a:ext>
+            </a:extLst>
+          </a:blip>
+          <a:stretch>
+            <a:fillRect/>
+          </a:stretch>
+        </p:blipFill>
+        <p:spPr>
+          <a:xfrm>
+            <a:off x="838199" y="1690686"/>
+            <a:ext cx="7436414" cy="4080194"/>
+          </a:xfrm>
+        </p:spPr>
+      </p:pic>
+      <p:pic>
+        <p:nvPicPr>
+          <p:cNvPr id="7" name="Immagine 6" descr="Immagine che contiene testo, diagramma, Diagramma, linea&#10;&#10;Il contenuto generato dall'IA potrebbe non essere corretto.">
+            <a:extLst>
+              <a:ext uri="{FF2B5EF4-FFF2-40B4-BE49-F238E27FC236}">
+                <a16:creationId xmlns:a16="http://schemas.microsoft.com/office/drawing/2014/main" id="{4822742C-D3E9-7607-2D77-610A479BDBE3}"/>
+              </a:ext>
+            </a:extLst>
+          </p:cNvPr>
+          <p:cNvPicPr>
+            <a:picLocks noChangeAspect="1"/>
+          </p:cNvPicPr>
+          <p:nvPr/>
+        </p:nvPicPr>
+        <p:blipFill>
+          <a:blip r:embed="rId3">
+            <a:extLst>
+              <a:ext uri="{28A0092B-C50C-407E-A947-70E740481C1C}">
+                <a14:useLocalDpi xmlns:a14="http://schemas.microsoft.com/office/drawing/2010/main" val="0"/>
+              </a:ext>
+            </a:extLst>
+          </a:blip>
+          <a:stretch>
+            <a:fillRect/>
+          </a:stretch>
+        </p:blipFill>
+        <p:spPr>
+          <a:xfrm>
+            <a:off x="7326475" y="3730783"/>
+            <a:ext cx="4027325" cy="2435970"/>
+          </a:xfrm>
+          <a:prstGeom prst="rect">
+            <a:avLst/>
+          </a:prstGeom>
+        </p:spPr>
+      </p:pic>
+    </p:spTree>
+    <p:extLst>
+      <p:ext uri="{BB962C8B-B14F-4D97-AF65-F5344CB8AC3E}">
+        <p14:creationId xmlns:p14="http://schemas.microsoft.com/office/powerpoint/2010/main" val="3840079992"/>
+      </p:ext>
+    </p:extLst>
+  </p:cSld>
+  <p:clrMapOvr>
+    <a:masterClrMapping/>
+  </p:clrMapOvr>
+</p:sld>
+</file>
+
+<file path=ppt/slides/slide22.xml><?xml version="1.0" encoding="utf-8"?>
+<p:sld xmlns:a="http://schemas.openxmlformats.org/drawingml/2006/main" xmlns:r="http://schemas.openxmlformats.org/officeDocument/2006/relationships" xmlns:p="http://schemas.openxmlformats.org/presentationml/2006/main">
+  <p:cSld>
+    <p:spTree>
+      <p:nvGrpSpPr>
+        <p:cNvPr id="1" name=""/>
+        <p:cNvGrpSpPr/>
+        <p:nvPr/>
+      </p:nvGrpSpPr>
+      <p:grpSpPr>
+        <a:xfrm>
+          <a:off x="0" y="0"/>
+          <a:ext cx="0" cy="0"/>
+          <a:chOff x="0" y="0"/>
+          <a:chExt cx="0" cy="0"/>
+        </a:xfrm>
+      </p:grpSpPr>
+      <p:sp>
+        <p:nvSpPr>
+          <p:cNvPr id="2" name="Titolo 1">
+            <a:extLst>
+              <a:ext uri="{FF2B5EF4-FFF2-40B4-BE49-F238E27FC236}">
+                <a16:creationId xmlns:a16="http://schemas.microsoft.com/office/drawing/2014/main" id="{361197D0-8D7C-8453-B9F6-6E7D2A5139AB}"/>
+              </a:ext>
+            </a:extLst>
+          </p:cNvPr>
+          <p:cNvSpPr>
+            <a:spLocks noGrp="1"/>
+          </p:cNvSpPr>
+          <p:nvPr>
+            <p:ph type="title"/>
+          </p:nvPr>
+        </p:nvSpPr>
+        <p:spPr/>
+        <p:txBody>
+          <a:bodyPr/>
+          <a:lstStyle/>
+          <a:p>
+            <a:r>
+              <a:rPr lang="it-IT" dirty="0"/>
+              <a:t>Lasso </a:t>
+            </a:r>
+            <a:r>
+              <a:rPr lang="it-IT" dirty="0" err="1"/>
+              <a:t>regression</a:t>
+            </a:r>
+            <a:endParaRPr lang="it-IT" dirty="0"/>
+          </a:p>
+        </p:txBody>
+      </p:sp>
+      <p:sp>
+        <p:nvSpPr>
+          <p:cNvPr id="3" name="Segnaposto contenuto 2">
+            <a:extLst>
+              <a:ext uri="{FF2B5EF4-FFF2-40B4-BE49-F238E27FC236}">
+                <a16:creationId xmlns:a16="http://schemas.microsoft.com/office/drawing/2014/main" id="{056A550C-87BB-4130-4959-574CEA5A922A}"/>
+              </a:ext>
+            </a:extLst>
+          </p:cNvPr>
+          <p:cNvSpPr>
+            <a:spLocks noGrp="1"/>
+          </p:cNvSpPr>
+          <p:nvPr>
+            <p:ph idx="1"/>
+          </p:nvPr>
+        </p:nvSpPr>
+        <p:spPr>
+          <a:xfrm>
+            <a:off x="838200" y="1825625"/>
+            <a:ext cx="5257800" cy="4351338"/>
+          </a:xfrm>
+        </p:spPr>
+        <p:txBody>
+          <a:bodyPr/>
+          <a:lstStyle/>
+          <a:p>
+            <a:pPr marL="0" marR="0" lvl="0" indent="0" algn="l" defTabSz="914400" rtl="0" eaLnBrk="0" fontAlgn="base" latinLnBrk="0" hangingPunct="0">
+              <a:lnSpc>
+                <a:spcPct val="100000"/>
+              </a:lnSpc>
+              <a:spcBef>
+                <a:spcPct val="0"/>
+              </a:spcBef>
+              <a:spcAft>
+                <a:spcPct val="0"/>
+              </a:spcAft>
+              <a:buClrTx/>
+              <a:buSzTx/>
+              <a:buFontTx/>
+              <a:buNone/>
+              <a:tabLst/>
+            </a:pPr>
+            <a:r>
+              <a:rPr lang="en-US" sz="1800" dirty="0"/>
+              <a:t>We proceed in the same manner with lasso regression.</a:t>
+            </a:r>
+          </a:p>
+          <a:p>
+            <a:pPr marL="0" marR="0" lvl="0" indent="0" algn="l" defTabSz="914400" rtl="0" eaLnBrk="0" fontAlgn="base" latinLnBrk="0" hangingPunct="0">
+              <a:lnSpc>
+                <a:spcPct val="100000"/>
+              </a:lnSpc>
+              <a:spcBef>
+                <a:spcPct val="0"/>
+              </a:spcBef>
+              <a:spcAft>
+                <a:spcPct val="0"/>
+              </a:spcAft>
+              <a:buClrTx/>
+              <a:buSzTx/>
+              <a:buFontTx/>
+              <a:buNone/>
+              <a:tabLst/>
+            </a:pPr>
+            <a:endParaRPr lang="it-IT" altLang="it-IT" sz="1800" dirty="0"/>
+          </a:p>
+          <a:p>
+            <a:pPr marL="0" marR="0" lvl="0" indent="0" algn="l" defTabSz="914400" rtl="0" eaLnBrk="0" fontAlgn="base" latinLnBrk="0" hangingPunct="0">
+              <a:lnSpc>
+                <a:spcPct val="100000"/>
+              </a:lnSpc>
+              <a:spcBef>
+                <a:spcPct val="0"/>
+              </a:spcBef>
+              <a:spcAft>
+                <a:spcPct val="0"/>
+              </a:spcAft>
+              <a:buClrTx/>
+              <a:buSzTx/>
+              <a:buFontTx/>
+              <a:buNone/>
+              <a:tabLst/>
+            </a:pPr>
+            <a:r>
+              <a:rPr lang="it-IT" altLang="it-IT" sz="1800" b="1" dirty="0"/>
+              <a:t>Best Lasso lambda</a:t>
+            </a:r>
+            <a:r>
+              <a:rPr lang="it-IT" altLang="it-IT" sz="1800" dirty="0"/>
+              <a:t>: 0.10553861030365236 </a:t>
+            </a:r>
+          </a:p>
+          <a:p>
+            <a:pPr marL="0" marR="0" lvl="0" indent="0" algn="l" defTabSz="914400" rtl="0" eaLnBrk="0" fontAlgn="base" latinLnBrk="0" hangingPunct="0">
+              <a:lnSpc>
+                <a:spcPct val="100000"/>
+              </a:lnSpc>
+              <a:spcBef>
+                <a:spcPct val="0"/>
+              </a:spcBef>
+              <a:spcAft>
+                <a:spcPct val="0"/>
+              </a:spcAft>
+              <a:buClrTx/>
+              <a:buSzTx/>
+              <a:buFontTx/>
+              <a:buNone/>
+              <a:tabLst/>
+            </a:pPr>
+            <a:endParaRPr lang="it-IT" altLang="it-IT" sz="1800" dirty="0"/>
+          </a:p>
+          <a:p>
+            <a:pPr marL="0" marR="0" lvl="0" indent="0" algn="l" defTabSz="914400" rtl="0" eaLnBrk="0" fontAlgn="base" latinLnBrk="0" hangingPunct="0">
+              <a:lnSpc>
+                <a:spcPct val="100000"/>
+              </a:lnSpc>
+              <a:spcBef>
+                <a:spcPct val="0"/>
+              </a:spcBef>
+              <a:spcAft>
+                <a:spcPct val="0"/>
+              </a:spcAft>
+              <a:buClrTx/>
+              <a:buSzTx/>
+              <a:buFontTx/>
+              <a:buNone/>
+              <a:tabLst/>
+            </a:pPr>
+            <a:r>
+              <a:rPr lang="en-US" sz="1800" dirty="0"/>
+              <a:t>With lasso regression, the less significant variables are driven exactly to zero, allowing for model simplification.</a:t>
+            </a:r>
+            <a:br>
+              <a:rPr lang="en-US" sz="1800" dirty="0"/>
+            </a:br>
+            <a:r>
+              <a:rPr lang="en-US" sz="1800" dirty="0"/>
+              <a:t>Similarly, the intercept remains zero in this case as well.</a:t>
+            </a:r>
+          </a:p>
+          <a:p>
+            <a:pPr marL="0" marR="0" lvl="0" indent="0" algn="l" defTabSz="914400" rtl="0" eaLnBrk="0" fontAlgn="base" latinLnBrk="0" hangingPunct="0">
+              <a:lnSpc>
+                <a:spcPct val="100000"/>
+              </a:lnSpc>
+              <a:spcBef>
+                <a:spcPct val="0"/>
+              </a:spcBef>
+              <a:spcAft>
+                <a:spcPct val="0"/>
+              </a:spcAft>
+              <a:buClrTx/>
+              <a:buSzTx/>
+              <a:buFontTx/>
+              <a:buNone/>
+              <a:tabLst/>
+            </a:pPr>
+            <a:endParaRPr lang="en-US" sz="1800" dirty="0"/>
+          </a:p>
+          <a:p>
+            <a:pPr marL="0" marR="0" lvl="0" indent="0" algn="l" defTabSz="914400" rtl="0" eaLnBrk="0" fontAlgn="base" latinLnBrk="0" hangingPunct="0">
+              <a:lnSpc>
+                <a:spcPct val="100000"/>
+              </a:lnSpc>
+              <a:spcBef>
+                <a:spcPct val="0"/>
+              </a:spcBef>
+              <a:spcAft>
+                <a:spcPct val="0"/>
+              </a:spcAft>
+              <a:buClrTx/>
+              <a:buSzTx/>
+              <a:buFontTx/>
+              <a:buNone/>
+              <a:tabLst/>
+            </a:pPr>
+            <a:r>
+              <a:rPr lang="en-US" sz="1800" dirty="0"/>
+              <a:t>The results compared to ridge regression are practically identical.</a:t>
+            </a:r>
+            <a:endParaRPr lang="it-IT" altLang="it-IT" sz="1800" dirty="0"/>
+          </a:p>
+        </p:txBody>
+      </p:sp>
+      <p:pic>
+        <p:nvPicPr>
+          <p:cNvPr id="5" name="Immagine 4">
+            <a:extLst>
+              <a:ext uri="{FF2B5EF4-FFF2-40B4-BE49-F238E27FC236}">
+                <a16:creationId xmlns:a16="http://schemas.microsoft.com/office/drawing/2014/main" id="{1C325E09-E24F-FB4A-B495-B895450DFEFC}"/>
+              </a:ext>
+            </a:extLst>
+          </p:cNvPr>
+          <p:cNvPicPr>
+            <a:picLocks noChangeAspect="1"/>
+          </p:cNvPicPr>
+          <p:nvPr/>
+        </p:nvPicPr>
+        <p:blipFill>
+          <a:blip r:embed="rId2">
+            <a:extLst>
+              <a:ext uri="{28A0092B-C50C-407E-A947-70E740481C1C}">
+                <a14:useLocalDpi xmlns:a14="http://schemas.microsoft.com/office/drawing/2010/main" val="0"/>
+              </a:ext>
+            </a:extLst>
+          </a:blip>
+          <a:stretch>
+            <a:fillRect/>
+          </a:stretch>
+        </p:blipFill>
+        <p:spPr>
+          <a:xfrm>
+            <a:off x="6096000" y="5367932"/>
+            <a:ext cx="2510340" cy="494997"/>
+          </a:xfrm>
+          <a:prstGeom prst="rect">
+            <a:avLst/>
+          </a:prstGeom>
+        </p:spPr>
+      </p:pic>
+      <p:pic>
+        <p:nvPicPr>
+          <p:cNvPr id="7" name="Immagine 6" descr="Immagine che contiene testo, schermata, Carattere, numero&#10;&#10;Il contenuto generato dall'IA potrebbe non essere corretto.">
+            <a:extLst>
+              <a:ext uri="{FF2B5EF4-FFF2-40B4-BE49-F238E27FC236}">
+                <a16:creationId xmlns:a16="http://schemas.microsoft.com/office/drawing/2014/main" id="{7527A6C9-7E1A-47EB-BC20-95A9D4A097C5}"/>
+              </a:ext>
+            </a:extLst>
+          </p:cNvPr>
+          <p:cNvPicPr>
+            <a:picLocks noChangeAspect="1"/>
+          </p:cNvPicPr>
+          <p:nvPr/>
+        </p:nvPicPr>
+        <p:blipFill>
+          <a:blip r:embed="rId3">
+            <a:extLst>
+              <a:ext uri="{28A0092B-C50C-407E-A947-70E740481C1C}">
+                <a14:useLocalDpi xmlns:a14="http://schemas.microsoft.com/office/drawing/2010/main" val="0"/>
+              </a:ext>
+            </a:extLst>
+          </a:blip>
+          <a:stretch>
+            <a:fillRect/>
+          </a:stretch>
+        </p:blipFill>
+        <p:spPr>
+          <a:xfrm>
+            <a:off x="6096000" y="1690688"/>
+            <a:ext cx="3291840" cy="3542307"/>
+          </a:xfrm>
+          <a:prstGeom prst="rect">
+            <a:avLst/>
+          </a:prstGeom>
+        </p:spPr>
+      </p:pic>
+      <p:sp>
+        <p:nvSpPr>
+          <p:cNvPr id="8" name="Rectangle 1">
+            <a:extLst>
+              <a:ext uri="{FF2B5EF4-FFF2-40B4-BE49-F238E27FC236}">
+                <a16:creationId xmlns:a16="http://schemas.microsoft.com/office/drawing/2014/main" id="{2CB29931-61AF-8B04-C6E7-D60A9B6E192E}"/>
+              </a:ext>
+            </a:extLst>
+          </p:cNvPr>
+          <p:cNvSpPr>
+            <a:spLocks noChangeArrowheads="1"/>
+          </p:cNvSpPr>
+          <p:nvPr/>
+        </p:nvSpPr>
+        <p:spPr bwMode="auto">
+          <a:xfrm>
+            <a:off x="0" y="90100"/>
+            <a:ext cx="65" cy="276999"/>
+          </a:xfrm>
+          <a:prstGeom prst="rect">
+            <a:avLst/>
+          </a:prstGeom>
+          <a:solidFill>
+            <a:srgbClr val="FFFFFF"/>
+          </a:solidFill>
+          <a:ln>
+            <a:noFill/>
+          </a:ln>
+          <a:effectLst/>
+          <a:extLst>
+            <a:ext uri="{91240B29-F687-4F45-9708-019B960494DF}">
+              <a14:hiddenLine xmlns:a14="http://schemas.microsoft.com/office/drawing/2010/main" w="9525">
+                <a:solidFill>
+                  <a:schemeClr val="tx1"/>
+                </a:solidFill>
+                <a:miter lim="800000"/>
+                <a:headEnd/>
+                <a:tailEnd/>
+              </a14:hiddenLine>
+            </a:ext>
+            <a:ext uri="{AF507438-7753-43E0-B8FC-AC1667EBCBE1}">
+              <a14:hiddenEffects xmlns:a14="http://schemas.microsoft.com/office/drawing/2010/main">
+                <a:effectLst>
+                  <a:outerShdw dist="35921" dir="2700000" algn="ctr" rotWithShape="0">
+                    <a:schemeClr val="bg2"/>
+                  </a:outerShdw>
+                </a:effectLst>
+              </a14:hiddenEffects>
+            </a:ext>
+          </a:extLst>
+        </p:spPr>
+        <p:txBody>
+          <a:bodyPr vert="horz" wrap="none" lIns="0" tIns="0" rIns="0" bIns="0" numCol="1" anchor="ctr" anchorCtr="0" compatLnSpc="1">
+            <a:prstTxWarp prst="textNoShape">
+              <a:avLst/>
+            </a:prstTxWarp>
+            <a:spAutoFit/>
+          </a:bodyPr>
+          <a:lstStyle/>
+          <a:p>
+            <a:pPr marL="0" marR="0" lvl="0" indent="0" algn="l" defTabSz="914400" rtl="0" eaLnBrk="0" fontAlgn="base" latinLnBrk="0" hangingPunct="0">
+              <a:lnSpc>
+                <a:spcPct val="100000"/>
+              </a:lnSpc>
+              <a:spcBef>
+                <a:spcPct val="0"/>
+              </a:spcBef>
+              <a:spcAft>
+                <a:spcPct val="0"/>
+              </a:spcAft>
+              <a:buClrTx/>
+              <a:buSzTx/>
+              <a:buFontTx/>
+              <a:buNone/>
+              <a:tabLst/>
+            </a:pPr>
+            <a:endParaRPr kumimoji="0" lang="it-IT" altLang="it-IT" sz="1800" b="0" i="0" u="none" strike="noStrike" cap="none" normalizeH="0" baseline="0" dirty="0">
+              <a:ln>
+                <a:noFill/>
+              </a:ln>
+              <a:solidFill>
+                <a:schemeClr val="tx1"/>
+              </a:solidFill>
+              <a:effectLst/>
+              <a:latin typeface="Arial" panose="020B0604020202020204" pitchFamily="34" charset="0"/>
+            </a:endParaRPr>
+          </a:p>
+        </p:txBody>
+      </p:sp>
+    </p:spTree>
+    <p:extLst>
+      <p:ext uri="{BB962C8B-B14F-4D97-AF65-F5344CB8AC3E}">
+        <p14:creationId xmlns:p14="http://schemas.microsoft.com/office/powerpoint/2010/main" val="2765593034"/>
+      </p:ext>
+    </p:extLst>
+  </p:cSld>
+  <p:clrMapOvr>
+    <a:masterClrMapping/>
+  </p:clrMapOvr>
+</p:sld>
+</file>
+
+<file path=ppt/slides/slide23.xml><?xml version="1.0" encoding="utf-8"?>
+<p:sld xmlns:a="http://schemas.openxmlformats.org/drawingml/2006/main" xmlns:r="http://schemas.openxmlformats.org/officeDocument/2006/relationships" xmlns:p="http://schemas.openxmlformats.org/presentationml/2006/main">
+  <p:cSld>
+    <p:spTree>
+      <p:nvGrpSpPr>
+        <p:cNvPr id="1" name=""/>
+        <p:cNvGrpSpPr/>
+        <p:nvPr/>
+      </p:nvGrpSpPr>
+      <p:grpSpPr>
+        <a:xfrm>
+          <a:off x="0" y="0"/>
+          <a:ext cx="0" cy="0"/>
+          <a:chOff x="0" y="0"/>
+          <a:chExt cx="0" cy="0"/>
+        </a:xfrm>
+      </p:grpSpPr>
+      <p:sp>
+        <p:nvSpPr>
+          <p:cNvPr id="2" name="Titolo 1">
+            <a:extLst>
+              <a:ext uri="{FF2B5EF4-FFF2-40B4-BE49-F238E27FC236}">
+                <a16:creationId xmlns:a16="http://schemas.microsoft.com/office/drawing/2014/main" id="{B4AEB1F5-2F90-0C1F-7840-3E619F6D0DA2}"/>
+              </a:ext>
+            </a:extLst>
+          </p:cNvPr>
+          <p:cNvSpPr>
+            <a:spLocks noGrp="1"/>
+          </p:cNvSpPr>
+          <p:nvPr>
+            <p:ph type="title"/>
+          </p:nvPr>
+        </p:nvSpPr>
+        <p:spPr/>
+        <p:txBody>
+          <a:bodyPr/>
+          <a:lstStyle/>
+          <a:p>
+            <a:r>
+              <a:rPr lang="it-IT" dirty="0"/>
+              <a:t>Lasso </a:t>
+            </a:r>
+            <a:r>
+              <a:rPr lang="it-IT" dirty="0" err="1"/>
+              <a:t>regression</a:t>
+            </a:r>
+            <a:r>
+              <a:rPr lang="it-IT" dirty="0"/>
+              <a:t> - </a:t>
+            </a:r>
+            <a:r>
+              <a:rPr lang="it-IT" dirty="0" err="1"/>
+              <a:t>graphs</a:t>
+            </a:r>
+            <a:endParaRPr lang="it-IT" dirty="0"/>
+          </a:p>
+        </p:txBody>
+      </p:sp>
+      <p:pic>
+        <p:nvPicPr>
+          <p:cNvPr id="5" name="Segnaposto contenuto 4" descr="Immagine che contiene testo, diagramma, linea, Diagramma&#10;&#10;Il contenuto generato dall'IA potrebbe non essere corretto.">
+            <a:extLst>
+              <a:ext uri="{FF2B5EF4-FFF2-40B4-BE49-F238E27FC236}">
+                <a16:creationId xmlns:a16="http://schemas.microsoft.com/office/drawing/2014/main" id="{8D49BD2D-B81D-9F8C-4949-8BB2C219D1BB}"/>
+              </a:ext>
+            </a:extLst>
+          </p:cNvPr>
+          <p:cNvPicPr>
+            <a:picLocks noGrp="1" noChangeAspect="1"/>
+          </p:cNvPicPr>
+          <p:nvPr>
+            <p:ph idx="1"/>
+          </p:nvPr>
+        </p:nvPicPr>
+        <p:blipFill>
+          <a:blip r:embed="rId2">
+            <a:extLst>
+              <a:ext uri="{28A0092B-C50C-407E-A947-70E740481C1C}">
+                <a14:useLocalDpi xmlns:a14="http://schemas.microsoft.com/office/drawing/2010/main" val="0"/>
+              </a:ext>
+            </a:extLst>
+          </a:blip>
+          <a:stretch>
+            <a:fillRect/>
+          </a:stretch>
+        </p:blipFill>
+        <p:spPr>
+          <a:xfrm>
+            <a:off x="838200" y="1551305"/>
+            <a:ext cx="6993401" cy="3904615"/>
+          </a:xfrm>
+        </p:spPr>
+      </p:pic>
+      <p:pic>
+        <p:nvPicPr>
+          <p:cNvPr id="7" name="Immagine 6" descr="Immagine che contiene testo, diagramma, Diagramma, linea&#10;&#10;Il contenuto generato dall'IA potrebbe non essere corretto.">
+            <a:extLst>
+              <a:ext uri="{FF2B5EF4-FFF2-40B4-BE49-F238E27FC236}">
+                <a16:creationId xmlns:a16="http://schemas.microsoft.com/office/drawing/2014/main" id="{CB77C12B-6048-56B7-4FED-A24BE5DFE27B}"/>
+              </a:ext>
+            </a:extLst>
+          </p:cNvPr>
+          <p:cNvPicPr>
+            <a:picLocks noChangeAspect="1"/>
+          </p:cNvPicPr>
+          <p:nvPr/>
+        </p:nvPicPr>
+        <p:blipFill>
+          <a:blip r:embed="rId3">
+            <a:extLst>
+              <a:ext uri="{28A0092B-C50C-407E-A947-70E740481C1C}">
+                <a14:useLocalDpi xmlns:a14="http://schemas.microsoft.com/office/drawing/2010/main" val="0"/>
+              </a:ext>
+            </a:extLst>
+          </a:blip>
+          <a:stretch>
+            <a:fillRect/>
+          </a:stretch>
+        </p:blipFill>
+        <p:spPr>
+          <a:xfrm>
+            <a:off x="7094299" y="3429000"/>
+            <a:ext cx="4259501" cy="2616102"/>
+          </a:xfrm>
+          <a:prstGeom prst="rect">
+            <a:avLst/>
+          </a:prstGeom>
+        </p:spPr>
+      </p:pic>
+    </p:spTree>
+    <p:extLst>
+      <p:ext uri="{BB962C8B-B14F-4D97-AF65-F5344CB8AC3E}">
+        <p14:creationId xmlns:p14="http://schemas.microsoft.com/office/powerpoint/2010/main" val="4754978"/>
+      </p:ext>
+    </p:extLst>
+  </p:cSld>
+  <p:clrMapOvr>
+    <a:masterClrMapping/>
+  </p:clrMapOvr>
+</p:sld>
+</file>
+
+<file path=ppt/slides/slide24.xml><?xml version="1.0" encoding="utf-8"?>
+<p:sld xmlns:a="http://schemas.openxmlformats.org/drawingml/2006/main" xmlns:r="http://schemas.openxmlformats.org/officeDocument/2006/relationships" xmlns:p="http://schemas.openxmlformats.org/presentationml/2006/main">
+  <p:cSld>
+    <p:spTree>
+      <p:nvGrpSpPr>
+        <p:cNvPr id="1" name=""/>
+        <p:cNvGrpSpPr/>
+        <p:nvPr/>
+      </p:nvGrpSpPr>
+      <p:grpSpPr>
+        <a:xfrm>
+          <a:off x="0" y="0"/>
+          <a:ext cx="0" cy="0"/>
+          <a:chOff x="0" y="0"/>
+          <a:chExt cx="0" cy="0"/>
+        </a:xfrm>
+      </p:grpSpPr>
+      <p:sp>
+        <p:nvSpPr>
+          <p:cNvPr id="2" name="Titolo 1">
+            <a:extLst>
+              <a:ext uri="{FF2B5EF4-FFF2-40B4-BE49-F238E27FC236}">
+                <a16:creationId xmlns:a16="http://schemas.microsoft.com/office/drawing/2014/main" id="{B8130A48-78D0-75D3-CF90-655DE7F74031}"/>
+              </a:ext>
+            </a:extLst>
+          </p:cNvPr>
+          <p:cNvSpPr>
+            <a:spLocks noGrp="1"/>
+          </p:cNvSpPr>
+          <p:nvPr>
+            <p:ph type="title"/>
+          </p:nvPr>
+        </p:nvSpPr>
+        <p:spPr/>
+        <p:txBody>
+          <a:bodyPr/>
+          <a:lstStyle/>
+          <a:p>
+            <a:endParaRPr lang="it-IT"/>
+          </a:p>
+        </p:txBody>
+      </p:sp>
+      <p:sp>
+        <p:nvSpPr>
+          <p:cNvPr id="3" name="Segnaposto contenuto 2">
+            <a:extLst>
+              <a:ext uri="{FF2B5EF4-FFF2-40B4-BE49-F238E27FC236}">
+                <a16:creationId xmlns:a16="http://schemas.microsoft.com/office/drawing/2014/main" id="{F689E12E-15D5-24F9-C0F6-FD957153F2B9}"/>
+              </a:ext>
+            </a:extLst>
+          </p:cNvPr>
+          <p:cNvSpPr>
+            <a:spLocks noGrp="1"/>
+          </p:cNvSpPr>
+          <p:nvPr>
+            <p:ph idx="1"/>
+          </p:nvPr>
+        </p:nvSpPr>
+        <p:spPr/>
+        <p:txBody>
+          <a:bodyPr/>
+          <a:lstStyle/>
+          <a:p>
+            <a:endParaRPr lang="it-IT"/>
+          </a:p>
+        </p:txBody>
+      </p:sp>
+    </p:spTree>
+    <p:extLst>
+      <p:ext uri="{BB962C8B-B14F-4D97-AF65-F5344CB8AC3E}">
+        <p14:creationId xmlns:p14="http://schemas.microsoft.com/office/powerpoint/2010/main" val="2246328258"/>
+      </p:ext>
+    </p:extLst>
+  </p:cSld>
+  <p:clrMapOvr>
+    <a:masterClrMapping/>
+  </p:clrMapOvr>
+</p:sld>
+</file>
+
+<file path=ppt/slides/slide25.xml><?xml version="1.0" encoding="utf-8"?>
+<p:sld xmlns:a="http://schemas.openxmlformats.org/drawingml/2006/main" xmlns:r="http://schemas.openxmlformats.org/officeDocument/2006/relationships" xmlns:p="http://schemas.openxmlformats.org/presentationml/2006/main">
+  <p:cSld>
+    <p:spTree>
+      <p:nvGrpSpPr>
+        <p:cNvPr id="1" name=""/>
+        <p:cNvGrpSpPr/>
+        <p:nvPr/>
+      </p:nvGrpSpPr>
+      <p:grpSpPr>
+        <a:xfrm>
+          <a:off x="0" y="0"/>
+          <a:ext cx="0" cy="0"/>
+          <a:chOff x="0" y="0"/>
+          <a:chExt cx="0" cy="0"/>
+        </a:xfrm>
+      </p:grpSpPr>
+      <p:sp>
+        <p:nvSpPr>
+          <p:cNvPr id="2" name="Titolo 1">
+            <a:extLst>
+              <a:ext uri="{FF2B5EF4-FFF2-40B4-BE49-F238E27FC236}">
+                <a16:creationId xmlns:a16="http://schemas.microsoft.com/office/drawing/2014/main" id="{66F89E15-4B9F-0901-D596-1D387904049D}"/>
+              </a:ext>
+            </a:extLst>
+          </p:cNvPr>
+          <p:cNvSpPr>
+            <a:spLocks noGrp="1"/>
+          </p:cNvSpPr>
+          <p:nvPr>
+            <p:ph type="title"/>
+          </p:nvPr>
+        </p:nvSpPr>
+        <p:spPr/>
+        <p:txBody>
+          <a:bodyPr/>
+          <a:lstStyle/>
+          <a:p>
+            <a:endParaRPr lang="it-IT"/>
+          </a:p>
+        </p:txBody>
+      </p:sp>
+      <p:sp>
+        <p:nvSpPr>
+          <p:cNvPr id="3" name="Segnaposto contenuto 2">
+            <a:extLst>
+              <a:ext uri="{FF2B5EF4-FFF2-40B4-BE49-F238E27FC236}">
+                <a16:creationId xmlns:a16="http://schemas.microsoft.com/office/drawing/2014/main" id="{3C6502D5-80DE-709F-2871-8CCE31FE3682}"/>
+              </a:ext>
+            </a:extLst>
+          </p:cNvPr>
+          <p:cNvSpPr>
+            <a:spLocks noGrp="1"/>
+          </p:cNvSpPr>
+          <p:nvPr>
+            <p:ph idx="1"/>
+          </p:nvPr>
+        </p:nvSpPr>
+        <p:spPr/>
+        <p:txBody>
+          <a:bodyPr/>
+          <a:lstStyle/>
+          <a:p>
+            <a:endParaRPr lang="it-IT"/>
+          </a:p>
+        </p:txBody>
+      </p:sp>
+    </p:spTree>
+    <p:extLst>
+      <p:ext uri="{BB962C8B-B14F-4D97-AF65-F5344CB8AC3E}">
+        <p14:creationId xmlns:p14="http://schemas.microsoft.com/office/powerpoint/2010/main" val="723668111"/>
+      </p:ext>
+    </p:extLst>
+  </p:cSld>
+  <p:clrMapOvr>
+    <a:masterClrMapping/>
+  </p:clrMapOvr>
+</p:sld>
+</file>
+
+<file path=ppt/slides/slide26.xml><?xml version="1.0" encoding="utf-8"?>
+<p:sld xmlns:a="http://schemas.openxmlformats.org/drawingml/2006/main" xmlns:r="http://schemas.openxmlformats.org/officeDocument/2006/relationships" xmlns:p="http://schemas.openxmlformats.org/presentationml/2006/main">
+  <p:cSld>
+    <p:spTree>
+      <p:nvGrpSpPr>
+        <p:cNvPr id="1" name=""/>
+        <p:cNvGrpSpPr/>
+        <p:nvPr/>
+      </p:nvGrpSpPr>
+      <p:grpSpPr>
+        <a:xfrm>
+          <a:off x="0" y="0"/>
+          <a:ext cx="0" cy="0"/>
+          <a:chOff x="0" y="0"/>
+          <a:chExt cx="0" cy="0"/>
+        </a:xfrm>
+      </p:grpSpPr>
+      <p:sp>
+        <p:nvSpPr>
+          <p:cNvPr id="2" name="Titolo 1">
+            <a:extLst>
+              <a:ext uri="{FF2B5EF4-FFF2-40B4-BE49-F238E27FC236}">
+                <a16:creationId xmlns:a16="http://schemas.microsoft.com/office/drawing/2014/main" id="{49387F1B-A9CA-91B4-602A-EAD8C55B482F}"/>
+              </a:ext>
+            </a:extLst>
+          </p:cNvPr>
+          <p:cNvSpPr>
+            <a:spLocks noGrp="1"/>
+          </p:cNvSpPr>
+          <p:nvPr>
+            <p:ph type="title"/>
+          </p:nvPr>
+        </p:nvSpPr>
+        <p:spPr/>
+        <p:txBody>
+          <a:bodyPr/>
+          <a:lstStyle/>
+          <a:p>
+            <a:r>
+              <a:rPr lang="en-GB" noProof="0" dirty="0"/>
+              <a:t>Preliminary results</a:t>
+            </a:r>
+          </a:p>
+        </p:txBody>
+      </p:sp>
+      <p:sp>
+        <p:nvSpPr>
+          <p:cNvPr id="3" name="Segnaposto contenuto 2">
+            <a:extLst>
+              <a:ext uri="{FF2B5EF4-FFF2-40B4-BE49-F238E27FC236}">
+                <a16:creationId xmlns:a16="http://schemas.microsoft.com/office/drawing/2014/main" id="{1CD430FB-DBE9-15DF-BC39-BFEC897B1233}"/>
+              </a:ext>
+            </a:extLst>
+          </p:cNvPr>
+          <p:cNvSpPr>
+            <a:spLocks noGrp="1"/>
+          </p:cNvSpPr>
+          <p:nvPr>
+            <p:ph idx="1"/>
+          </p:nvPr>
+        </p:nvSpPr>
+        <p:spPr/>
+        <p:txBody>
+          <a:bodyPr/>
+          <a:lstStyle/>
+          <a:p>
+            <a:endParaRPr lang="en-GB" noProof="0" dirty="0"/>
+          </a:p>
+        </p:txBody>
+      </p:sp>
+    </p:spTree>
+    <p:extLst>
+      <p:ext uri="{BB962C8B-B14F-4D97-AF65-F5344CB8AC3E}">
+        <p14:creationId xmlns:p14="http://schemas.microsoft.com/office/powerpoint/2010/main" val="1548392054"/>
       </p:ext>
     </p:extLst>
   </p:cSld>
@@ -5570,10 +8613,15 @@
             <p:ph idx="1"/>
           </p:nvPr>
         </p:nvSpPr>
-        <p:spPr/>
+        <p:spPr>
+          <a:xfrm>
+            <a:off x="838200" y="1825625"/>
+            <a:ext cx="4678680" cy="4170237"/>
+          </a:xfrm>
+        </p:spPr>
         <p:txBody>
           <a:bodyPr>
-            <a:normAutofit/>
+            <a:normAutofit lnSpcReduction="10000"/>
           </a:bodyPr>
           <a:lstStyle/>
           <a:p>
@@ -5581,7 +8629,7 @@
               <a:buNone/>
             </a:pPr>
             <a:r>
-              <a:rPr lang="en-GB" noProof="0" dirty="0"/>
+              <a:rPr lang="en-GB" sz="2400" noProof="0" dirty="0"/>
               <a:t>We begin our analysis by “cleaning” the dataset, specifically removing rows containing null values that would cause errors during further computations; this operation reduced the number of total rows from the initial 1000 to 883.</a:t>
             </a:r>
           </a:p>
@@ -5590,57 +8638,84 @@
               <a:buNone/>
             </a:pPr>
             <a:r>
-              <a:rPr lang="en-GB" noProof="0" dirty="0"/>
+              <a:rPr lang="en-GB" sz="2400" noProof="0" dirty="0"/>
               <a:t>We then remove any outliers that may distort the model, luckily, only four rows are classified as outliers at this point.</a:t>
             </a:r>
           </a:p>
-          <a:p>
-            <a:pPr marL="0" indent="0">
-              <a:buNone/>
-            </a:pPr>
-            <a:endParaRPr lang="en-GB" sz="3200" noProof="0" dirty="0"/>
-          </a:p>
-          <a:p>
-            <a:pPr marL="0" indent="0">
-              <a:buNone/>
-            </a:pPr>
-            <a:r>
-              <a:rPr lang="en-GB" i="1" noProof="0" dirty="0"/>
-              <a:t>[</a:t>
-            </a:r>
-            <a:r>
-              <a:rPr lang="en-GB" i="1" noProof="0" dirty="0" err="1"/>
-              <a:t>vogliamo</a:t>
-            </a:r>
-            <a:r>
-              <a:rPr lang="en-GB" i="1" noProof="0" dirty="0"/>
-              <a:t> </a:t>
-            </a:r>
-            <a:r>
-              <a:rPr lang="en-GB" i="1" noProof="0" dirty="0" err="1"/>
-              <a:t>aggiungere</a:t>
-            </a:r>
-            <a:r>
-              <a:rPr lang="en-GB" i="1" noProof="0" dirty="0"/>
-              <a:t> boxplot o </a:t>
-            </a:r>
-            <a:r>
-              <a:rPr lang="en-GB" i="1" noProof="0" dirty="0" err="1"/>
-              <a:t>simili</a:t>
-            </a:r>
-            <a:r>
-              <a:rPr lang="en-GB" i="1" noProof="0" dirty="0"/>
-              <a:t> qui?]</a:t>
-            </a:r>
-          </a:p>
-          <a:p>
-            <a:pPr marL="0" indent="0">
-              <a:buNone/>
-            </a:pPr>
-            <a:endParaRPr lang="en-GB" sz="3200" noProof="0" dirty="0"/>
-          </a:p>
-        </p:txBody>
-      </p:sp>
+        </p:txBody>
+      </p:sp>
+      <p:pic>
+        <p:nvPicPr>
+          <p:cNvPr id="5" name="Immagine 4">
+            <a:extLst>
+              <a:ext uri="{FF2B5EF4-FFF2-40B4-BE49-F238E27FC236}">
+                <a16:creationId xmlns:a16="http://schemas.microsoft.com/office/drawing/2014/main" id="{9FCF2B1F-515B-51B3-1395-D92650B34CDC}"/>
+              </a:ext>
+            </a:extLst>
+          </p:cNvPr>
+          <p:cNvPicPr>
+            <a:picLocks noChangeAspect="1"/>
+          </p:cNvPicPr>
+          <p:nvPr/>
+        </p:nvPicPr>
+        <p:blipFill>
+          <a:blip r:embed="rId2">
+            <a:extLst>
+              <a:ext uri="{28A0092B-C50C-407E-A947-70E740481C1C}">
+                <a14:useLocalDpi xmlns:a14="http://schemas.microsoft.com/office/drawing/2010/main" val="0"/>
+              </a:ext>
+            </a:extLst>
+          </a:blip>
+          <a:stretch>
+            <a:fillRect/>
+          </a:stretch>
+        </p:blipFill>
+        <p:spPr>
+          <a:xfrm>
+            <a:off x="5764414" y="1553017"/>
+            <a:ext cx="2674852" cy="4442845"/>
+          </a:xfrm>
+          <a:prstGeom prst="rect">
+            <a:avLst/>
+          </a:prstGeom>
+        </p:spPr>
+      </p:pic>
+      <p:pic>
+        <p:nvPicPr>
+          <p:cNvPr id="7" name="Immagine 6">
+            <a:extLst>
+              <a:ext uri="{FF2B5EF4-FFF2-40B4-BE49-F238E27FC236}">
+                <a16:creationId xmlns:a16="http://schemas.microsoft.com/office/drawing/2014/main" id="{C7C2E5A8-A78D-6151-80B6-644F92227C4B}"/>
+              </a:ext>
+            </a:extLst>
+          </p:cNvPr>
+          <p:cNvPicPr>
+            <a:picLocks noChangeAspect="1"/>
+          </p:cNvPicPr>
+          <p:nvPr/>
+        </p:nvPicPr>
+        <p:blipFill>
+          <a:blip r:embed="rId3">
+            <a:extLst>
+              <a:ext uri="{28A0092B-C50C-407E-A947-70E740481C1C}">
+                <a14:useLocalDpi xmlns:a14="http://schemas.microsoft.com/office/drawing/2010/main" val="0"/>
+              </a:ext>
+            </a:extLst>
+          </a:blip>
+          <a:stretch>
+            <a:fillRect/>
+          </a:stretch>
+        </p:blipFill>
+        <p:spPr>
+          <a:xfrm>
+            <a:off x="8540055" y="1514913"/>
+            <a:ext cx="2712955" cy="4519052"/>
+          </a:xfrm>
+          <a:prstGeom prst="rect">
+            <a:avLst/>
+          </a:prstGeom>
+        </p:spPr>
+      </p:pic>
     </p:spTree>
     <p:extLst>
       <p:ext uri="{BB962C8B-B14F-4D97-AF65-F5344CB8AC3E}">
@@ -6750,4 +9825,319 @@
     </a:ext>
   </a:extLst>
 </a:theme>
+</file>
+
+<file path=ppt/theme/theme2.xml><?xml version="1.0" encoding="utf-8"?>
+<a:theme xmlns:a="http://schemas.openxmlformats.org/drawingml/2006/main" name="Tema di Office">
+  <a:themeElements>
+    <a:clrScheme name="Office">
+      <a:dk1>
+        <a:sysClr val="windowText" lastClr="000000"/>
+      </a:dk1>
+      <a:lt1>
+        <a:sysClr val="window" lastClr="FFFFFF"/>
+      </a:lt1>
+      <a:dk2>
+        <a:srgbClr val="0E2841"/>
+      </a:dk2>
+      <a:lt2>
+        <a:srgbClr val="E8E8E8"/>
+      </a:lt2>
+      <a:accent1>
+        <a:srgbClr val="156082"/>
+      </a:accent1>
+      <a:accent2>
+        <a:srgbClr val="E97132"/>
+      </a:accent2>
+      <a:accent3>
+        <a:srgbClr val="196B24"/>
+      </a:accent3>
+      <a:accent4>
+        <a:srgbClr val="0F9ED5"/>
+      </a:accent4>
+      <a:accent5>
+        <a:srgbClr val="A02B93"/>
+      </a:accent5>
+      <a:accent6>
+        <a:srgbClr val="4EA72E"/>
+      </a:accent6>
+      <a:hlink>
+        <a:srgbClr val="467886"/>
+      </a:hlink>
+      <a:folHlink>
+        <a:srgbClr val="96607D"/>
+      </a:folHlink>
+    </a:clrScheme>
+    <a:fontScheme name="Office">
+      <a:majorFont>
+        <a:latin typeface="Aptos Display" panose="02110004020202020204"/>
+        <a:ea typeface=""/>
+        <a:cs typeface=""/>
+        <a:font script="Jpan" typeface="游ゴシック Light"/>
+        <a:font script="Hang" typeface="맑은 고딕"/>
+        <a:font script="Hans" typeface="等线 Light"/>
+        <a:font script="Hant" typeface="新細明體"/>
+        <a:font script="Arab" typeface="Times New Roman"/>
+        <a:font script="Hebr" typeface="Times New Roman"/>
+        <a:font script="Thai" typeface="Angsana New"/>
+        <a:font script="Ethi" typeface="Nyala"/>
+        <a:font script="Beng" typeface="Vrinda"/>
+        <a:font script="Gujr" typeface="Shruti"/>
+        <a:font script="Khmr" typeface="MoolBoran"/>
+        <a:font script="Knda" typeface="Tunga"/>
+        <a:font script="Guru" typeface="Raavi"/>
+        <a:font script="Cans" typeface="Euphemia"/>
+        <a:font script="Cher" typeface="Plantagenet Cherokee"/>
+        <a:font script="Yiii" typeface="Microsoft Yi Baiti"/>
+        <a:font script="Tibt" typeface="Microsoft Himalaya"/>
+        <a:font script="Thaa" typeface="MV Boli"/>
+        <a:font script="Deva" typeface="Mangal"/>
+        <a:font script="Telu" typeface="Gautami"/>
+        <a:font script="Taml" typeface="Latha"/>
+        <a:font script="Syrc" typeface="Estrangelo Edessa"/>
+        <a:font script="Orya" typeface="Kalinga"/>
+        <a:font script="Mlym" typeface="Kartika"/>
+        <a:font script="Laoo" typeface="DokChampa"/>
+        <a:font script="Sinh" typeface="Iskoola Pota"/>
+        <a:font script="Mong" typeface="Mongolian Baiti"/>
+        <a:font script="Viet" typeface="Times New Roman"/>
+        <a:font script="Uigh" typeface="Microsoft Uighur"/>
+        <a:font script="Geor" typeface="Sylfaen"/>
+        <a:font script="Armn" typeface="Arial"/>
+        <a:font script="Bugi" typeface="Leelawadee UI"/>
+        <a:font script="Bopo" typeface="Microsoft JhengHei"/>
+        <a:font script="Java" typeface="Javanese Text"/>
+        <a:font script="Lisu" typeface="Segoe UI"/>
+        <a:font script="Mymr" typeface="Myanmar Text"/>
+        <a:font script="Nkoo" typeface="Ebrima"/>
+        <a:font script="Olck" typeface="Nirmala UI"/>
+        <a:font script="Osma" typeface="Ebrima"/>
+        <a:font script="Phag" typeface="Phagspa"/>
+        <a:font script="Syrn" typeface="Estrangelo Edessa"/>
+        <a:font script="Syrj" typeface="Estrangelo Edessa"/>
+        <a:font script="Syre" typeface="Estrangelo Edessa"/>
+        <a:font script="Sora" typeface="Nirmala UI"/>
+        <a:font script="Tale" typeface="Microsoft Tai Le"/>
+        <a:font script="Talu" typeface="Microsoft New Tai Lue"/>
+        <a:font script="Tfng" typeface="Ebrima"/>
+      </a:majorFont>
+      <a:minorFont>
+        <a:latin typeface="Aptos" panose="02110004020202020204"/>
+        <a:ea typeface=""/>
+        <a:cs typeface=""/>
+        <a:font script="Jpan" typeface="游ゴシック"/>
+        <a:font script="Hang" typeface="맑은 고딕"/>
+        <a:font script="Hans" typeface="等线"/>
+        <a:font script="Hant" typeface="新細明體"/>
+        <a:font script="Arab" typeface="Arial"/>
+        <a:font script="Hebr" typeface="Arial"/>
+        <a:font script="Thai" typeface="Cordia New"/>
+        <a:font script="Ethi" typeface="Nyala"/>
+        <a:font script="Beng" typeface="Vrinda"/>
+        <a:font script="Gujr" typeface="Shruti"/>
+        <a:font script="Khmr" typeface="DaunPenh"/>
+        <a:font script="Knda" typeface="Tunga"/>
+        <a:font script="Guru" typeface="Raavi"/>
+        <a:font script="Cans" typeface="Euphemia"/>
+        <a:font script="Cher" typeface="Plantagenet Cherokee"/>
+        <a:font script="Yiii" typeface="Microsoft Yi Baiti"/>
+        <a:font script="Tibt" typeface="Microsoft Himalaya"/>
+        <a:font script="Thaa" typeface="MV Boli"/>
+        <a:font script="Deva" typeface="Mangal"/>
+        <a:font script="Telu" typeface="Gautami"/>
+        <a:font script="Taml" typeface="Latha"/>
+        <a:font script="Syrc" typeface="Estrangelo Edessa"/>
+        <a:font script="Orya" typeface="Kalinga"/>
+        <a:font script="Mlym" typeface="Kartika"/>
+        <a:font script="Laoo" typeface="DokChampa"/>
+        <a:font script="Sinh" typeface="Iskoola Pota"/>
+        <a:font script="Mong" typeface="Mongolian Baiti"/>
+        <a:font script="Viet" typeface="Arial"/>
+        <a:font script="Uigh" typeface="Microsoft Uighur"/>
+        <a:font script="Geor" typeface="Sylfaen"/>
+        <a:font script="Armn" typeface="Arial"/>
+        <a:font script="Bugi" typeface="Leelawadee UI"/>
+        <a:font script="Bopo" typeface="Microsoft JhengHei"/>
+        <a:font script="Java" typeface="Javanese Text"/>
+        <a:font script="Lisu" typeface="Segoe UI"/>
+        <a:font script="Mymr" typeface="Myanmar Text"/>
+        <a:font script="Nkoo" typeface="Ebrima"/>
+        <a:font script="Olck" typeface="Nirmala UI"/>
+        <a:font script="Osma" typeface="Ebrima"/>
+        <a:font script="Phag" typeface="Phagspa"/>
+        <a:font script="Syrn" typeface="Estrangelo Edessa"/>
+        <a:font script="Syrj" typeface="Estrangelo Edessa"/>
+        <a:font script="Syre" typeface="Estrangelo Edessa"/>
+        <a:font script="Sora" typeface="Nirmala UI"/>
+        <a:font script="Tale" typeface="Microsoft Tai Le"/>
+        <a:font script="Talu" typeface="Microsoft New Tai Lue"/>
+        <a:font script="Tfng" typeface="Ebrima"/>
+      </a:minorFont>
+    </a:fontScheme>
+    <a:fmtScheme name="Office">
+      <a:fillStyleLst>
+        <a:solidFill>
+          <a:schemeClr val="phClr"/>
+        </a:solidFill>
+        <a:gradFill rotWithShape="1">
+          <a:gsLst>
+            <a:gs pos="0">
+              <a:schemeClr val="phClr">
+                <a:lumMod val="110000"/>
+                <a:satMod val="105000"/>
+                <a:tint val="67000"/>
+              </a:schemeClr>
+            </a:gs>
+            <a:gs pos="50000">
+              <a:schemeClr val="phClr">
+                <a:lumMod val="105000"/>
+                <a:satMod val="103000"/>
+                <a:tint val="73000"/>
+              </a:schemeClr>
+            </a:gs>
+            <a:gs pos="100000">
+              <a:schemeClr val="phClr">
+                <a:lumMod val="105000"/>
+                <a:satMod val="109000"/>
+                <a:tint val="81000"/>
+              </a:schemeClr>
+            </a:gs>
+          </a:gsLst>
+          <a:lin ang="5400000" scaled="0"/>
+        </a:gradFill>
+        <a:gradFill rotWithShape="1">
+          <a:gsLst>
+            <a:gs pos="0">
+              <a:schemeClr val="phClr">
+                <a:satMod val="103000"/>
+                <a:lumMod val="102000"/>
+                <a:tint val="94000"/>
+              </a:schemeClr>
+            </a:gs>
+            <a:gs pos="50000">
+              <a:schemeClr val="phClr">
+                <a:satMod val="110000"/>
+                <a:lumMod val="100000"/>
+                <a:shade val="100000"/>
+              </a:schemeClr>
+            </a:gs>
+            <a:gs pos="100000">
+              <a:schemeClr val="phClr">
+                <a:lumMod val="99000"/>
+                <a:satMod val="120000"/>
+                <a:shade val="78000"/>
+              </a:schemeClr>
+            </a:gs>
+          </a:gsLst>
+          <a:lin ang="5400000" scaled="0"/>
+        </a:gradFill>
+      </a:fillStyleLst>
+      <a:lnStyleLst>
+        <a:ln w="12700" cap="flat" cmpd="sng" algn="ctr">
+          <a:solidFill>
+            <a:schemeClr val="phClr"/>
+          </a:solidFill>
+          <a:prstDash val="solid"/>
+          <a:miter lim="800000"/>
+        </a:ln>
+        <a:ln w="19050" cap="flat" cmpd="sng" algn="ctr">
+          <a:solidFill>
+            <a:schemeClr val="phClr"/>
+          </a:solidFill>
+          <a:prstDash val="solid"/>
+          <a:miter lim="800000"/>
+        </a:ln>
+        <a:ln w="25400" cap="flat" cmpd="sng" algn="ctr">
+          <a:solidFill>
+            <a:schemeClr val="phClr"/>
+          </a:solidFill>
+          <a:prstDash val="solid"/>
+          <a:miter lim="800000"/>
+        </a:ln>
+      </a:lnStyleLst>
+      <a:effectStyleLst>
+        <a:effectStyle>
+          <a:effectLst/>
+        </a:effectStyle>
+        <a:effectStyle>
+          <a:effectLst/>
+        </a:effectStyle>
+        <a:effectStyle>
+          <a:effectLst>
+            <a:outerShdw blurRad="57150" dist="19050" dir="5400000" algn="ctr" rotWithShape="0">
+              <a:srgbClr val="000000">
+                <a:alpha val="63000"/>
+              </a:srgbClr>
+            </a:outerShdw>
+          </a:effectLst>
+        </a:effectStyle>
+      </a:effectStyleLst>
+      <a:bgFillStyleLst>
+        <a:solidFill>
+          <a:schemeClr val="phClr"/>
+        </a:solidFill>
+        <a:solidFill>
+          <a:schemeClr val="phClr">
+            <a:tint val="95000"/>
+            <a:satMod val="170000"/>
+          </a:schemeClr>
+        </a:solidFill>
+        <a:gradFill rotWithShape="1">
+          <a:gsLst>
+            <a:gs pos="0">
+              <a:schemeClr val="phClr">
+                <a:tint val="93000"/>
+                <a:satMod val="150000"/>
+                <a:shade val="98000"/>
+                <a:lumMod val="102000"/>
+              </a:schemeClr>
+            </a:gs>
+            <a:gs pos="50000">
+              <a:schemeClr val="phClr">
+                <a:tint val="98000"/>
+                <a:satMod val="130000"/>
+                <a:shade val="90000"/>
+                <a:lumMod val="103000"/>
+              </a:schemeClr>
+            </a:gs>
+            <a:gs pos="100000">
+              <a:schemeClr val="phClr">
+                <a:shade val="63000"/>
+                <a:satMod val="120000"/>
+              </a:schemeClr>
+            </a:gs>
+          </a:gsLst>
+          <a:lin ang="5400000" scaled="0"/>
+        </a:gradFill>
+      </a:bgFillStyleLst>
+    </a:fmtScheme>
+  </a:themeElements>
+  <a:objectDefaults>
+    <a:lnDef>
+      <a:spPr/>
+      <a:bodyPr/>
+      <a:lstStyle/>
+      <a:style>
+        <a:lnRef idx="2">
+          <a:schemeClr val="accent1"/>
+        </a:lnRef>
+        <a:fillRef idx="0">
+          <a:schemeClr val="accent1"/>
+        </a:fillRef>
+        <a:effectRef idx="1">
+          <a:schemeClr val="accent1"/>
+        </a:effectRef>
+        <a:fontRef idx="minor">
+          <a:schemeClr val="tx1"/>
+        </a:fontRef>
+      </a:style>
+    </a:lnDef>
+  </a:objectDefaults>
+  <a:extraClrSchemeLst/>
+  <a:extLst>
+    <a:ext uri="{05A4C25C-085E-4340-85A3-A5531E510DB2}">
+      <thm15:themeFamily xmlns:thm15="http://schemas.microsoft.com/office/thememl/2012/main" name="Office Theme" id="{2E142A2C-CD16-42D6-873A-C26D2A0506FA}" vid="{1BDDFF52-6CD6-40A5-AB3C-68EB2F1E4D0A}"/>
+    </a:ext>
+  </a:extLst>
+</a:theme>
 </file>